--- a/docs/picture/画像生成用.pptx
+++ b/docs/picture/画像生成用.pptx
@@ -4,26 +4,37 @@
   <p:sldMasterIdLst>
     <p:sldMasterId id="2147483648" r:id="rId1"/>
   </p:sldMasterIdLst>
+  <p:notesMasterIdLst>
+    <p:notesMasterId r:id="rId29"/>
+  </p:notesMasterIdLst>
   <p:sldIdLst>
-    <p:sldId id="256" r:id="rId2"/>
-    <p:sldId id="269" r:id="rId3"/>
-    <p:sldId id="257" r:id="rId4"/>
-    <p:sldId id="268" r:id="rId5"/>
+    <p:sldId id="293" r:id="rId2"/>
+    <p:sldId id="256" r:id="rId3"/>
+    <p:sldId id="269" r:id="rId4"/>
+    <p:sldId id="257" r:id="rId5"/>
     <p:sldId id="258" r:id="rId6"/>
-    <p:sldId id="263" r:id="rId7"/>
-    <p:sldId id="259" r:id="rId8"/>
-    <p:sldId id="260" r:id="rId9"/>
-    <p:sldId id="261" r:id="rId10"/>
-    <p:sldId id="262" r:id="rId11"/>
-    <p:sldId id="264" r:id="rId12"/>
-    <p:sldId id="265" r:id="rId13"/>
-    <p:sldId id="266" r:id="rId14"/>
-    <p:sldId id="267" r:id="rId15"/>
-    <p:sldId id="270" r:id="rId16"/>
-    <p:sldId id="271" r:id="rId17"/>
-    <p:sldId id="272" r:id="rId18"/>
-    <p:sldId id="274" r:id="rId19"/>
-    <p:sldId id="273" r:id="rId20"/>
+    <p:sldId id="277" r:id="rId7"/>
+    <p:sldId id="263" r:id="rId8"/>
+    <p:sldId id="275" r:id="rId9"/>
+    <p:sldId id="296" r:id="rId10"/>
+    <p:sldId id="264" r:id="rId11"/>
+    <p:sldId id="295" r:id="rId12"/>
+    <p:sldId id="286" r:id="rId13"/>
+    <p:sldId id="280" r:id="rId14"/>
+    <p:sldId id="276" r:id="rId15"/>
+    <p:sldId id="281" r:id="rId16"/>
+    <p:sldId id="282" r:id="rId17"/>
+    <p:sldId id="283" r:id="rId18"/>
+    <p:sldId id="284" r:id="rId19"/>
+    <p:sldId id="285" r:id="rId20"/>
+    <p:sldId id="287" r:id="rId21"/>
+    <p:sldId id="288" r:id="rId22"/>
+    <p:sldId id="289" r:id="rId23"/>
+    <p:sldId id="290" r:id="rId24"/>
+    <p:sldId id="291" r:id="rId25"/>
+    <p:sldId id="292" r:id="rId26"/>
+    <p:sldId id="279" r:id="rId27"/>
+    <p:sldId id="278" r:id="rId28"/>
   </p:sldIdLst>
   <p:sldSz cx="12192000" cy="6858000"/>
   <p:notesSz cx="6858000" cy="9144000"/>
@@ -130,6 +141,555 @@
 </p:presentation>
 </file>
 
+<file path=ppt/notesMasters/notesMaster1.xml><?xml version="1.0" encoding="utf-8"?>
+<p:notesMaster xmlns:a="http://schemas.openxmlformats.org/drawingml/2006/main" xmlns:r="http://schemas.openxmlformats.org/officeDocument/2006/relationships" xmlns:p="http://schemas.openxmlformats.org/presentationml/2006/main">
+  <p:cSld>
+    <p:bg>
+      <p:bgRef idx="1001">
+        <a:schemeClr val="bg1"/>
+      </p:bgRef>
+    </p:bg>
+    <p:spTree>
+      <p:nvGrpSpPr>
+        <p:cNvPr id="1" name=""/>
+        <p:cNvGrpSpPr/>
+        <p:nvPr/>
+      </p:nvGrpSpPr>
+      <p:grpSpPr>
+        <a:xfrm>
+          <a:off x="0" y="0"/>
+          <a:ext cx="0" cy="0"/>
+          <a:chOff x="0" y="0"/>
+          <a:chExt cx="0" cy="0"/>
+        </a:xfrm>
+      </p:grpSpPr>
+      <p:sp>
+        <p:nvSpPr>
+          <p:cNvPr id="2" name="ヘッダー プレースホルダー 1"/>
+          <p:cNvSpPr>
+            <a:spLocks noGrp="1"/>
+          </p:cNvSpPr>
+          <p:nvPr>
+            <p:ph type="hdr" sz="quarter"/>
+          </p:nvPr>
+        </p:nvSpPr>
+        <p:spPr>
+          <a:xfrm>
+            <a:off x="0" y="0"/>
+            <a:ext cx="2971800" cy="458788"/>
+          </a:xfrm>
+          <a:prstGeom prst="rect">
+            <a:avLst/>
+          </a:prstGeom>
+        </p:spPr>
+        <p:txBody>
+          <a:bodyPr vert="horz" lIns="91440" tIns="45720" rIns="91440" bIns="45720" rtlCol="0"/>
+          <a:lstStyle>
+            <a:lvl1pPr algn="l">
+              <a:defRPr sz="1200"/>
+            </a:lvl1pPr>
+          </a:lstStyle>
+          <a:p>
+            <a:endParaRPr kumimoji="1" lang="ja-JP" altLang="en-US"/>
+          </a:p>
+        </p:txBody>
+      </p:sp>
+      <p:sp>
+        <p:nvSpPr>
+          <p:cNvPr id="3" name="日付プレースホルダー 2"/>
+          <p:cNvSpPr>
+            <a:spLocks noGrp="1"/>
+          </p:cNvSpPr>
+          <p:nvPr>
+            <p:ph type="dt" idx="1"/>
+          </p:nvPr>
+        </p:nvSpPr>
+        <p:spPr>
+          <a:xfrm>
+            <a:off x="3884613" y="0"/>
+            <a:ext cx="2971800" cy="458788"/>
+          </a:xfrm>
+          <a:prstGeom prst="rect">
+            <a:avLst/>
+          </a:prstGeom>
+        </p:spPr>
+        <p:txBody>
+          <a:bodyPr vert="horz" lIns="91440" tIns="45720" rIns="91440" bIns="45720" rtlCol="0"/>
+          <a:lstStyle>
+            <a:lvl1pPr algn="r">
+              <a:defRPr sz="1200"/>
+            </a:lvl1pPr>
+          </a:lstStyle>
+          <a:p>
+            <a:fld id="{4263CA97-C1B0-44A9-8C1B-5B8669AFC391}" type="datetimeFigureOut">
+              <a:rPr kumimoji="1" lang="ja-JP" altLang="en-US" smtClean="0"/>
+              <a:t>2023/9/8</a:t>
+            </a:fld>
+            <a:endParaRPr kumimoji="1" lang="ja-JP" altLang="en-US"/>
+          </a:p>
+        </p:txBody>
+      </p:sp>
+      <p:sp>
+        <p:nvSpPr>
+          <p:cNvPr id="4" name="スライド イメージ プレースホルダー 3"/>
+          <p:cNvSpPr>
+            <a:spLocks noGrp="1" noRot="1" noChangeAspect="1"/>
+          </p:cNvSpPr>
+          <p:nvPr>
+            <p:ph type="sldImg" idx="2"/>
+          </p:nvPr>
+        </p:nvSpPr>
+        <p:spPr>
+          <a:xfrm>
+            <a:off x="685800" y="1143000"/>
+            <a:ext cx="5486400" cy="3086100"/>
+          </a:xfrm>
+          <a:prstGeom prst="rect">
+            <a:avLst/>
+          </a:prstGeom>
+          <a:noFill/>
+          <a:ln w="12700">
+            <a:solidFill>
+              <a:prstClr val="black"/>
+            </a:solidFill>
+          </a:ln>
+        </p:spPr>
+        <p:txBody>
+          <a:bodyPr vert="horz" lIns="91440" tIns="45720" rIns="91440" bIns="45720" rtlCol="0" anchor="ctr"/>
+          <a:lstStyle/>
+          <a:p>
+            <a:endParaRPr lang="ja-JP" altLang="en-US"/>
+          </a:p>
+        </p:txBody>
+      </p:sp>
+      <p:sp>
+        <p:nvSpPr>
+          <p:cNvPr id="5" name="ノート プレースホルダー 4"/>
+          <p:cNvSpPr>
+            <a:spLocks noGrp="1"/>
+          </p:cNvSpPr>
+          <p:nvPr>
+            <p:ph type="body" sz="quarter" idx="3"/>
+          </p:nvPr>
+        </p:nvSpPr>
+        <p:spPr>
+          <a:xfrm>
+            <a:off x="685800" y="4400550"/>
+            <a:ext cx="5486400" cy="3600450"/>
+          </a:xfrm>
+          <a:prstGeom prst="rect">
+            <a:avLst/>
+          </a:prstGeom>
+        </p:spPr>
+        <p:txBody>
+          <a:bodyPr vert="horz" lIns="91440" tIns="45720" rIns="91440" bIns="45720" rtlCol="0"/>
+          <a:lstStyle/>
+          <a:p>
+            <a:pPr lvl="0"/>
+            <a:r>
+              <a:rPr kumimoji="1" lang="ja-JP" altLang="en-US"/>
+              <a:t>マスター テキストの書式設定</a:t>
+            </a:r>
+          </a:p>
+          <a:p>
+            <a:pPr lvl="1"/>
+            <a:r>
+              <a:rPr kumimoji="1" lang="ja-JP" altLang="en-US"/>
+              <a:t>第 </a:t>
+            </a:r>
+            <a:r>
+              <a:rPr kumimoji="1" lang="en-US" altLang="ja-JP"/>
+              <a:t>2 </a:t>
+            </a:r>
+            <a:r>
+              <a:rPr kumimoji="1" lang="ja-JP" altLang="en-US"/>
+              <a:t>レベル</a:t>
+            </a:r>
+          </a:p>
+          <a:p>
+            <a:pPr lvl="2"/>
+            <a:r>
+              <a:rPr kumimoji="1" lang="ja-JP" altLang="en-US"/>
+              <a:t>第 </a:t>
+            </a:r>
+            <a:r>
+              <a:rPr kumimoji="1" lang="en-US" altLang="ja-JP"/>
+              <a:t>3 </a:t>
+            </a:r>
+            <a:r>
+              <a:rPr kumimoji="1" lang="ja-JP" altLang="en-US"/>
+              <a:t>レベル</a:t>
+            </a:r>
+          </a:p>
+          <a:p>
+            <a:pPr lvl="3"/>
+            <a:r>
+              <a:rPr kumimoji="1" lang="ja-JP" altLang="en-US"/>
+              <a:t>第 </a:t>
+            </a:r>
+            <a:r>
+              <a:rPr kumimoji="1" lang="en-US" altLang="ja-JP"/>
+              <a:t>4 </a:t>
+            </a:r>
+            <a:r>
+              <a:rPr kumimoji="1" lang="ja-JP" altLang="en-US"/>
+              <a:t>レベル</a:t>
+            </a:r>
+          </a:p>
+          <a:p>
+            <a:pPr lvl="4"/>
+            <a:r>
+              <a:rPr kumimoji="1" lang="ja-JP" altLang="en-US"/>
+              <a:t>第 </a:t>
+            </a:r>
+            <a:r>
+              <a:rPr kumimoji="1" lang="en-US" altLang="ja-JP"/>
+              <a:t>5 </a:t>
+            </a:r>
+            <a:r>
+              <a:rPr kumimoji="1" lang="ja-JP" altLang="en-US"/>
+              <a:t>レベル</a:t>
+            </a:r>
+          </a:p>
+        </p:txBody>
+      </p:sp>
+      <p:sp>
+        <p:nvSpPr>
+          <p:cNvPr id="6" name="フッター プレースホルダー 5"/>
+          <p:cNvSpPr>
+            <a:spLocks noGrp="1"/>
+          </p:cNvSpPr>
+          <p:nvPr>
+            <p:ph type="ftr" sz="quarter" idx="4"/>
+          </p:nvPr>
+        </p:nvSpPr>
+        <p:spPr>
+          <a:xfrm>
+            <a:off x="0" y="8685213"/>
+            <a:ext cx="2971800" cy="458787"/>
+          </a:xfrm>
+          <a:prstGeom prst="rect">
+            <a:avLst/>
+          </a:prstGeom>
+        </p:spPr>
+        <p:txBody>
+          <a:bodyPr vert="horz" lIns="91440" tIns="45720" rIns="91440" bIns="45720" rtlCol="0" anchor="b"/>
+          <a:lstStyle>
+            <a:lvl1pPr algn="l">
+              <a:defRPr sz="1200"/>
+            </a:lvl1pPr>
+          </a:lstStyle>
+          <a:p>
+            <a:endParaRPr kumimoji="1" lang="ja-JP" altLang="en-US"/>
+          </a:p>
+        </p:txBody>
+      </p:sp>
+      <p:sp>
+        <p:nvSpPr>
+          <p:cNvPr id="7" name="スライド番号プレースホルダー 6"/>
+          <p:cNvSpPr>
+            <a:spLocks noGrp="1"/>
+          </p:cNvSpPr>
+          <p:nvPr>
+            <p:ph type="sldNum" sz="quarter" idx="5"/>
+          </p:nvPr>
+        </p:nvSpPr>
+        <p:spPr>
+          <a:xfrm>
+            <a:off x="3884613" y="8685213"/>
+            <a:ext cx="2971800" cy="458787"/>
+          </a:xfrm>
+          <a:prstGeom prst="rect">
+            <a:avLst/>
+          </a:prstGeom>
+        </p:spPr>
+        <p:txBody>
+          <a:bodyPr vert="horz" lIns="91440" tIns="45720" rIns="91440" bIns="45720" rtlCol="0" anchor="b"/>
+          <a:lstStyle>
+            <a:lvl1pPr algn="r">
+              <a:defRPr sz="1200"/>
+            </a:lvl1pPr>
+          </a:lstStyle>
+          <a:p>
+            <a:fld id="{3133D84B-FF29-426F-9B76-9F99420DEAA3}" type="slidenum">
+              <a:rPr kumimoji="1" lang="ja-JP" altLang="en-US" smtClean="0"/>
+              <a:t>‹#›</a:t>
+            </a:fld>
+            <a:endParaRPr kumimoji="1" lang="ja-JP" altLang="en-US"/>
+          </a:p>
+        </p:txBody>
+      </p:sp>
+    </p:spTree>
+    <p:extLst>
+      <p:ext uri="{BB962C8B-B14F-4D97-AF65-F5344CB8AC3E}">
+        <p14:creationId xmlns:p14="http://schemas.microsoft.com/office/powerpoint/2010/main" val="4271793419"/>
+      </p:ext>
+    </p:extLst>
+  </p:cSld>
+  <p:clrMap bg1="lt1" tx1="dk1" bg2="lt2" tx2="dk2" accent1="accent1" accent2="accent2" accent3="accent3" accent4="accent4" accent5="accent5" accent6="accent6" hlink="hlink" folHlink="folHlink"/>
+  <p:notesStyle>
+    <a:lvl1pPr marL="0" algn="l" defTabSz="914400" rtl="0" eaLnBrk="1" latinLnBrk="0" hangingPunct="1">
+      <a:defRPr kumimoji="1" sz="1200" kern="1200">
+        <a:solidFill>
+          <a:schemeClr val="tx1"/>
+        </a:solidFill>
+        <a:latin typeface="+mn-lt"/>
+        <a:ea typeface="+mn-ea"/>
+        <a:cs typeface="+mn-cs"/>
+      </a:defRPr>
+    </a:lvl1pPr>
+    <a:lvl2pPr marL="457200" algn="l" defTabSz="914400" rtl="0" eaLnBrk="1" latinLnBrk="0" hangingPunct="1">
+      <a:defRPr kumimoji="1" sz="1200" kern="1200">
+        <a:solidFill>
+          <a:schemeClr val="tx1"/>
+        </a:solidFill>
+        <a:latin typeface="+mn-lt"/>
+        <a:ea typeface="+mn-ea"/>
+        <a:cs typeface="+mn-cs"/>
+      </a:defRPr>
+    </a:lvl2pPr>
+    <a:lvl3pPr marL="914400" algn="l" defTabSz="914400" rtl="0" eaLnBrk="1" latinLnBrk="0" hangingPunct="1">
+      <a:defRPr kumimoji="1" sz="1200" kern="1200">
+        <a:solidFill>
+          <a:schemeClr val="tx1"/>
+        </a:solidFill>
+        <a:latin typeface="+mn-lt"/>
+        <a:ea typeface="+mn-ea"/>
+        <a:cs typeface="+mn-cs"/>
+      </a:defRPr>
+    </a:lvl3pPr>
+    <a:lvl4pPr marL="1371600" algn="l" defTabSz="914400" rtl="0" eaLnBrk="1" latinLnBrk="0" hangingPunct="1">
+      <a:defRPr kumimoji="1" sz="1200" kern="1200">
+        <a:solidFill>
+          <a:schemeClr val="tx1"/>
+        </a:solidFill>
+        <a:latin typeface="+mn-lt"/>
+        <a:ea typeface="+mn-ea"/>
+        <a:cs typeface="+mn-cs"/>
+      </a:defRPr>
+    </a:lvl4pPr>
+    <a:lvl5pPr marL="1828800" algn="l" defTabSz="914400" rtl="0" eaLnBrk="1" latinLnBrk="0" hangingPunct="1">
+      <a:defRPr kumimoji="1" sz="1200" kern="1200">
+        <a:solidFill>
+          <a:schemeClr val="tx1"/>
+        </a:solidFill>
+        <a:latin typeface="+mn-lt"/>
+        <a:ea typeface="+mn-ea"/>
+        <a:cs typeface="+mn-cs"/>
+      </a:defRPr>
+    </a:lvl5pPr>
+    <a:lvl6pPr marL="2286000" algn="l" defTabSz="914400" rtl="0" eaLnBrk="1" latinLnBrk="0" hangingPunct="1">
+      <a:defRPr kumimoji="1" sz="1200" kern="1200">
+        <a:solidFill>
+          <a:schemeClr val="tx1"/>
+        </a:solidFill>
+        <a:latin typeface="+mn-lt"/>
+        <a:ea typeface="+mn-ea"/>
+        <a:cs typeface="+mn-cs"/>
+      </a:defRPr>
+    </a:lvl6pPr>
+    <a:lvl7pPr marL="2743200" algn="l" defTabSz="914400" rtl="0" eaLnBrk="1" latinLnBrk="0" hangingPunct="1">
+      <a:defRPr kumimoji="1" sz="1200" kern="1200">
+        <a:solidFill>
+          <a:schemeClr val="tx1"/>
+        </a:solidFill>
+        <a:latin typeface="+mn-lt"/>
+        <a:ea typeface="+mn-ea"/>
+        <a:cs typeface="+mn-cs"/>
+      </a:defRPr>
+    </a:lvl7pPr>
+    <a:lvl8pPr marL="3200400" algn="l" defTabSz="914400" rtl="0" eaLnBrk="1" latinLnBrk="0" hangingPunct="1">
+      <a:defRPr kumimoji="1" sz="1200" kern="1200">
+        <a:solidFill>
+          <a:schemeClr val="tx1"/>
+        </a:solidFill>
+        <a:latin typeface="+mn-lt"/>
+        <a:ea typeface="+mn-ea"/>
+        <a:cs typeface="+mn-cs"/>
+      </a:defRPr>
+    </a:lvl8pPr>
+    <a:lvl9pPr marL="3657600" algn="l" defTabSz="914400" rtl="0" eaLnBrk="1" latinLnBrk="0" hangingPunct="1">
+      <a:defRPr kumimoji="1" sz="1200" kern="1200">
+        <a:solidFill>
+          <a:schemeClr val="tx1"/>
+        </a:solidFill>
+        <a:latin typeface="+mn-lt"/>
+        <a:ea typeface="+mn-ea"/>
+        <a:cs typeface="+mn-cs"/>
+      </a:defRPr>
+    </a:lvl9pPr>
+  </p:notesStyle>
+</p:notesMaster>
+</file>
+
+<file path=ppt/notesSlides/notesSlide1.xml><?xml version="1.0" encoding="utf-8"?>
+<p:notes xmlns:a="http://schemas.openxmlformats.org/drawingml/2006/main" xmlns:r="http://schemas.openxmlformats.org/officeDocument/2006/relationships" xmlns:p="http://schemas.openxmlformats.org/presentationml/2006/main">
+  <p:cSld>
+    <p:spTree>
+      <p:nvGrpSpPr>
+        <p:cNvPr id="1" name=""/>
+        <p:cNvGrpSpPr/>
+        <p:nvPr/>
+      </p:nvGrpSpPr>
+      <p:grpSpPr>
+        <a:xfrm>
+          <a:off x="0" y="0"/>
+          <a:ext cx="0" cy="0"/>
+          <a:chOff x="0" y="0"/>
+          <a:chExt cx="0" cy="0"/>
+        </a:xfrm>
+      </p:grpSpPr>
+      <p:sp>
+        <p:nvSpPr>
+          <p:cNvPr id="2" name="スライド イメージ プレースホルダー 1"/>
+          <p:cNvSpPr>
+            <a:spLocks noGrp="1" noRot="1" noChangeAspect="1"/>
+          </p:cNvSpPr>
+          <p:nvPr>
+            <p:ph type="sldImg"/>
+          </p:nvPr>
+        </p:nvSpPr>
+        <p:spPr/>
+      </p:sp>
+      <p:sp>
+        <p:nvSpPr>
+          <p:cNvPr id="3" name="ノート プレースホルダー 2"/>
+          <p:cNvSpPr>
+            <a:spLocks noGrp="1"/>
+          </p:cNvSpPr>
+          <p:nvPr>
+            <p:ph type="body" idx="1"/>
+          </p:nvPr>
+        </p:nvSpPr>
+        <p:spPr/>
+        <p:txBody>
+          <a:bodyPr/>
+          <a:lstStyle/>
+          <a:p>
+            <a:endParaRPr kumimoji="1" lang="ja-JP" altLang="en-US" dirty="0"/>
+          </a:p>
+        </p:txBody>
+      </p:sp>
+      <p:sp>
+        <p:nvSpPr>
+          <p:cNvPr id="4" name="スライド番号プレースホルダー 3"/>
+          <p:cNvSpPr>
+            <a:spLocks noGrp="1"/>
+          </p:cNvSpPr>
+          <p:nvPr>
+            <p:ph type="sldNum" sz="quarter" idx="5"/>
+          </p:nvPr>
+        </p:nvSpPr>
+        <p:spPr/>
+        <p:txBody>
+          <a:bodyPr/>
+          <a:lstStyle/>
+          <a:p>
+            <a:fld id="{3133D84B-FF29-426F-9B76-9F99420DEAA3}" type="slidenum">
+              <a:rPr kumimoji="1" lang="ja-JP" altLang="en-US" smtClean="0"/>
+              <a:t>8</a:t>
+            </a:fld>
+            <a:endParaRPr kumimoji="1" lang="ja-JP" altLang="en-US"/>
+          </a:p>
+        </p:txBody>
+      </p:sp>
+    </p:spTree>
+    <p:extLst>
+      <p:ext uri="{BB962C8B-B14F-4D97-AF65-F5344CB8AC3E}">
+        <p14:creationId xmlns:p14="http://schemas.microsoft.com/office/powerpoint/2010/main" val="939336290"/>
+      </p:ext>
+    </p:extLst>
+  </p:cSld>
+  <p:clrMapOvr>
+    <a:masterClrMapping/>
+  </p:clrMapOvr>
+</p:notes>
+</file>
+
+<file path=ppt/notesSlides/notesSlide2.xml><?xml version="1.0" encoding="utf-8"?>
+<p:notes xmlns:a="http://schemas.openxmlformats.org/drawingml/2006/main" xmlns:r="http://schemas.openxmlformats.org/officeDocument/2006/relationships" xmlns:p="http://schemas.openxmlformats.org/presentationml/2006/main">
+  <p:cSld>
+    <p:spTree>
+      <p:nvGrpSpPr>
+        <p:cNvPr id="1" name=""/>
+        <p:cNvGrpSpPr/>
+        <p:nvPr/>
+      </p:nvGrpSpPr>
+      <p:grpSpPr>
+        <a:xfrm>
+          <a:off x="0" y="0"/>
+          <a:ext cx="0" cy="0"/>
+          <a:chOff x="0" y="0"/>
+          <a:chExt cx="0" cy="0"/>
+        </a:xfrm>
+      </p:grpSpPr>
+      <p:sp>
+        <p:nvSpPr>
+          <p:cNvPr id="2" name="スライド イメージ プレースホルダー 1"/>
+          <p:cNvSpPr>
+            <a:spLocks noGrp="1" noRot="1" noChangeAspect="1"/>
+          </p:cNvSpPr>
+          <p:nvPr>
+            <p:ph type="sldImg"/>
+          </p:nvPr>
+        </p:nvSpPr>
+        <p:spPr/>
+      </p:sp>
+      <p:sp>
+        <p:nvSpPr>
+          <p:cNvPr id="3" name="ノート プレースホルダー 2"/>
+          <p:cNvSpPr>
+            <a:spLocks noGrp="1"/>
+          </p:cNvSpPr>
+          <p:nvPr>
+            <p:ph type="body" idx="1"/>
+          </p:nvPr>
+        </p:nvSpPr>
+        <p:spPr/>
+        <p:txBody>
+          <a:bodyPr/>
+          <a:lstStyle/>
+          <a:p>
+            <a:endParaRPr kumimoji="1" lang="ja-JP" altLang="en-US" dirty="0"/>
+          </a:p>
+        </p:txBody>
+      </p:sp>
+      <p:sp>
+        <p:nvSpPr>
+          <p:cNvPr id="4" name="スライド番号プレースホルダー 3"/>
+          <p:cNvSpPr>
+            <a:spLocks noGrp="1"/>
+          </p:cNvSpPr>
+          <p:nvPr>
+            <p:ph type="sldNum" sz="quarter" idx="5"/>
+          </p:nvPr>
+        </p:nvSpPr>
+        <p:spPr/>
+        <p:txBody>
+          <a:bodyPr/>
+          <a:lstStyle/>
+          <a:p>
+            <a:fld id="{3133D84B-FF29-426F-9B76-9F99420DEAA3}" type="slidenum">
+              <a:rPr kumimoji="1" lang="ja-JP" altLang="en-US" smtClean="0"/>
+              <a:t>14</a:t>
+            </a:fld>
+            <a:endParaRPr kumimoji="1" lang="ja-JP" altLang="en-US"/>
+          </a:p>
+        </p:txBody>
+      </p:sp>
+    </p:spTree>
+    <p:extLst>
+      <p:ext uri="{BB962C8B-B14F-4D97-AF65-F5344CB8AC3E}">
+        <p14:creationId xmlns:p14="http://schemas.microsoft.com/office/powerpoint/2010/main" val="1008548413"/>
+      </p:ext>
+    </p:extLst>
+  </p:cSld>
+  <p:clrMapOvr>
+    <a:masterClrMapping/>
+  </p:clrMapOvr>
+</p:notes>
+</file>
+
 <file path=ppt/slideLayouts/slideLayout1.xml><?xml version="1.0" encoding="utf-8"?>
 <p:sldLayout xmlns:a="http://schemas.openxmlformats.org/drawingml/2006/main" xmlns:r="http://schemas.openxmlformats.org/officeDocument/2006/relationships" xmlns:p="http://schemas.openxmlformats.org/presentationml/2006/main" type="title" preserve="1">
   <p:cSld name="タイトル スライド">
@@ -277,7 +837,7 @@
           <a:p>
             <a:fld id="{1AF6F0EA-576A-C44D-B280-4FBFCA599755}" type="datetimeFigureOut">
               <a:rPr kumimoji="1" lang="ja-JP" altLang="en-US" smtClean="0"/>
-              <a:t>2023/8/1</a:t>
+              <a:t>2023/9/8</a:t>
             </a:fld>
             <a:endParaRPr kumimoji="1" lang="ja-JP" altLang="en-US"/>
           </a:p>
@@ -507,7 +1067,7 @@
           <a:p>
             <a:fld id="{1AF6F0EA-576A-C44D-B280-4FBFCA599755}" type="datetimeFigureOut">
               <a:rPr kumimoji="1" lang="ja-JP" altLang="en-US" smtClean="0"/>
-              <a:t>2023/8/1</a:t>
+              <a:t>2023/9/8</a:t>
             </a:fld>
             <a:endParaRPr kumimoji="1" lang="ja-JP" altLang="en-US"/>
           </a:p>
@@ -747,7 +1307,7 @@
           <a:p>
             <a:fld id="{1AF6F0EA-576A-C44D-B280-4FBFCA599755}" type="datetimeFigureOut">
               <a:rPr kumimoji="1" lang="ja-JP" altLang="en-US" smtClean="0"/>
-              <a:t>2023/8/1</a:t>
+              <a:t>2023/9/8</a:t>
             </a:fld>
             <a:endParaRPr kumimoji="1" lang="ja-JP" altLang="en-US"/>
           </a:p>
@@ -977,7 +1537,7 @@
           <a:p>
             <a:fld id="{1AF6F0EA-576A-C44D-B280-4FBFCA599755}" type="datetimeFigureOut">
               <a:rPr kumimoji="1" lang="ja-JP" altLang="en-US" smtClean="0"/>
-              <a:t>2023/8/1</a:t>
+              <a:t>2023/9/8</a:t>
             </a:fld>
             <a:endParaRPr kumimoji="1" lang="ja-JP" altLang="en-US"/>
           </a:p>
@@ -1252,7 +1812,7 @@
           <a:p>
             <a:fld id="{1AF6F0EA-576A-C44D-B280-4FBFCA599755}" type="datetimeFigureOut">
               <a:rPr kumimoji="1" lang="ja-JP" altLang="en-US" smtClean="0"/>
-              <a:t>2023/8/1</a:t>
+              <a:t>2023/9/8</a:t>
             </a:fld>
             <a:endParaRPr kumimoji="1" lang="ja-JP" altLang="en-US"/>
           </a:p>
@@ -1581,7 +2141,7 @@
           <a:p>
             <a:fld id="{1AF6F0EA-576A-C44D-B280-4FBFCA599755}" type="datetimeFigureOut">
               <a:rPr kumimoji="1" lang="ja-JP" altLang="en-US" smtClean="0"/>
-              <a:t>2023/8/1</a:t>
+              <a:t>2023/9/8</a:t>
             </a:fld>
             <a:endParaRPr kumimoji="1" lang="ja-JP" altLang="en-US"/>
           </a:p>
@@ -2057,7 +2617,7 @@
           <a:p>
             <a:fld id="{1AF6F0EA-576A-C44D-B280-4FBFCA599755}" type="datetimeFigureOut">
               <a:rPr kumimoji="1" lang="ja-JP" altLang="en-US" smtClean="0"/>
-              <a:t>2023/8/1</a:t>
+              <a:t>2023/9/8</a:t>
             </a:fld>
             <a:endParaRPr kumimoji="1" lang="ja-JP" altLang="en-US"/>
           </a:p>
@@ -2198,7 +2758,7 @@
           <a:p>
             <a:fld id="{1AF6F0EA-576A-C44D-B280-4FBFCA599755}" type="datetimeFigureOut">
               <a:rPr kumimoji="1" lang="ja-JP" altLang="en-US" smtClean="0"/>
-              <a:t>2023/8/1</a:t>
+              <a:t>2023/9/8</a:t>
             </a:fld>
             <a:endParaRPr kumimoji="1" lang="ja-JP" altLang="en-US"/>
           </a:p>
@@ -2311,7 +2871,7 @@
           <a:p>
             <a:fld id="{1AF6F0EA-576A-C44D-B280-4FBFCA599755}" type="datetimeFigureOut">
               <a:rPr kumimoji="1" lang="ja-JP" altLang="en-US" smtClean="0"/>
-              <a:t>2023/8/1</a:t>
+              <a:t>2023/9/8</a:t>
             </a:fld>
             <a:endParaRPr kumimoji="1" lang="ja-JP" altLang="en-US"/>
           </a:p>
@@ -2654,7 +3214,7 @@
           <a:p>
             <a:fld id="{1AF6F0EA-576A-C44D-B280-4FBFCA599755}" type="datetimeFigureOut">
               <a:rPr kumimoji="1" lang="ja-JP" altLang="en-US" smtClean="0"/>
-              <a:t>2023/8/1</a:t>
+              <a:t>2023/9/8</a:t>
             </a:fld>
             <a:endParaRPr kumimoji="1" lang="ja-JP" altLang="en-US"/>
           </a:p>
@@ -2942,7 +3502,7 @@
           <a:p>
             <a:fld id="{1AF6F0EA-576A-C44D-B280-4FBFCA599755}" type="datetimeFigureOut">
               <a:rPr kumimoji="1" lang="ja-JP" altLang="en-US" smtClean="0"/>
-              <a:t>2023/8/1</a:t>
+              <a:t>2023/9/8</a:t>
             </a:fld>
             <a:endParaRPr kumimoji="1" lang="ja-JP" altLang="en-US"/>
           </a:p>
@@ -3215,7 +3775,7 @@
           <a:p>
             <a:fld id="{1AF6F0EA-576A-C44D-B280-4FBFCA599755}" type="datetimeFigureOut">
               <a:rPr kumimoji="1" lang="ja-JP" altLang="en-US" smtClean="0"/>
-              <a:t>2023/8/1</a:t>
+              <a:t>2023/9/8</a:t>
             </a:fld>
             <a:endParaRPr kumimoji="1" lang="ja-JP" altLang="en-US"/>
           </a:p>
@@ -3632,300 +4192,43 @@
           <a:chExt cx="0" cy="0"/>
         </a:xfrm>
       </p:grpSpPr>
-      <p:pic>
-        <p:nvPicPr>
-          <p:cNvPr id="3" name="図 2" descr="グラフィカル ユーザー インターフェイス, アプリケーション&#10;&#10;自動的に生成された説明">
-            <a:extLst>
-              <a:ext uri="{FF2B5EF4-FFF2-40B4-BE49-F238E27FC236}">
-                <a16:creationId xmlns:a16="http://schemas.microsoft.com/office/drawing/2014/main" id="{8C90FDFC-FBD2-8798-E8F0-16723DF43A8F}"/>
-              </a:ext>
-            </a:extLst>
-          </p:cNvPr>
-          <p:cNvPicPr>
-            <a:picLocks noChangeAspect="1"/>
-          </p:cNvPicPr>
-          <p:nvPr/>
-        </p:nvPicPr>
-        <p:blipFill>
-          <a:blip r:embed="rId2"/>
-          <a:stretch>
-            <a:fillRect/>
-          </a:stretch>
-        </p:blipFill>
-        <p:spPr>
-          <a:xfrm>
-            <a:off x="1847850" y="717550"/>
-            <a:ext cx="7772400" cy="4960859"/>
-          </a:xfrm>
-          <a:prstGeom prst="rect">
-            <a:avLst/>
-          </a:prstGeom>
-        </p:spPr>
-      </p:pic>
-      <p:sp>
-        <p:nvSpPr>
-          <p:cNvPr id="4" name="正方形/長方形 3">
-            <a:extLst>
-              <a:ext uri="{FF2B5EF4-FFF2-40B4-BE49-F238E27FC236}">
-                <a16:creationId xmlns:a16="http://schemas.microsoft.com/office/drawing/2014/main" id="{72DA7747-4F86-6309-3620-6D3BD6DE6FF5}"/>
-              </a:ext>
-            </a:extLst>
-          </p:cNvPr>
-          <p:cNvSpPr/>
-          <p:nvPr/>
-        </p:nvSpPr>
-        <p:spPr>
-          <a:xfrm>
-            <a:off x="1953746" y="1794447"/>
-            <a:ext cx="1236007" cy="209238"/>
-          </a:xfrm>
-          <a:prstGeom prst="rect">
-            <a:avLst/>
-          </a:prstGeom>
-          <a:solidFill>
-            <a:schemeClr val="accent2">
-              <a:alpha val="50000"/>
-            </a:schemeClr>
-          </a:solidFill>
-        </p:spPr>
-        <p:style>
-          <a:lnRef idx="2">
-            <a:schemeClr val="accent2">
-              <a:shade val="15000"/>
-            </a:schemeClr>
-          </a:lnRef>
-          <a:fillRef idx="1">
-            <a:schemeClr val="accent2"/>
-          </a:fillRef>
-          <a:effectRef idx="0">
-            <a:schemeClr val="accent2"/>
-          </a:effectRef>
-          <a:fontRef idx="minor">
-            <a:schemeClr val="lt1"/>
-          </a:fontRef>
-        </p:style>
-        <p:txBody>
-          <a:bodyPr rtlCol="0" anchor="ctr"/>
-          <a:lstStyle/>
-          <a:p>
-            <a:pPr algn="ctr"/>
-            <a:endParaRPr kumimoji="1" lang="ja-JP" altLang="en-US"/>
-          </a:p>
-        </p:txBody>
-      </p:sp>
-      <p:sp>
-        <p:nvSpPr>
-          <p:cNvPr id="5" name="正方形/長方形 4">
-            <a:extLst>
-              <a:ext uri="{FF2B5EF4-FFF2-40B4-BE49-F238E27FC236}">
-                <a16:creationId xmlns:a16="http://schemas.microsoft.com/office/drawing/2014/main" id="{DB40BD1F-73BF-0A78-0669-F9D0B63E1C89}"/>
-              </a:ext>
-            </a:extLst>
-          </p:cNvPr>
-          <p:cNvSpPr/>
-          <p:nvPr/>
-        </p:nvSpPr>
-        <p:spPr>
-          <a:xfrm>
-            <a:off x="5724654" y="1988100"/>
-            <a:ext cx="1185302" cy="209238"/>
-          </a:xfrm>
-          <a:prstGeom prst="rect">
-            <a:avLst/>
-          </a:prstGeom>
-          <a:solidFill>
-            <a:schemeClr val="accent2">
-              <a:alpha val="50000"/>
-            </a:schemeClr>
-          </a:solidFill>
-        </p:spPr>
-        <p:style>
-          <a:lnRef idx="2">
-            <a:schemeClr val="accent2">
-              <a:shade val="15000"/>
-            </a:schemeClr>
-          </a:lnRef>
-          <a:fillRef idx="1">
-            <a:schemeClr val="accent2"/>
-          </a:fillRef>
-          <a:effectRef idx="0">
-            <a:schemeClr val="accent2"/>
-          </a:effectRef>
-          <a:fontRef idx="minor">
-            <a:schemeClr val="lt1"/>
-          </a:fontRef>
-        </p:style>
-        <p:txBody>
-          <a:bodyPr rtlCol="0" anchor="ctr"/>
-          <a:lstStyle/>
-          <a:p>
-            <a:pPr algn="ctr"/>
-            <a:endParaRPr kumimoji="1" lang="ja-JP" altLang="en-US"/>
-          </a:p>
-        </p:txBody>
-      </p:sp>
-      <p:sp>
-        <p:nvSpPr>
-          <p:cNvPr id="6" name="正方形/長方形 5">
-            <a:extLst>
-              <a:ext uri="{FF2B5EF4-FFF2-40B4-BE49-F238E27FC236}">
-                <a16:creationId xmlns:a16="http://schemas.microsoft.com/office/drawing/2014/main" id="{5A9C2F1A-E74F-1CA5-2D15-9D10CA89AA02}"/>
-              </a:ext>
-            </a:extLst>
-          </p:cNvPr>
-          <p:cNvSpPr/>
-          <p:nvPr/>
-        </p:nvSpPr>
-        <p:spPr>
-          <a:xfrm>
-            <a:off x="9180369" y="1689828"/>
-            <a:ext cx="290690" cy="209238"/>
-          </a:xfrm>
-          <a:prstGeom prst="rect">
-            <a:avLst/>
-          </a:prstGeom>
-          <a:solidFill>
-            <a:schemeClr val="accent2">
-              <a:alpha val="50000"/>
-            </a:schemeClr>
-          </a:solidFill>
-        </p:spPr>
-        <p:style>
-          <a:lnRef idx="2">
-            <a:schemeClr val="accent2">
-              <a:shade val="15000"/>
-            </a:schemeClr>
-          </a:lnRef>
-          <a:fillRef idx="1">
-            <a:schemeClr val="accent2"/>
-          </a:fillRef>
-          <a:effectRef idx="0">
-            <a:schemeClr val="accent2"/>
-          </a:effectRef>
-          <a:fontRef idx="minor">
-            <a:schemeClr val="lt1"/>
-          </a:fontRef>
-        </p:style>
-        <p:txBody>
-          <a:bodyPr rtlCol="0" anchor="ctr"/>
-          <a:lstStyle/>
-          <a:p>
-            <a:pPr algn="ctr"/>
-            <a:endParaRPr kumimoji="1" lang="ja-JP" altLang="en-US"/>
-          </a:p>
-        </p:txBody>
-      </p:sp>
-      <p:sp>
-        <p:nvSpPr>
-          <p:cNvPr id="7" name="テキスト ボックス 6">
-            <a:extLst>
-              <a:ext uri="{FF2B5EF4-FFF2-40B4-BE49-F238E27FC236}">
-                <a16:creationId xmlns:a16="http://schemas.microsoft.com/office/drawing/2014/main" id="{B47C5307-897D-080E-B094-5C25963FF621}"/>
-              </a:ext>
-            </a:extLst>
-          </p:cNvPr>
-          <p:cNvSpPr txBox="1"/>
-          <p:nvPr/>
-        </p:nvSpPr>
-        <p:spPr>
-          <a:xfrm>
-            <a:off x="2904258" y="1773667"/>
-            <a:ext cx="290690" cy="261610"/>
-          </a:xfrm>
-          <a:prstGeom prst="rect">
-            <a:avLst/>
-          </a:prstGeom>
-          <a:noFill/>
-        </p:spPr>
-        <p:txBody>
-          <a:bodyPr wrap="square" rtlCol="0">
-            <a:spAutoFit/>
-          </a:bodyPr>
-          <a:lstStyle/>
-          <a:p>
-            <a:r>
-              <a:rPr kumimoji="1" lang="ja-JP" altLang="en-US" sz="1100"/>
-              <a:t>③</a:t>
-            </a:r>
-          </a:p>
-        </p:txBody>
-      </p:sp>
-      <p:sp>
-        <p:nvSpPr>
-          <p:cNvPr id="9" name="テキスト ボックス 8">
-            <a:extLst>
-              <a:ext uri="{FF2B5EF4-FFF2-40B4-BE49-F238E27FC236}">
-                <a16:creationId xmlns:a16="http://schemas.microsoft.com/office/drawing/2014/main" id="{4B7FE7B4-7A2C-F2F7-8BA3-85B233497E4A}"/>
-              </a:ext>
-            </a:extLst>
-          </p:cNvPr>
-          <p:cNvSpPr txBox="1"/>
-          <p:nvPr/>
-        </p:nvSpPr>
-        <p:spPr>
-          <a:xfrm>
-            <a:off x="6525490" y="1971095"/>
-            <a:ext cx="290690" cy="261610"/>
-          </a:xfrm>
-          <a:prstGeom prst="rect">
-            <a:avLst/>
-          </a:prstGeom>
-          <a:noFill/>
-        </p:spPr>
-        <p:txBody>
-          <a:bodyPr wrap="square" rtlCol="0">
-            <a:spAutoFit/>
-          </a:bodyPr>
-          <a:lstStyle/>
-          <a:p>
-            <a:r>
-              <a:rPr kumimoji="1" lang="en-US" altLang="ja-JP" sz="1100" dirty="0"/>
-              <a:t>⑤</a:t>
-            </a:r>
-            <a:endParaRPr kumimoji="1" lang="ja-JP" altLang="en-US" sz="1100"/>
-          </a:p>
-        </p:txBody>
-      </p:sp>
-      <p:sp>
-        <p:nvSpPr>
-          <p:cNvPr id="10" name="テキスト ボックス 9">
-            <a:extLst>
-              <a:ext uri="{FF2B5EF4-FFF2-40B4-BE49-F238E27FC236}">
-                <a16:creationId xmlns:a16="http://schemas.microsoft.com/office/drawing/2014/main" id="{D139420A-21E6-9F3C-1952-99BB8F09AB9E}"/>
-              </a:ext>
-            </a:extLst>
-          </p:cNvPr>
-          <p:cNvSpPr txBox="1"/>
-          <p:nvPr/>
-        </p:nvSpPr>
-        <p:spPr>
-          <a:xfrm>
-            <a:off x="9164781" y="1674954"/>
-            <a:ext cx="290690" cy="261610"/>
-          </a:xfrm>
-          <a:prstGeom prst="rect">
-            <a:avLst/>
-          </a:prstGeom>
-          <a:noFill/>
-        </p:spPr>
-        <p:txBody>
-          <a:bodyPr wrap="square" rtlCol="0">
-            <a:spAutoFit/>
-          </a:bodyPr>
-          <a:lstStyle/>
-          <a:p>
-            <a:r>
-              <a:rPr lang="en-US" altLang="ja-JP" sz="1100" dirty="0"/>
-              <a:t>④</a:t>
-            </a:r>
-            <a:endParaRPr kumimoji="1" lang="ja-JP" altLang="en-US" sz="1100"/>
+      <p:sp>
+        <p:nvSpPr>
+          <p:cNvPr id="2" name="タイトル 1">
+            <a:extLst>
+              <a:ext uri="{FF2B5EF4-FFF2-40B4-BE49-F238E27FC236}">
+                <a16:creationId xmlns:a16="http://schemas.microsoft.com/office/drawing/2014/main" id="{85C22081-4ECA-4A16-DBE1-FF194A00C447}"/>
+              </a:ext>
+            </a:extLst>
+          </p:cNvPr>
+          <p:cNvSpPr>
+            <a:spLocks noGrp="1"/>
+          </p:cNvSpPr>
+          <p:nvPr>
+            <p:ph type="title"/>
+          </p:nvPr>
+        </p:nvSpPr>
+        <p:spPr/>
+        <p:txBody>
+          <a:bodyPr/>
+          <a:lstStyle/>
+          <a:p>
+            <a:r>
+              <a:rPr kumimoji="1" lang="ja-JP" altLang="en-US" dirty="0"/>
+              <a:t>インストール、</a:t>
+            </a:r>
+            <a:r>
+              <a:rPr lang="ja-JP" altLang="en-US" dirty="0"/>
+              <a:t>アンインスール</a:t>
+            </a:r>
+            <a:endParaRPr kumimoji="1" lang="ja-JP" altLang="en-US" dirty="0"/>
           </a:p>
         </p:txBody>
       </p:sp>
     </p:spTree>
     <p:extLst>
       <p:ext uri="{BB962C8B-B14F-4D97-AF65-F5344CB8AC3E}">
-        <p14:creationId xmlns:p14="http://schemas.microsoft.com/office/powerpoint/2010/main" val="2611354274"/>
+        <p14:creationId xmlns:p14="http://schemas.microsoft.com/office/powerpoint/2010/main" val="2191492623"/>
       </p:ext>
     </p:extLst>
   </p:cSld>
@@ -3954,10 +4257,10 @@
       </p:grpSpPr>
       <p:pic>
         <p:nvPicPr>
-          <p:cNvPr id="5" name="図 4" descr="グラフィカル ユーザー インターフェイス, テキスト, アプリケーション&#10;&#10;自動的に生成された説明">
-            <a:extLst>
-              <a:ext uri="{FF2B5EF4-FFF2-40B4-BE49-F238E27FC236}">
-                <a16:creationId xmlns:a16="http://schemas.microsoft.com/office/drawing/2014/main" id="{0F226E97-3808-D2B7-2612-36D829824C07}"/>
+          <p:cNvPr id="5" name="図 4" descr="ダイアグラム&#10;&#10;低い精度で自動的に生成された説明">
+            <a:extLst>
+              <a:ext uri="{FF2B5EF4-FFF2-40B4-BE49-F238E27FC236}">
+                <a16:creationId xmlns:a16="http://schemas.microsoft.com/office/drawing/2014/main" id="{792A485A-FFBC-AD0B-950C-315FD4E943E1}"/>
               </a:ext>
             </a:extLst>
           </p:cNvPr>
@@ -3974,8 +4277,8 @@
         </p:blipFill>
         <p:spPr>
           <a:xfrm>
-            <a:off x="0" y="0"/>
-            <a:ext cx="12054750" cy="5533534"/>
+            <a:off x="188536" y="103108"/>
+            <a:ext cx="11142483" cy="6651783"/>
           </a:xfrm>
           <a:prstGeom prst="rect">
             <a:avLst/>
@@ -3984,10 +4287,10 @@
       </p:pic>
       <p:sp>
         <p:nvSpPr>
-          <p:cNvPr id="7" name="正方形/長方形 6">
-            <a:extLst>
-              <a:ext uri="{FF2B5EF4-FFF2-40B4-BE49-F238E27FC236}">
-                <a16:creationId xmlns:a16="http://schemas.microsoft.com/office/drawing/2014/main" id="{EA1B1539-B2D1-5A60-C73E-AE1340ADB3E1}"/>
+          <p:cNvPr id="6" name="正方形/長方形 5">
+            <a:extLst>
+              <a:ext uri="{FF2B5EF4-FFF2-40B4-BE49-F238E27FC236}">
+                <a16:creationId xmlns:a16="http://schemas.microsoft.com/office/drawing/2014/main" id="{5E86F2AA-D313-F7AA-B96F-774284937EB2}"/>
               </a:ext>
             </a:extLst>
           </p:cNvPr>
@@ -3995,9 +4298,9 @@
           <p:nvPr/>
         </p:nvSpPr>
         <p:spPr>
-          <a:xfrm>
-            <a:off x="1270939" y="5143307"/>
-            <a:ext cx="2037870" cy="236976"/>
+          <a:xfrm flipV="1">
+            <a:off x="6396304" y="329937"/>
+            <a:ext cx="881190" cy="216817"/>
           </a:xfrm>
           <a:prstGeom prst="rect">
             <a:avLst/>
@@ -4035,36 +4338,102 @@
       </p:sp>
       <p:sp>
         <p:nvSpPr>
-          <p:cNvPr id="15" name="テキスト ボックス 14">
-            <a:extLst>
-              <a:ext uri="{FF2B5EF4-FFF2-40B4-BE49-F238E27FC236}">
-                <a16:creationId xmlns:a16="http://schemas.microsoft.com/office/drawing/2014/main" id="{75F1AF36-A0D3-5611-D0C0-845F7A65E385}"/>
-              </a:ext>
-            </a:extLst>
-          </p:cNvPr>
-          <p:cNvSpPr txBox="1"/>
+          <p:cNvPr id="7" name="正方形/長方形 6">
+            <a:extLst>
+              <a:ext uri="{FF2B5EF4-FFF2-40B4-BE49-F238E27FC236}">
+                <a16:creationId xmlns:a16="http://schemas.microsoft.com/office/drawing/2014/main" id="{62C91D83-B27D-851D-6485-02B4163E0B91}"/>
+              </a:ext>
+            </a:extLst>
+          </p:cNvPr>
+          <p:cNvSpPr/>
           <p:nvPr/>
         </p:nvSpPr>
         <p:spPr>
-          <a:xfrm>
-            <a:off x="2843535" y="5096242"/>
-            <a:ext cx="414779" cy="369332"/>
-          </a:xfrm>
-          <a:prstGeom prst="rect">
-            <a:avLst/>
-          </a:prstGeom>
-          <a:noFill/>
-        </p:spPr>
-        <p:txBody>
-          <a:bodyPr wrap="square" rtlCol="0">
-            <a:spAutoFit/>
-          </a:bodyPr>
-          <a:lstStyle/>
-          <a:p>
-            <a:r>
-              <a:rPr lang="en-US" altLang="ja-JP" dirty="0"/>
-              <a:t>②</a:t>
-            </a:r>
+          <a:xfrm flipV="1">
+            <a:off x="6396304" y="556765"/>
+            <a:ext cx="2775976" cy="216816"/>
+          </a:xfrm>
+          <a:prstGeom prst="rect">
+            <a:avLst/>
+          </a:prstGeom>
+          <a:solidFill>
+            <a:schemeClr val="accent2">
+              <a:alpha val="50000"/>
+            </a:schemeClr>
+          </a:solidFill>
+        </p:spPr>
+        <p:style>
+          <a:lnRef idx="2">
+            <a:schemeClr val="accent2">
+              <a:shade val="15000"/>
+            </a:schemeClr>
+          </a:lnRef>
+          <a:fillRef idx="1">
+            <a:schemeClr val="accent2"/>
+          </a:fillRef>
+          <a:effectRef idx="0">
+            <a:schemeClr val="accent2"/>
+          </a:effectRef>
+          <a:fontRef idx="minor">
+            <a:schemeClr val="lt1"/>
+          </a:fontRef>
+        </p:style>
+        <p:txBody>
+          <a:bodyPr rtlCol="0" anchor="ctr"/>
+          <a:lstStyle/>
+          <a:p>
+            <a:pPr algn="ctr"/>
+            <a:endParaRPr kumimoji="1" lang="ja-JP" altLang="en-US"/>
+          </a:p>
+        </p:txBody>
+      </p:sp>
+      <p:sp>
+        <p:nvSpPr>
+          <p:cNvPr id="8" name="正方形/長方形 7">
+            <a:extLst>
+              <a:ext uri="{FF2B5EF4-FFF2-40B4-BE49-F238E27FC236}">
+                <a16:creationId xmlns:a16="http://schemas.microsoft.com/office/drawing/2014/main" id="{31A5317B-761F-AD05-07A6-D1325023983D}"/>
+              </a:ext>
+            </a:extLst>
+          </p:cNvPr>
+          <p:cNvSpPr/>
+          <p:nvPr/>
+        </p:nvSpPr>
+        <p:spPr>
+          <a:xfrm flipV="1">
+            <a:off x="8555043" y="5912761"/>
+            <a:ext cx="2775976" cy="216816"/>
+          </a:xfrm>
+          <a:prstGeom prst="rect">
+            <a:avLst/>
+          </a:prstGeom>
+          <a:solidFill>
+            <a:schemeClr val="accent2">
+              <a:alpha val="50000"/>
+            </a:schemeClr>
+          </a:solidFill>
+        </p:spPr>
+        <p:style>
+          <a:lnRef idx="2">
+            <a:schemeClr val="accent2">
+              <a:shade val="15000"/>
+            </a:schemeClr>
+          </a:lnRef>
+          <a:fillRef idx="1">
+            <a:schemeClr val="accent2"/>
+          </a:fillRef>
+          <a:effectRef idx="0">
+            <a:schemeClr val="accent2"/>
+          </a:effectRef>
+          <a:fontRef idx="minor">
+            <a:schemeClr val="lt1"/>
+          </a:fontRef>
+        </p:style>
+        <p:txBody>
+          <a:bodyPr rtlCol="0" anchor="ctr"/>
+          <a:lstStyle/>
+          <a:p>
+            <a:pPr algn="ctr"/>
             <a:endParaRPr kumimoji="1" lang="ja-JP" altLang="en-US"/>
           </a:p>
         </p:txBody>
@@ -4072,7 +4441,7 @@
     </p:spTree>
     <p:extLst>
       <p:ext uri="{BB962C8B-B14F-4D97-AF65-F5344CB8AC3E}">
-        <p14:creationId xmlns:p14="http://schemas.microsoft.com/office/powerpoint/2010/main" val="3749420761"/>
+        <p14:creationId xmlns:p14="http://schemas.microsoft.com/office/powerpoint/2010/main" val="1182010517"/>
       </p:ext>
     </p:extLst>
   </p:cSld>
@@ -4101,10 +4470,10 @@
       </p:grpSpPr>
       <p:pic>
         <p:nvPicPr>
-          <p:cNvPr id="5" name="図 4" descr="ダイアグラム&#10;&#10;低い精度で自動的に生成された説明">
-            <a:extLst>
-              <a:ext uri="{FF2B5EF4-FFF2-40B4-BE49-F238E27FC236}">
-                <a16:creationId xmlns:a16="http://schemas.microsoft.com/office/drawing/2014/main" id="{792A485A-FFBC-AD0B-950C-315FD4E943E1}"/>
+          <p:cNvPr id="5" name="図 4" descr="グラフィカル ユーザー インターフェイス, テキスト, アプリケーション&#10;&#10;自動的に生成された説明">
+            <a:extLst>
+              <a:ext uri="{FF2B5EF4-FFF2-40B4-BE49-F238E27FC236}">
+                <a16:creationId xmlns:a16="http://schemas.microsoft.com/office/drawing/2014/main" id="{3E8BDBE9-838D-836D-2815-C126BD497576}"/>
               </a:ext>
             </a:extLst>
           </p:cNvPr>
@@ -4121,8 +4490,8 @@
         </p:blipFill>
         <p:spPr>
           <a:xfrm>
-            <a:off x="188536" y="103108"/>
-            <a:ext cx="11142483" cy="6651783"/>
+            <a:off x="621857" y="222190"/>
+            <a:ext cx="6606038" cy="6470529"/>
           </a:xfrm>
           <a:prstGeom prst="rect">
             <a:avLst/>
@@ -4134,7 +4503,7 @@
           <p:cNvPr id="6" name="正方形/長方形 5">
             <a:extLst>
               <a:ext uri="{FF2B5EF4-FFF2-40B4-BE49-F238E27FC236}">
-                <a16:creationId xmlns:a16="http://schemas.microsoft.com/office/drawing/2014/main" id="{5E86F2AA-D313-F7AA-B96F-774284937EB2}"/>
+                <a16:creationId xmlns:a16="http://schemas.microsoft.com/office/drawing/2014/main" id="{69568238-EEA3-4D39-CE4A-FEABF242331E}"/>
               </a:ext>
             </a:extLst>
           </p:cNvPr>
@@ -4142,9 +4511,9 @@
           <p:nvPr/>
         </p:nvSpPr>
         <p:spPr>
-          <a:xfrm flipV="1">
-            <a:off x="6396304" y="329937"/>
-            <a:ext cx="881190" cy="216817"/>
+          <a:xfrm>
+            <a:off x="904524" y="1342466"/>
+            <a:ext cx="3189599" cy="302535"/>
           </a:xfrm>
           <a:prstGeom prst="rect">
             <a:avLst/>
@@ -4175,17 +4544,135 @@
           <a:bodyPr rtlCol="0" anchor="ctr"/>
           <a:lstStyle/>
           <a:p>
-            <a:pPr algn="ctr"/>
+            <a:pPr algn="dist"/>
             <a:endParaRPr kumimoji="1" lang="ja-JP" altLang="en-US"/>
           </a:p>
         </p:txBody>
       </p:sp>
       <p:sp>
         <p:nvSpPr>
-          <p:cNvPr id="7" name="正方形/長方形 6">
-            <a:extLst>
-              <a:ext uri="{FF2B5EF4-FFF2-40B4-BE49-F238E27FC236}">
-                <a16:creationId xmlns:a16="http://schemas.microsoft.com/office/drawing/2014/main" id="{62C91D83-B27D-851D-6485-02B4163E0B91}"/>
+          <p:cNvPr id="7" name="テキスト ボックス 6">
+            <a:extLst>
+              <a:ext uri="{FF2B5EF4-FFF2-40B4-BE49-F238E27FC236}">
+                <a16:creationId xmlns:a16="http://schemas.microsoft.com/office/drawing/2014/main" id="{87EAE461-AA18-6289-783A-84844126CE03}"/>
+              </a:ext>
+            </a:extLst>
+          </p:cNvPr>
+          <p:cNvSpPr txBox="1"/>
+          <p:nvPr/>
+        </p:nvSpPr>
+        <p:spPr>
+          <a:xfrm>
+            <a:off x="2040292" y="1299877"/>
+            <a:ext cx="369884" cy="369332"/>
+          </a:xfrm>
+          <a:prstGeom prst="rect">
+            <a:avLst/>
+          </a:prstGeom>
+          <a:noFill/>
+        </p:spPr>
+        <p:txBody>
+          <a:bodyPr wrap="square" rtlCol="0">
+            <a:spAutoFit/>
+          </a:bodyPr>
+          <a:lstStyle/>
+          <a:p>
+            <a:r>
+              <a:rPr lang="ja-JP" altLang="en-US" dirty="0">
+                <a:latin typeface="ＭＳ Ｐゴシック" panose="020B0600070205080204" pitchFamily="50" charset="-128"/>
+                <a:ea typeface="ＭＳ Ｐゴシック" panose="020B0600070205080204" pitchFamily="50" charset="-128"/>
+              </a:rPr>
+              <a:t>③</a:t>
+            </a:r>
+            <a:endParaRPr kumimoji="1" lang="ja-JP" altLang="en-US" dirty="0">
+              <a:latin typeface="ＭＳ Ｐゴシック" panose="020B0600070205080204" pitchFamily="50" charset="-128"/>
+              <a:ea typeface="ＭＳ Ｐゴシック" panose="020B0600070205080204" pitchFamily="50" charset="-128"/>
+            </a:endParaRPr>
+          </a:p>
+        </p:txBody>
+      </p:sp>
+      <p:sp>
+        <p:nvSpPr>
+          <p:cNvPr id="9" name="テキスト ボックス 8">
+            <a:extLst>
+              <a:ext uri="{FF2B5EF4-FFF2-40B4-BE49-F238E27FC236}">
+                <a16:creationId xmlns:a16="http://schemas.microsoft.com/office/drawing/2014/main" id="{CD36670F-DF13-91F9-DFA9-0C1D18FA6BA7}"/>
+              </a:ext>
+            </a:extLst>
+          </p:cNvPr>
+          <p:cNvSpPr txBox="1"/>
+          <p:nvPr/>
+        </p:nvSpPr>
+        <p:spPr>
+          <a:xfrm>
+            <a:off x="4653231" y="6147810"/>
+            <a:ext cx="369884" cy="369332"/>
+          </a:xfrm>
+          <a:prstGeom prst="rect">
+            <a:avLst/>
+          </a:prstGeom>
+          <a:noFill/>
+        </p:spPr>
+        <p:txBody>
+          <a:bodyPr wrap="square" rtlCol="0">
+            <a:spAutoFit/>
+          </a:bodyPr>
+          <a:lstStyle/>
+          <a:p>
+            <a:r>
+              <a:rPr kumimoji="1" lang="ja-JP" altLang="en-US" dirty="0">
+                <a:latin typeface="ＭＳ Ｐゴシック" panose="020B0600070205080204" pitchFamily="50" charset="-128"/>
+                <a:ea typeface="ＭＳ Ｐゴシック" panose="020B0600070205080204" pitchFamily="50" charset="-128"/>
+              </a:rPr>
+              <a:t>⑤</a:t>
+            </a:r>
+          </a:p>
+        </p:txBody>
+      </p:sp>
+      <p:sp>
+        <p:nvSpPr>
+          <p:cNvPr id="11" name="テキスト ボックス 10">
+            <a:extLst>
+              <a:ext uri="{FF2B5EF4-FFF2-40B4-BE49-F238E27FC236}">
+                <a16:creationId xmlns:a16="http://schemas.microsoft.com/office/drawing/2014/main" id="{69921AB1-1BB1-961B-2D80-353F2FB54DE5}"/>
+              </a:ext>
+            </a:extLst>
+          </p:cNvPr>
+          <p:cNvSpPr txBox="1"/>
+          <p:nvPr/>
+        </p:nvSpPr>
+        <p:spPr>
+          <a:xfrm>
+            <a:off x="3018108" y="1823173"/>
+            <a:ext cx="369884" cy="369332"/>
+          </a:xfrm>
+          <a:prstGeom prst="rect">
+            <a:avLst/>
+          </a:prstGeom>
+          <a:noFill/>
+        </p:spPr>
+        <p:txBody>
+          <a:bodyPr wrap="square" rtlCol="0">
+            <a:spAutoFit/>
+          </a:bodyPr>
+          <a:lstStyle/>
+          <a:p>
+            <a:r>
+              <a:rPr kumimoji="1" lang="ja-JP" altLang="en-US" dirty="0">
+                <a:latin typeface="ＭＳ Ｐゴシック" panose="020B0600070205080204" pitchFamily="50" charset="-128"/>
+                <a:ea typeface="ＭＳ Ｐゴシック" panose="020B0600070205080204" pitchFamily="50" charset="-128"/>
+              </a:rPr>
+              <a:t>④</a:t>
+            </a:r>
+          </a:p>
+        </p:txBody>
+      </p:sp>
+      <p:sp>
+        <p:nvSpPr>
+          <p:cNvPr id="12" name="正方形/長方形 11">
+            <a:extLst>
+              <a:ext uri="{FF2B5EF4-FFF2-40B4-BE49-F238E27FC236}">
+                <a16:creationId xmlns:a16="http://schemas.microsoft.com/office/drawing/2014/main" id="{4BEC59D8-4E09-C238-9B28-3ADEEEC945BF}"/>
               </a:ext>
             </a:extLst>
           </p:cNvPr>
@@ -4193,9 +4680,9 @@
           <p:nvPr/>
         </p:nvSpPr>
         <p:spPr>
-          <a:xfrm flipV="1">
-            <a:off x="6396304" y="556765"/>
-            <a:ext cx="2775976" cy="216816"/>
+          <a:xfrm>
+            <a:off x="904524" y="1861167"/>
+            <a:ext cx="3189599" cy="302535"/>
           </a:xfrm>
           <a:prstGeom prst="rect">
             <a:avLst/>
@@ -4226,17 +4713,17 @@
           <a:bodyPr rtlCol="0" anchor="ctr"/>
           <a:lstStyle/>
           <a:p>
-            <a:pPr algn="ctr"/>
+            <a:pPr algn="dist"/>
             <a:endParaRPr kumimoji="1" lang="ja-JP" altLang="en-US"/>
           </a:p>
         </p:txBody>
       </p:sp>
       <p:sp>
         <p:nvSpPr>
-          <p:cNvPr id="8" name="正方形/長方形 7">
-            <a:extLst>
-              <a:ext uri="{FF2B5EF4-FFF2-40B4-BE49-F238E27FC236}">
-                <a16:creationId xmlns:a16="http://schemas.microsoft.com/office/drawing/2014/main" id="{31A5317B-761F-AD05-07A6-D1325023983D}"/>
+          <p:cNvPr id="13" name="正方形/長方形 12">
+            <a:extLst>
+              <a:ext uri="{FF2B5EF4-FFF2-40B4-BE49-F238E27FC236}">
+                <a16:creationId xmlns:a16="http://schemas.microsoft.com/office/drawing/2014/main" id="{22285485-D72B-8137-83CA-CAED5E3ADE26}"/>
               </a:ext>
             </a:extLst>
           </p:cNvPr>
@@ -4244,9 +4731,9 @@
           <p:nvPr/>
         </p:nvSpPr>
         <p:spPr>
-          <a:xfrm flipV="1">
-            <a:off x="8555043" y="5912761"/>
-            <a:ext cx="2775976" cy="216816"/>
+          <a:xfrm>
+            <a:off x="4549025" y="6181209"/>
+            <a:ext cx="1483729" cy="302535"/>
           </a:xfrm>
           <a:prstGeom prst="rect">
             <a:avLst/>
@@ -4277,7 +4764,7 @@
           <a:bodyPr rtlCol="0" anchor="ctr"/>
           <a:lstStyle/>
           <a:p>
-            <a:pPr algn="ctr"/>
+            <a:pPr algn="dist"/>
             <a:endParaRPr kumimoji="1" lang="ja-JP" altLang="en-US"/>
           </a:p>
         </p:txBody>
@@ -4285,7 +4772,7 @@
     </p:spTree>
     <p:extLst>
       <p:ext uri="{BB962C8B-B14F-4D97-AF65-F5344CB8AC3E}">
-        <p14:creationId xmlns:p14="http://schemas.microsoft.com/office/powerpoint/2010/main" val="1182010517"/>
+        <p14:creationId xmlns:p14="http://schemas.microsoft.com/office/powerpoint/2010/main" val="27917838"/>
       </p:ext>
     </p:extLst>
   </p:cSld>
@@ -4312,195 +4799,12 @@
           <a:chExt cx="0" cy="0"/>
         </a:xfrm>
       </p:grpSpPr>
-      <p:pic>
-        <p:nvPicPr>
-          <p:cNvPr id="5" name="図 4" descr="グラフィカル ユーザー インターフェイス, アプリケーション, Word&#10;&#10;自動的に生成された説明">
-            <a:extLst>
-              <a:ext uri="{FF2B5EF4-FFF2-40B4-BE49-F238E27FC236}">
-                <a16:creationId xmlns:a16="http://schemas.microsoft.com/office/drawing/2014/main" id="{7A7AA791-D1CB-AC47-6412-60286396B92F}"/>
-              </a:ext>
-            </a:extLst>
-          </p:cNvPr>
-          <p:cNvPicPr>
-            <a:picLocks noChangeAspect="1"/>
-          </p:cNvPicPr>
-          <p:nvPr/>
-        </p:nvPicPr>
-        <p:blipFill>
-          <a:blip r:embed="rId2"/>
-          <a:stretch>
-            <a:fillRect/>
-          </a:stretch>
-        </p:blipFill>
-        <p:spPr>
-          <a:xfrm>
-            <a:off x="140438" y="126351"/>
-            <a:ext cx="11780168" cy="5005630"/>
-          </a:xfrm>
-          <a:prstGeom prst="rect">
-            <a:avLst/>
-          </a:prstGeom>
-        </p:spPr>
-      </p:pic>
-      <p:sp>
-        <p:nvSpPr>
-          <p:cNvPr id="6" name="正方形/長方形 5">
-            <a:extLst>
-              <a:ext uri="{FF2B5EF4-FFF2-40B4-BE49-F238E27FC236}">
-                <a16:creationId xmlns:a16="http://schemas.microsoft.com/office/drawing/2014/main" id="{C8BC4142-80A2-40ED-ADFF-0A628B9BF412}"/>
-              </a:ext>
-            </a:extLst>
-          </p:cNvPr>
-          <p:cNvSpPr/>
-          <p:nvPr/>
-        </p:nvSpPr>
-        <p:spPr>
-          <a:xfrm>
-            <a:off x="285570" y="1238962"/>
-            <a:ext cx="11481128" cy="1332357"/>
-          </a:xfrm>
-          <a:prstGeom prst="rect">
-            <a:avLst/>
-          </a:prstGeom>
-          <a:solidFill>
-            <a:schemeClr val="accent2">
-              <a:alpha val="50000"/>
-            </a:schemeClr>
-          </a:solidFill>
-        </p:spPr>
-        <p:style>
-          <a:lnRef idx="2">
-            <a:schemeClr val="accent2">
-              <a:shade val="15000"/>
-            </a:schemeClr>
-          </a:lnRef>
-          <a:fillRef idx="1">
-            <a:schemeClr val="accent2"/>
-          </a:fillRef>
-          <a:effectRef idx="0">
-            <a:schemeClr val="accent2"/>
-          </a:effectRef>
-          <a:fontRef idx="minor">
-            <a:schemeClr val="lt1"/>
-          </a:fontRef>
-        </p:style>
-        <p:txBody>
-          <a:bodyPr rtlCol="0" anchor="ctr"/>
-          <a:lstStyle/>
-          <a:p>
-            <a:pPr algn="ctr"/>
-            <a:endParaRPr kumimoji="1" lang="ja-JP" altLang="en-US"/>
-          </a:p>
-        </p:txBody>
-      </p:sp>
-      <p:sp>
-        <p:nvSpPr>
-          <p:cNvPr id="8" name="正方形/長方形 7">
-            <a:extLst>
-              <a:ext uri="{FF2B5EF4-FFF2-40B4-BE49-F238E27FC236}">
-                <a16:creationId xmlns:a16="http://schemas.microsoft.com/office/drawing/2014/main" id="{8F50BC32-A6BD-84C6-2F07-72D3F4FBDF85}"/>
-              </a:ext>
-            </a:extLst>
-          </p:cNvPr>
-          <p:cNvSpPr/>
-          <p:nvPr/>
-        </p:nvSpPr>
-        <p:spPr>
-          <a:xfrm>
-            <a:off x="285570" y="3962886"/>
-            <a:ext cx="2429277" cy="236976"/>
-          </a:xfrm>
-          <a:prstGeom prst="rect">
-            <a:avLst/>
-          </a:prstGeom>
-          <a:solidFill>
-            <a:schemeClr val="accent2">
-              <a:alpha val="50000"/>
-            </a:schemeClr>
-          </a:solidFill>
-        </p:spPr>
-        <p:style>
-          <a:lnRef idx="2">
-            <a:schemeClr val="accent2">
-              <a:shade val="15000"/>
-            </a:schemeClr>
-          </a:lnRef>
-          <a:fillRef idx="1">
-            <a:schemeClr val="accent2"/>
-          </a:fillRef>
-          <a:effectRef idx="0">
-            <a:schemeClr val="accent2"/>
-          </a:effectRef>
-          <a:fontRef idx="minor">
-            <a:schemeClr val="lt1"/>
-          </a:fontRef>
-        </p:style>
-        <p:txBody>
-          <a:bodyPr rtlCol="0" anchor="ctr"/>
-          <a:lstStyle/>
-          <a:p>
-            <a:pPr algn="ctr"/>
-            <a:endParaRPr kumimoji="1" lang="ja-JP" altLang="en-US"/>
-          </a:p>
-        </p:txBody>
-      </p:sp>
-      <p:sp>
-        <p:nvSpPr>
-          <p:cNvPr id="9" name="正方形/長方形 8">
-            <a:extLst>
-              <a:ext uri="{FF2B5EF4-FFF2-40B4-BE49-F238E27FC236}">
-                <a16:creationId xmlns:a16="http://schemas.microsoft.com/office/drawing/2014/main" id="{D3523918-FDC2-12DE-518E-A7AEC37298E9}"/>
-              </a:ext>
-            </a:extLst>
-          </p:cNvPr>
-          <p:cNvSpPr/>
-          <p:nvPr/>
-        </p:nvSpPr>
-        <p:spPr>
-          <a:xfrm>
-            <a:off x="10292315" y="4809946"/>
-            <a:ext cx="917945" cy="236976"/>
-          </a:xfrm>
-          <a:prstGeom prst="rect">
-            <a:avLst/>
-          </a:prstGeom>
-          <a:solidFill>
-            <a:schemeClr val="accent2">
-              <a:alpha val="50000"/>
-            </a:schemeClr>
-          </a:solidFill>
-        </p:spPr>
-        <p:style>
-          <a:lnRef idx="2">
-            <a:schemeClr val="accent2">
-              <a:shade val="15000"/>
-            </a:schemeClr>
-          </a:lnRef>
-          <a:fillRef idx="1">
-            <a:schemeClr val="accent2"/>
-          </a:fillRef>
-          <a:effectRef idx="0">
-            <a:schemeClr val="accent2"/>
-          </a:effectRef>
-          <a:fontRef idx="minor">
-            <a:schemeClr val="lt1"/>
-          </a:fontRef>
-        </p:style>
-        <p:txBody>
-          <a:bodyPr rtlCol="0" anchor="ctr"/>
-          <a:lstStyle/>
-          <a:p>
-            <a:pPr algn="ctr"/>
-            <a:endParaRPr kumimoji="1" lang="ja-JP" altLang="en-US"/>
-          </a:p>
-        </p:txBody>
-      </p:sp>
-      <p:sp>
-        <p:nvSpPr>
-          <p:cNvPr id="10" name="テキスト ボックス 9">
-            <a:extLst>
-              <a:ext uri="{FF2B5EF4-FFF2-40B4-BE49-F238E27FC236}">
-                <a16:creationId xmlns:a16="http://schemas.microsoft.com/office/drawing/2014/main" id="{21BA5F26-7D20-B049-D4B3-0858BCDDD6A0}"/>
+      <p:sp>
+        <p:nvSpPr>
+          <p:cNvPr id="3" name="テキスト ボックス 2">
+            <a:extLst>
+              <a:ext uri="{FF2B5EF4-FFF2-40B4-BE49-F238E27FC236}">
+                <a16:creationId xmlns:a16="http://schemas.microsoft.com/office/drawing/2014/main" id="{AD17A1FB-87C8-5521-17C6-11E079A9A050}"/>
               </a:ext>
             </a:extLst>
           </p:cNvPr>
@@ -4509,8 +4813,8 @@
         </p:nvSpPr>
         <p:spPr>
           <a:xfrm>
-            <a:off x="5207763" y="2266085"/>
-            <a:ext cx="414779" cy="305234"/>
+            <a:off x="3047617" y="3245482"/>
+            <a:ext cx="6095234" cy="369332"/>
           </a:xfrm>
           <a:prstGeom prst="rect">
             <a:avLst/>
@@ -4518,95 +4822,35 @@
           <a:noFill/>
         </p:spPr>
         <p:txBody>
-          <a:bodyPr wrap="square" rtlCol="0">
+          <a:bodyPr wrap="square">
             <a:spAutoFit/>
           </a:bodyPr>
           <a:lstStyle/>
           <a:p>
             <a:r>
+              <a:rPr lang="ja-JP" altLang="en-US" dirty="0"/>
+              <a:t>バッチプロセスでの実行 </a:t>
+            </a:r>
+            <a:r>
               <a:rPr lang="en-US" altLang="ja-JP" dirty="0"/>
-              <a:t>③</a:t>
-            </a:r>
-            <a:endParaRPr kumimoji="1" lang="ja-JP" altLang="en-US"/>
-          </a:p>
-        </p:txBody>
-      </p:sp>
-      <p:sp>
-        <p:nvSpPr>
-          <p:cNvPr id="11" name="テキスト ボックス 10">
-            <a:extLst>
-              <a:ext uri="{FF2B5EF4-FFF2-40B4-BE49-F238E27FC236}">
-                <a16:creationId xmlns:a16="http://schemas.microsoft.com/office/drawing/2014/main" id="{A7CE45BF-1E77-7672-E6BB-FCB36E9FDD76}"/>
-              </a:ext>
-            </a:extLst>
-          </p:cNvPr>
-          <p:cNvSpPr txBox="1"/>
-          <p:nvPr/>
-        </p:nvSpPr>
-        <p:spPr>
-          <a:xfrm>
-            <a:off x="2300068" y="3908503"/>
-            <a:ext cx="414779" cy="369332"/>
-          </a:xfrm>
-          <a:prstGeom prst="rect">
-            <a:avLst/>
-          </a:prstGeom>
-          <a:noFill/>
-        </p:spPr>
-        <p:txBody>
-          <a:bodyPr wrap="square" rtlCol="0">
-            <a:spAutoFit/>
-          </a:bodyPr>
-          <a:lstStyle/>
-          <a:p>
-            <a:r>
-              <a:rPr kumimoji="1" lang="en-US" altLang="ja-JP" dirty="0"/>
-              <a:t>④</a:t>
-            </a:r>
-            <a:endParaRPr kumimoji="1" lang="ja-JP" altLang="en-US"/>
-          </a:p>
-        </p:txBody>
-      </p:sp>
-      <p:sp>
-        <p:nvSpPr>
-          <p:cNvPr id="12" name="テキスト ボックス 11">
-            <a:extLst>
-              <a:ext uri="{FF2B5EF4-FFF2-40B4-BE49-F238E27FC236}">
-                <a16:creationId xmlns:a16="http://schemas.microsoft.com/office/drawing/2014/main" id="{28E7BA2A-DA12-2F3A-465B-B72B88BB5DB8}"/>
-              </a:ext>
-            </a:extLst>
-          </p:cNvPr>
-          <p:cNvSpPr txBox="1"/>
-          <p:nvPr/>
-        </p:nvSpPr>
-        <p:spPr>
-          <a:xfrm>
-            <a:off x="10292316" y="4760330"/>
-            <a:ext cx="414779" cy="369332"/>
-          </a:xfrm>
-          <a:prstGeom prst="rect">
-            <a:avLst/>
-          </a:prstGeom>
-          <a:noFill/>
-        </p:spPr>
-        <p:txBody>
-          <a:bodyPr wrap="square" rtlCol="0">
-            <a:spAutoFit/>
-          </a:bodyPr>
-          <a:lstStyle/>
-          <a:p>
-            <a:r>
-              <a:rPr kumimoji="1" lang="en-US" altLang="ja-JP" dirty="0"/>
-              <a:t>⑤</a:t>
-            </a:r>
-            <a:endParaRPr kumimoji="1" lang="ja-JP" altLang="en-US"/>
+              <a:t>(PLATEAU </a:t>
+            </a:r>
+            <a:r>
+              <a:rPr lang="ja-JP" altLang="en-US" dirty="0"/>
+              <a:t>地形モデル以外</a:t>
+            </a:r>
+            <a:r>
+              <a:rPr lang="en-US" altLang="ja-JP" dirty="0"/>
+              <a:t>)</a:t>
+            </a:r>
+            <a:endParaRPr lang="ja-JP" altLang="en-US" dirty="0"/>
           </a:p>
         </p:txBody>
       </p:sp>
     </p:spTree>
     <p:extLst>
       <p:ext uri="{BB962C8B-B14F-4D97-AF65-F5344CB8AC3E}">
-        <p14:creationId xmlns:p14="http://schemas.microsoft.com/office/powerpoint/2010/main" val="3686609184"/>
+        <p14:creationId xmlns:p14="http://schemas.microsoft.com/office/powerpoint/2010/main" val="363699272"/>
       </p:ext>
     </p:extLst>
   </p:cSld>
@@ -4635,10 +4879,10 @@
       </p:grpSpPr>
       <p:pic>
         <p:nvPicPr>
-          <p:cNvPr id="7" name="図 6" descr="グラフィカル ユーザー インターフェイス, アプリケーション&#10;&#10;自動的に生成された説明">
-            <a:extLst>
-              <a:ext uri="{FF2B5EF4-FFF2-40B4-BE49-F238E27FC236}">
-                <a16:creationId xmlns:a16="http://schemas.microsoft.com/office/drawing/2014/main" id="{7F485572-129D-E8F9-FA79-34FA12038D1D}"/>
+          <p:cNvPr id="3" name="図 2" descr="グラフィカル ユーザー インターフェイス, テキスト, アプリケーション&#10;&#10;自動的に生成された説明">
+            <a:extLst>
+              <a:ext uri="{FF2B5EF4-FFF2-40B4-BE49-F238E27FC236}">
+                <a16:creationId xmlns:a16="http://schemas.microsoft.com/office/drawing/2014/main" id="{30C81727-C465-86B3-A348-9B7DDA85F04A}"/>
               </a:ext>
             </a:extLst>
           </p:cNvPr>
@@ -4655,8 +4899,8 @@
         </p:blipFill>
         <p:spPr>
           <a:xfrm>
-            <a:off x="88061" y="123497"/>
-            <a:ext cx="12043383" cy="5121898"/>
+            <a:off x="849013" y="36365"/>
+            <a:ext cx="9101165" cy="6799176"/>
           </a:xfrm>
           <a:prstGeom prst="rect">
             <a:avLst/>
@@ -4665,10 +4909,10 @@
       </p:pic>
       <p:sp>
         <p:nvSpPr>
-          <p:cNvPr id="8" name="正方形/長方形 7">
-            <a:extLst>
-              <a:ext uri="{FF2B5EF4-FFF2-40B4-BE49-F238E27FC236}">
-                <a16:creationId xmlns:a16="http://schemas.microsoft.com/office/drawing/2014/main" id="{7365CD41-09F2-9850-696E-EFFDAF1D62A1}"/>
+          <p:cNvPr id="2" name="正方形/長方形 1">
+            <a:extLst>
+              <a:ext uri="{FF2B5EF4-FFF2-40B4-BE49-F238E27FC236}">
+                <a16:creationId xmlns:a16="http://schemas.microsoft.com/office/drawing/2014/main" id="{DCD51922-45CA-DE6D-0726-BE9088B69841}"/>
               </a:ext>
             </a:extLst>
           </p:cNvPr>
@@ -4677,8 +4921,8 @@
         </p:nvSpPr>
         <p:spPr>
           <a:xfrm>
-            <a:off x="1412706" y="4845595"/>
-            <a:ext cx="2037870" cy="236976"/>
+            <a:off x="2205062" y="6336986"/>
+            <a:ext cx="2115366" cy="240373"/>
           </a:xfrm>
           <a:prstGeom prst="rect">
             <a:avLst/>
@@ -4709,17 +4953,17 @@
           <a:bodyPr rtlCol="0" anchor="ctr"/>
           <a:lstStyle/>
           <a:p>
-            <a:pPr algn="ctr"/>
+            <a:pPr algn="dist"/>
             <a:endParaRPr kumimoji="1" lang="ja-JP" altLang="en-US"/>
           </a:p>
         </p:txBody>
       </p:sp>
       <p:sp>
         <p:nvSpPr>
-          <p:cNvPr id="9" name="テキスト ボックス 8">
-            <a:extLst>
-              <a:ext uri="{FF2B5EF4-FFF2-40B4-BE49-F238E27FC236}">
-                <a16:creationId xmlns:a16="http://schemas.microsoft.com/office/drawing/2014/main" id="{EDD322DA-73DD-981B-6FA1-06A7557FF4CE}"/>
+          <p:cNvPr id="4" name="テキスト ボックス 3">
+            <a:extLst>
+              <a:ext uri="{FF2B5EF4-FFF2-40B4-BE49-F238E27FC236}">
+                <a16:creationId xmlns:a16="http://schemas.microsoft.com/office/drawing/2014/main" id="{17F91019-8673-2D74-7C09-23864270E95D}"/>
               </a:ext>
             </a:extLst>
           </p:cNvPr>
@@ -4728,8 +4972,8 @@
         </p:nvSpPr>
         <p:spPr>
           <a:xfrm>
-            <a:off x="2985302" y="4798530"/>
-            <a:ext cx="414779" cy="369332"/>
+            <a:off x="3791744" y="6258721"/>
+            <a:ext cx="369884" cy="369332"/>
           </a:xfrm>
           <a:prstGeom prst="rect">
             <a:avLst/>
@@ -4743,17 +4987,19 @@
           <a:lstStyle/>
           <a:p>
             <a:r>
-              <a:rPr lang="en-US" altLang="ja-JP" dirty="0"/>
+              <a:rPr kumimoji="1" lang="ja-JP" altLang="en-US" dirty="0">
+                <a:latin typeface="ＭＳ Ｐゴシック" panose="020B0600070205080204" pitchFamily="50" charset="-128"/>
+                <a:ea typeface="ＭＳ Ｐゴシック" panose="020B0600070205080204" pitchFamily="50" charset="-128"/>
+              </a:rPr>
               <a:t>②</a:t>
             </a:r>
-            <a:endParaRPr kumimoji="1" lang="ja-JP" altLang="en-US"/>
           </a:p>
         </p:txBody>
       </p:sp>
     </p:spTree>
     <p:extLst>
       <p:ext uri="{BB962C8B-B14F-4D97-AF65-F5344CB8AC3E}">
-        <p14:creationId xmlns:p14="http://schemas.microsoft.com/office/powerpoint/2010/main" val="769661010"/>
+        <p14:creationId xmlns:p14="http://schemas.microsoft.com/office/powerpoint/2010/main" val="3228973236"/>
       </p:ext>
     </p:extLst>
   </p:cSld>
@@ -4782,10 +5028,10 @@
       </p:grpSpPr>
       <p:pic>
         <p:nvPicPr>
-          <p:cNvPr id="5" name="図 4" descr="グラフィカル ユーザー インターフェイス&#10;&#10;自動的に生成された説明">
-            <a:extLst>
-              <a:ext uri="{FF2B5EF4-FFF2-40B4-BE49-F238E27FC236}">
-                <a16:creationId xmlns:a16="http://schemas.microsoft.com/office/drawing/2014/main" id="{7E9E2CC8-B85D-FFD3-3EA9-66E8BE3E4DB1}"/>
+          <p:cNvPr id="18" name="図 17" descr="グラフィカル ユーザー インターフェイス, アプリケーション, Word&#10;&#10;自動的に生成された説明">
+            <a:extLst>
+              <a:ext uri="{FF2B5EF4-FFF2-40B4-BE49-F238E27FC236}">
+                <a16:creationId xmlns:a16="http://schemas.microsoft.com/office/drawing/2014/main" id="{B1EBD59E-517C-3EB7-46C2-4D3F85BFE37B}"/>
               </a:ext>
             </a:extLst>
           </p:cNvPr>
@@ -4795,15 +5041,15 @@
           <p:nvPr/>
         </p:nvPicPr>
         <p:blipFill>
-          <a:blip r:embed="rId2"/>
+          <a:blip r:embed="rId3"/>
           <a:stretch>
             <a:fillRect/>
           </a:stretch>
         </p:blipFill>
         <p:spPr>
           <a:xfrm>
-            <a:off x="0" y="-119092"/>
-            <a:ext cx="9699097" cy="6977092"/>
+            <a:off x="0" y="350849"/>
+            <a:ext cx="12261389" cy="5636403"/>
           </a:xfrm>
           <a:prstGeom prst="rect">
             <a:avLst/>
@@ -4812,10 +5058,10 @@
       </p:pic>
       <p:sp>
         <p:nvSpPr>
-          <p:cNvPr id="6" name="正方形/長方形 5">
-            <a:extLst>
-              <a:ext uri="{FF2B5EF4-FFF2-40B4-BE49-F238E27FC236}">
-                <a16:creationId xmlns:a16="http://schemas.microsoft.com/office/drawing/2014/main" id="{99C9FA9F-D8BA-DC8E-9F28-07EE9516F699}"/>
+          <p:cNvPr id="19" name="正方形/長方形 18">
+            <a:extLst>
+              <a:ext uri="{FF2B5EF4-FFF2-40B4-BE49-F238E27FC236}">
+                <a16:creationId xmlns:a16="http://schemas.microsoft.com/office/drawing/2014/main" id="{A2B59384-2470-83EC-4A0E-3C368FBB229F}"/>
               </a:ext>
             </a:extLst>
           </p:cNvPr>
@@ -4824,8 +5070,8 @@
         </p:nvSpPr>
         <p:spPr>
           <a:xfrm>
-            <a:off x="384806" y="1238962"/>
-            <a:ext cx="8900961" cy="1332357"/>
+            <a:off x="233815" y="1379008"/>
+            <a:ext cx="11772853" cy="1203368"/>
           </a:xfrm>
           <a:prstGeom prst="rect">
             <a:avLst/>
@@ -4856,17 +5102,59 @@
           <a:bodyPr rtlCol="0" anchor="ctr"/>
           <a:lstStyle/>
           <a:p>
-            <a:pPr algn="ctr"/>
+            <a:pPr algn="dist"/>
             <a:endParaRPr kumimoji="1" lang="ja-JP" altLang="en-US"/>
           </a:p>
         </p:txBody>
       </p:sp>
       <p:sp>
         <p:nvSpPr>
-          <p:cNvPr id="7" name="正方形/長方形 6">
-            <a:extLst>
-              <a:ext uri="{FF2B5EF4-FFF2-40B4-BE49-F238E27FC236}">
-                <a16:creationId xmlns:a16="http://schemas.microsoft.com/office/drawing/2014/main" id="{7EBE4D75-FFC9-7A2E-BB5D-648A8BBC63A1}"/>
+          <p:cNvPr id="20" name="テキスト ボックス 19">
+            <a:extLst>
+              <a:ext uri="{FF2B5EF4-FFF2-40B4-BE49-F238E27FC236}">
+                <a16:creationId xmlns:a16="http://schemas.microsoft.com/office/drawing/2014/main" id="{0B98B8EE-CCEB-4283-2BCB-D4412BF4F09A}"/>
+              </a:ext>
+            </a:extLst>
+          </p:cNvPr>
+          <p:cNvSpPr txBox="1"/>
+          <p:nvPr/>
+        </p:nvSpPr>
+        <p:spPr>
+          <a:xfrm>
+            <a:off x="5404579" y="2199259"/>
+            <a:ext cx="495368" cy="369332"/>
+          </a:xfrm>
+          <a:prstGeom prst="rect">
+            <a:avLst/>
+          </a:prstGeom>
+          <a:noFill/>
+        </p:spPr>
+        <p:txBody>
+          <a:bodyPr wrap="square" rtlCol="0">
+            <a:spAutoFit/>
+          </a:bodyPr>
+          <a:lstStyle/>
+          <a:p>
+            <a:r>
+              <a:rPr lang="ja-JP" altLang="en-US" dirty="0">
+                <a:latin typeface="ＭＳ Ｐゴシック" panose="020B0600070205080204" pitchFamily="50" charset="-128"/>
+                <a:ea typeface="ＭＳ Ｐゴシック" panose="020B0600070205080204" pitchFamily="50" charset="-128"/>
+              </a:rPr>
+              <a:t>③</a:t>
+            </a:r>
+            <a:endParaRPr kumimoji="1" lang="ja-JP" altLang="en-US" dirty="0">
+              <a:latin typeface="ＭＳ Ｐゴシック" panose="020B0600070205080204" pitchFamily="50" charset="-128"/>
+              <a:ea typeface="ＭＳ Ｐゴシック" panose="020B0600070205080204" pitchFamily="50" charset="-128"/>
+            </a:endParaRPr>
+          </a:p>
+        </p:txBody>
+      </p:sp>
+      <p:sp>
+        <p:nvSpPr>
+          <p:cNvPr id="21" name="正方形/長方形 20">
+            <a:extLst>
+              <a:ext uri="{FF2B5EF4-FFF2-40B4-BE49-F238E27FC236}">
+                <a16:creationId xmlns:a16="http://schemas.microsoft.com/office/drawing/2014/main" id="{BFDE96BA-3E4E-D1F8-3E63-423FF16FE3BA}"/>
               </a:ext>
             </a:extLst>
           </p:cNvPr>
@@ -4875,8 +5163,8 @@
         </p:nvSpPr>
         <p:spPr>
           <a:xfrm>
-            <a:off x="384806" y="5399307"/>
-            <a:ext cx="2039324" cy="236976"/>
+            <a:off x="201492" y="4856639"/>
+            <a:ext cx="1884627" cy="240373"/>
           </a:xfrm>
           <a:prstGeom prst="rect">
             <a:avLst/>
@@ -4907,17 +5195,55 @@
           <a:bodyPr rtlCol="0" anchor="ctr"/>
           <a:lstStyle/>
           <a:p>
-            <a:pPr algn="ctr"/>
+            <a:pPr algn="dist"/>
             <a:endParaRPr kumimoji="1" lang="ja-JP" altLang="en-US"/>
           </a:p>
         </p:txBody>
       </p:sp>
       <p:sp>
         <p:nvSpPr>
-          <p:cNvPr id="8" name="正方形/長方形 7">
-            <a:extLst>
-              <a:ext uri="{FF2B5EF4-FFF2-40B4-BE49-F238E27FC236}">
-                <a16:creationId xmlns:a16="http://schemas.microsoft.com/office/drawing/2014/main" id="{27232A6C-F772-0BC5-5462-840DE5817D6E}"/>
+          <p:cNvPr id="22" name="テキスト ボックス 21">
+            <a:extLst>
+              <a:ext uri="{FF2B5EF4-FFF2-40B4-BE49-F238E27FC236}">
+                <a16:creationId xmlns:a16="http://schemas.microsoft.com/office/drawing/2014/main" id="{2A17821F-C118-2C82-76F5-6489F61EBBBB}"/>
+              </a:ext>
+            </a:extLst>
+          </p:cNvPr>
+          <p:cNvSpPr txBox="1"/>
+          <p:nvPr/>
+        </p:nvSpPr>
+        <p:spPr>
+          <a:xfrm>
+            <a:off x="1603770" y="4782969"/>
+            <a:ext cx="369884" cy="369332"/>
+          </a:xfrm>
+          <a:prstGeom prst="rect">
+            <a:avLst/>
+          </a:prstGeom>
+          <a:noFill/>
+        </p:spPr>
+        <p:txBody>
+          <a:bodyPr wrap="square" rtlCol="0">
+            <a:spAutoFit/>
+          </a:bodyPr>
+          <a:lstStyle/>
+          <a:p>
+            <a:r>
+              <a:rPr kumimoji="1" lang="ja-JP" altLang="en-US" dirty="0">
+                <a:latin typeface="ＭＳ Ｐゴシック" panose="020B0600070205080204" pitchFamily="50" charset="-128"/>
+                <a:ea typeface="ＭＳ Ｐゴシック" panose="020B0600070205080204" pitchFamily="50" charset="-128"/>
+              </a:rPr>
+              <a:t>④</a:t>
+            </a:r>
+          </a:p>
+        </p:txBody>
+      </p:sp>
+      <p:sp>
+        <p:nvSpPr>
+          <p:cNvPr id="23" name="正方形/長方形 22">
+            <a:extLst>
+              <a:ext uri="{FF2B5EF4-FFF2-40B4-BE49-F238E27FC236}">
+                <a16:creationId xmlns:a16="http://schemas.microsoft.com/office/drawing/2014/main" id="{008F154A-6072-7EC9-A9E7-A4A76FF0182F}"/>
               </a:ext>
             </a:extLst>
           </p:cNvPr>
@@ -4926,8 +5252,8 @@
         </p:nvSpPr>
         <p:spPr>
           <a:xfrm>
-            <a:off x="6946605" y="6241797"/>
-            <a:ext cx="1410585" cy="236976"/>
+            <a:off x="9672422" y="5549917"/>
+            <a:ext cx="1563970" cy="240373"/>
           </a:xfrm>
           <a:prstGeom prst="rect">
             <a:avLst/>
@@ -4958,17 +5284,17 @@
           <a:bodyPr rtlCol="0" anchor="ctr"/>
           <a:lstStyle/>
           <a:p>
-            <a:pPr algn="ctr"/>
+            <a:pPr algn="dist"/>
             <a:endParaRPr kumimoji="1" lang="ja-JP" altLang="en-US"/>
           </a:p>
         </p:txBody>
       </p:sp>
       <p:sp>
         <p:nvSpPr>
-          <p:cNvPr id="9" name="テキスト ボックス 8">
-            <a:extLst>
-              <a:ext uri="{FF2B5EF4-FFF2-40B4-BE49-F238E27FC236}">
-                <a16:creationId xmlns:a16="http://schemas.microsoft.com/office/drawing/2014/main" id="{CBD6964A-7581-ADA2-DDB7-0E0D31FB31DC}"/>
+          <p:cNvPr id="24" name="テキスト ボックス 23">
+            <a:extLst>
+              <a:ext uri="{FF2B5EF4-FFF2-40B4-BE49-F238E27FC236}">
+                <a16:creationId xmlns:a16="http://schemas.microsoft.com/office/drawing/2014/main" id="{BB33D6DC-CE67-241D-FB6D-025D100BD427}"/>
               </a:ext>
             </a:extLst>
           </p:cNvPr>
@@ -4977,8 +5303,8 @@
         </p:nvSpPr>
         <p:spPr>
           <a:xfrm>
-            <a:off x="5207764" y="2266085"/>
-            <a:ext cx="348198" cy="369332"/>
+            <a:off x="9838730" y="5480842"/>
+            <a:ext cx="369884" cy="369332"/>
           </a:xfrm>
           <a:prstGeom prst="rect">
             <a:avLst/>
@@ -4992,89 +5318,23 @@
           <a:lstStyle/>
           <a:p>
             <a:r>
-              <a:rPr lang="en-US" altLang="ja-JP" dirty="0"/>
-              <a:t>③</a:t>
-            </a:r>
-            <a:endParaRPr kumimoji="1" lang="ja-JP" altLang="en-US"/>
-          </a:p>
-        </p:txBody>
-      </p:sp>
-      <p:sp>
-        <p:nvSpPr>
-          <p:cNvPr id="10" name="テキスト ボックス 9">
-            <a:extLst>
-              <a:ext uri="{FF2B5EF4-FFF2-40B4-BE49-F238E27FC236}">
-                <a16:creationId xmlns:a16="http://schemas.microsoft.com/office/drawing/2014/main" id="{4EAD9077-3E92-E568-26BA-0EE10EB905AA}"/>
-              </a:ext>
-            </a:extLst>
-          </p:cNvPr>
-          <p:cNvSpPr txBox="1"/>
-          <p:nvPr/>
-        </p:nvSpPr>
-        <p:spPr>
-          <a:xfrm>
-            <a:off x="2075932" y="5348939"/>
-            <a:ext cx="348198" cy="369332"/>
-          </a:xfrm>
-          <a:prstGeom prst="rect">
-            <a:avLst/>
-          </a:prstGeom>
-          <a:noFill/>
-        </p:spPr>
-        <p:txBody>
-          <a:bodyPr wrap="square" rtlCol="0">
-            <a:spAutoFit/>
-          </a:bodyPr>
-          <a:lstStyle/>
-          <a:p>
-            <a:r>
-              <a:rPr kumimoji="1" lang="en-US" altLang="ja-JP" dirty="0"/>
-              <a:t>④</a:t>
-            </a:r>
-            <a:endParaRPr kumimoji="1" lang="ja-JP" altLang="en-US"/>
-          </a:p>
-        </p:txBody>
-      </p:sp>
-      <p:sp>
-        <p:nvSpPr>
-          <p:cNvPr id="11" name="テキスト ボックス 10">
-            <a:extLst>
-              <a:ext uri="{FF2B5EF4-FFF2-40B4-BE49-F238E27FC236}">
-                <a16:creationId xmlns:a16="http://schemas.microsoft.com/office/drawing/2014/main" id="{C58B48A3-3799-962B-1D16-E7FDE4E383B5}"/>
-              </a:ext>
-            </a:extLst>
-          </p:cNvPr>
-          <p:cNvSpPr txBox="1"/>
-          <p:nvPr/>
-        </p:nvSpPr>
-        <p:spPr>
-          <a:xfrm>
-            <a:off x="6946607" y="6192181"/>
-            <a:ext cx="396946" cy="369332"/>
-          </a:xfrm>
-          <a:prstGeom prst="rect">
-            <a:avLst/>
-          </a:prstGeom>
-          <a:noFill/>
-        </p:spPr>
-        <p:txBody>
-          <a:bodyPr wrap="square" rtlCol="0">
-            <a:spAutoFit/>
-          </a:bodyPr>
-          <a:lstStyle/>
-          <a:p>
-            <a:r>
-              <a:rPr kumimoji="1" lang="en-US" altLang="ja-JP" dirty="0"/>
+              <a:rPr lang="ja-JP" altLang="en-US" dirty="0">
+                <a:latin typeface="ＭＳ Ｐゴシック" panose="020B0600070205080204" pitchFamily="50" charset="-128"/>
+                <a:ea typeface="ＭＳ Ｐゴシック" panose="020B0600070205080204" pitchFamily="50" charset="-128"/>
+              </a:rPr>
               <a:t>⑤</a:t>
             </a:r>
-            <a:endParaRPr kumimoji="1" lang="ja-JP" altLang="en-US"/>
+            <a:endParaRPr kumimoji="1" lang="ja-JP" altLang="en-US" dirty="0">
+              <a:latin typeface="ＭＳ Ｐゴシック" panose="020B0600070205080204" pitchFamily="50" charset="-128"/>
+              <a:ea typeface="ＭＳ Ｐゴシック" panose="020B0600070205080204" pitchFamily="50" charset="-128"/>
+            </a:endParaRPr>
           </a:p>
         </p:txBody>
       </p:sp>
     </p:spTree>
     <p:extLst>
       <p:ext uri="{BB962C8B-B14F-4D97-AF65-F5344CB8AC3E}">
-        <p14:creationId xmlns:p14="http://schemas.microsoft.com/office/powerpoint/2010/main" val="59409426"/>
+        <p14:creationId xmlns:p14="http://schemas.microsoft.com/office/powerpoint/2010/main" val="2117236613"/>
       </p:ext>
     </p:extLst>
   </p:cSld>
@@ -5103,10 +5363,10 @@
       </p:grpSpPr>
       <p:pic>
         <p:nvPicPr>
-          <p:cNvPr id="5" name="図 4" descr="グラフィカル ユーザー インターフェイス, アプリケーション&#10;&#10;自動的に生成された説明">
-            <a:extLst>
-              <a:ext uri="{FF2B5EF4-FFF2-40B4-BE49-F238E27FC236}">
-                <a16:creationId xmlns:a16="http://schemas.microsoft.com/office/drawing/2014/main" id="{BCD9ABB0-D0DA-EBCD-8BC6-2EB5B2345668}"/>
+          <p:cNvPr id="5" name="図 4" descr="グラフィカル ユーザー インターフェイス, アプリケーション, Word&#10;&#10;自動的に生成された説明">
+            <a:extLst>
+              <a:ext uri="{FF2B5EF4-FFF2-40B4-BE49-F238E27FC236}">
+                <a16:creationId xmlns:a16="http://schemas.microsoft.com/office/drawing/2014/main" id="{9FC9704E-A616-29EA-E2EB-3433F3991AE1}"/>
               </a:ext>
             </a:extLst>
           </p:cNvPr>
@@ -5123,8 +5383,8 @@
         </p:blipFill>
         <p:spPr>
           <a:xfrm>
-            <a:off x="0" y="0"/>
-            <a:ext cx="10138733" cy="6623222"/>
+            <a:off x="58410" y="268140"/>
+            <a:ext cx="12141438" cy="5581263"/>
           </a:xfrm>
           <a:prstGeom prst="rect">
             <a:avLst/>
@@ -5133,10 +5393,10 @@
       </p:pic>
       <p:sp>
         <p:nvSpPr>
-          <p:cNvPr id="10" name="正方形/長方形 9">
-            <a:extLst>
-              <a:ext uri="{FF2B5EF4-FFF2-40B4-BE49-F238E27FC236}">
-                <a16:creationId xmlns:a16="http://schemas.microsoft.com/office/drawing/2014/main" id="{22DADB1F-213E-DE97-931B-579BED55F6D9}"/>
+          <p:cNvPr id="6" name="正方形/長方形 5">
+            <a:extLst>
+              <a:ext uri="{FF2B5EF4-FFF2-40B4-BE49-F238E27FC236}">
+                <a16:creationId xmlns:a16="http://schemas.microsoft.com/office/drawing/2014/main" id="{D5C83504-D14E-3040-94A7-A15E4160BA5C}"/>
               </a:ext>
             </a:extLst>
           </p:cNvPr>
@@ -5145,8 +5405,8 @@
         </p:nvSpPr>
         <p:spPr>
           <a:xfrm>
-            <a:off x="503886" y="1456695"/>
-            <a:ext cx="1934514" cy="209238"/>
+            <a:off x="380856" y="1484692"/>
+            <a:ext cx="2115366" cy="240373"/>
           </a:xfrm>
           <a:prstGeom prst="rect">
             <a:avLst/>
@@ -5177,17 +5437,17 @@
           <a:bodyPr rtlCol="0" anchor="ctr"/>
           <a:lstStyle/>
           <a:p>
-            <a:pPr algn="ctr"/>
+            <a:pPr algn="dist"/>
             <a:endParaRPr kumimoji="1" lang="ja-JP" altLang="en-US"/>
           </a:p>
         </p:txBody>
       </p:sp>
       <p:sp>
         <p:nvSpPr>
-          <p:cNvPr id="11" name="テキスト ボックス 10">
-            <a:extLst>
-              <a:ext uri="{FF2B5EF4-FFF2-40B4-BE49-F238E27FC236}">
-                <a16:creationId xmlns:a16="http://schemas.microsoft.com/office/drawing/2014/main" id="{2EC45F23-7754-EB98-CE3D-B16A7100F832}"/>
+          <p:cNvPr id="7" name="テキスト ボックス 6">
+            <a:extLst>
+              <a:ext uri="{FF2B5EF4-FFF2-40B4-BE49-F238E27FC236}">
+                <a16:creationId xmlns:a16="http://schemas.microsoft.com/office/drawing/2014/main" id="{C595B8EC-D644-C332-A873-DF4295D83846}"/>
               </a:ext>
             </a:extLst>
           </p:cNvPr>
@@ -5196,8 +5456,8 @@
         </p:nvSpPr>
         <p:spPr>
           <a:xfrm>
-            <a:off x="2113424" y="1448457"/>
-            <a:ext cx="292024" cy="261610"/>
+            <a:off x="1967538" y="1406427"/>
+            <a:ext cx="369884" cy="369332"/>
           </a:xfrm>
           <a:prstGeom prst="rect">
             <a:avLst/>
@@ -5211,19 +5471,25 @@
           <a:lstStyle/>
           <a:p>
             <a:r>
-              <a:rPr lang="ja-JP" altLang="en-US" sz="1100"/>
+              <a:rPr kumimoji="1" lang="en-US" altLang="ja-JP" dirty="0">
+                <a:latin typeface="ＭＳ Ｐゴシック" panose="020B0600070205080204" pitchFamily="50" charset="-128"/>
+                <a:ea typeface="ＭＳ Ｐゴシック" panose="020B0600070205080204" pitchFamily="50" charset="-128"/>
+              </a:rPr>
               <a:t>①</a:t>
             </a:r>
-            <a:endParaRPr kumimoji="1" lang="ja-JP" altLang="en-US" sz="1100"/>
-          </a:p>
-        </p:txBody>
-      </p:sp>
-      <p:sp>
-        <p:nvSpPr>
-          <p:cNvPr id="12" name="正方形/長方形 11">
-            <a:extLst>
-              <a:ext uri="{FF2B5EF4-FFF2-40B4-BE49-F238E27FC236}">
-                <a16:creationId xmlns:a16="http://schemas.microsoft.com/office/drawing/2014/main" id="{7338CC15-C944-274C-D2E3-EAB8750D42A8}"/>
+            <a:endParaRPr kumimoji="1" lang="ja-JP" altLang="en-US" dirty="0">
+              <a:latin typeface="ＭＳ Ｐゴシック" panose="020B0600070205080204" pitchFamily="50" charset="-128"/>
+              <a:ea typeface="ＭＳ Ｐゴシック" panose="020B0600070205080204" pitchFamily="50" charset="-128"/>
+            </a:endParaRPr>
+          </a:p>
+        </p:txBody>
+      </p:sp>
+      <p:sp>
+        <p:nvSpPr>
+          <p:cNvPr id="8" name="正方形/長方形 7">
+            <a:extLst>
+              <a:ext uri="{FF2B5EF4-FFF2-40B4-BE49-F238E27FC236}">
+                <a16:creationId xmlns:a16="http://schemas.microsoft.com/office/drawing/2014/main" id="{9EDE991C-1A1D-188D-9F36-9ED99A67CC6A}"/>
               </a:ext>
             </a:extLst>
           </p:cNvPr>
@@ -5232,8 +5498,8 @@
         </p:nvSpPr>
         <p:spPr>
           <a:xfrm>
-            <a:off x="503885" y="2656836"/>
-            <a:ext cx="2898341" cy="230162"/>
+            <a:off x="418381" y="2670879"/>
+            <a:ext cx="3005007" cy="240373"/>
           </a:xfrm>
           <a:prstGeom prst="rect">
             <a:avLst/>
@@ -5264,17 +5530,17 @@
           <a:bodyPr rtlCol="0" anchor="ctr"/>
           <a:lstStyle/>
           <a:p>
-            <a:pPr algn="ctr"/>
+            <a:pPr algn="dist"/>
             <a:endParaRPr kumimoji="1" lang="ja-JP" altLang="en-US"/>
           </a:p>
         </p:txBody>
       </p:sp>
       <p:sp>
         <p:nvSpPr>
-          <p:cNvPr id="13" name="テキスト ボックス 12">
-            <a:extLst>
-              <a:ext uri="{FF2B5EF4-FFF2-40B4-BE49-F238E27FC236}">
-                <a16:creationId xmlns:a16="http://schemas.microsoft.com/office/drawing/2014/main" id="{2CE5BB3B-F35B-A966-FEF1-DF1AF8ED8A0B}"/>
+          <p:cNvPr id="9" name="テキスト ボックス 8">
+            <a:extLst>
+              <a:ext uri="{FF2B5EF4-FFF2-40B4-BE49-F238E27FC236}">
+                <a16:creationId xmlns:a16="http://schemas.microsoft.com/office/drawing/2014/main" id="{02810CF4-C2E1-528D-8895-E018A3E86932}"/>
               </a:ext>
             </a:extLst>
           </p:cNvPr>
@@ -5283,8 +5549,8 @@
         </p:nvSpPr>
         <p:spPr>
           <a:xfrm>
-            <a:off x="3085488" y="2656836"/>
-            <a:ext cx="292024" cy="261610"/>
+            <a:off x="2882703" y="2583424"/>
+            <a:ext cx="540685" cy="369332"/>
           </a:xfrm>
           <a:prstGeom prst="rect">
             <a:avLst/>
@@ -5298,17 +5564,19 @@
           <a:lstStyle/>
           <a:p>
             <a:r>
-              <a:rPr kumimoji="1" lang="en-US" altLang="ja-JP" sz="1100" dirty="0"/>
+              <a:rPr kumimoji="1" lang="ja-JP" altLang="en-US" dirty="0">
+                <a:latin typeface="ＭＳ Ｐゴシック" panose="020B0600070205080204" pitchFamily="50" charset="-128"/>
+                <a:ea typeface="ＭＳ Ｐゴシック" panose="020B0600070205080204" pitchFamily="50" charset="-128"/>
+              </a:rPr>
               <a:t>②</a:t>
             </a:r>
-            <a:endParaRPr kumimoji="1" lang="ja-JP" altLang="en-US" sz="1100"/>
           </a:p>
         </p:txBody>
       </p:sp>
     </p:spTree>
     <p:extLst>
       <p:ext uri="{BB962C8B-B14F-4D97-AF65-F5344CB8AC3E}">
-        <p14:creationId xmlns:p14="http://schemas.microsoft.com/office/powerpoint/2010/main" val="2294289713"/>
+        <p14:creationId xmlns:p14="http://schemas.microsoft.com/office/powerpoint/2010/main" val="4092271245"/>
       </p:ext>
     </p:extLst>
   </p:cSld>
@@ -5337,10 +5605,10 @@
       </p:grpSpPr>
       <p:pic>
         <p:nvPicPr>
-          <p:cNvPr id="5" name="図 4" descr="グラフィカル ユーザー インターフェイス, テキスト, アプリケーション, メール&#10;&#10;自動的に生成された説明">
-            <a:extLst>
-              <a:ext uri="{FF2B5EF4-FFF2-40B4-BE49-F238E27FC236}">
-                <a16:creationId xmlns:a16="http://schemas.microsoft.com/office/drawing/2014/main" id="{23A18A56-488C-FE36-43CB-130F62A9C369}"/>
+          <p:cNvPr id="5" name="図 4" descr="グラフィカル ユーザー インターフェイス, アプリケーション&#10;&#10;自動的に生成された説明">
+            <a:extLst>
+              <a:ext uri="{FF2B5EF4-FFF2-40B4-BE49-F238E27FC236}">
+                <a16:creationId xmlns:a16="http://schemas.microsoft.com/office/drawing/2014/main" id="{D683A8C9-2E33-5F65-5161-CECF9909DC29}"/>
               </a:ext>
             </a:extLst>
           </p:cNvPr>
@@ -5357,8 +5625,8 @@
         </p:blipFill>
         <p:spPr>
           <a:xfrm>
-            <a:off x="139871" y="102115"/>
-            <a:ext cx="10118571" cy="6455204"/>
+            <a:off x="-4595" y="352323"/>
+            <a:ext cx="12116950" cy="5456344"/>
           </a:xfrm>
           <a:prstGeom prst="rect">
             <a:avLst/>
@@ -5370,7 +5638,7 @@
           <p:cNvPr id="6" name="正方形/長方形 5">
             <a:extLst>
               <a:ext uri="{FF2B5EF4-FFF2-40B4-BE49-F238E27FC236}">
-                <a16:creationId xmlns:a16="http://schemas.microsoft.com/office/drawing/2014/main" id="{29CCD64D-A657-A8BA-6EBE-C5D4D6362AFE}"/>
+                <a16:creationId xmlns:a16="http://schemas.microsoft.com/office/drawing/2014/main" id="{DFFC8122-DBF1-82F2-ED13-D8156A3E7EC3}"/>
               </a:ext>
             </a:extLst>
           </p:cNvPr>
@@ -5379,8 +5647,8 @@
         </p:nvSpPr>
         <p:spPr>
           <a:xfrm>
-            <a:off x="3345939" y="3812716"/>
-            <a:ext cx="5625065" cy="1064084"/>
+            <a:off x="5320453" y="2150963"/>
+            <a:ext cx="3984372" cy="1492852"/>
           </a:xfrm>
           <a:prstGeom prst="rect">
             <a:avLst/>
@@ -5411,7 +5679,7 @@
           <a:bodyPr rtlCol="0" anchor="ctr"/>
           <a:lstStyle/>
           <a:p>
-            <a:pPr algn="ctr"/>
+            <a:pPr algn="dist"/>
             <a:endParaRPr kumimoji="1" lang="ja-JP" altLang="en-US"/>
           </a:p>
         </p:txBody>
@@ -5421,7 +5689,7 @@
           <p:cNvPr id="7" name="テキスト ボックス 6">
             <a:extLst>
               <a:ext uri="{FF2B5EF4-FFF2-40B4-BE49-F238E27FC236}">
-                <a16:creationId xmlns:a16="http://schemas.microsoft.com/office/drawing/2014/main" id="{3C1E68C8-9149-0D68-2EB2-9311E32CCB5D}"/>
+                <a16:creationId xmlns:a16="http://schemas.microsoft.com/office/drawing/2014/main" id="{369B08DE-9B78-A90D-C0FC-8FE0650B681A}"/>
               </a:ext>
             </a:extLst>
           </p:cNvPr>
@@ -5430,8 +5698,8 @@
         </p:nvSpPr>
         <p:spPr>
           <a:xfrm>
-            <a:off x="6012459" y="4316926"/>
-            <a:ext cx="292024" cy="261610"/>
+            <a:off x="7403394" y="2712723"/>
+            <a:ext cx="495368" cy="369332"/>
           </a:xfrm>
           <a:prstGeom prst="rect">
             <a:avLst/>
@@ -5445,17 +5713,23 @@
           <a:lstStyle/>
           <a:p>
             <a:r>
-              <a:rPr kumimoji="1" lang="en-US" altLang="ja-JP" sz="1100" dirty="0"/>
+              <a:rPr lang="ja-JP" altLang="en-US" dirty="0">
+                <a:latin typeface="ＭＳ Ｐゴシック" panose="020B0600070205080204" pitchFamily="50" charset="-128"/>
+                <a:ea typeface="ＭＳ Ｐゴシック" panose="020B0600070205080204" pitchFamily="50" charset="-128"/>
+              </a:rPr>
               <a:t>③</a:t>
             </a:r>
-            <a:endParaRPr kumimoji="1" lang="ja-JP" altLang="en-US" sz="1100"/>
+            <a:endParaRPr kumimoji="1" lang="ja-JP" altLang="en-US" dirty="0">
+              <a:latin typeface="ＭＳ Ｐゴシック" panose="020B0600070205080204" pitchFamily="50" charset="-128"/>
+              <a:ea typeface="ＭＳ Ｐゴシック" panose="020B0600070205080204" pitchFamily="50" charset="-128"/>
+            </a:endParaRPr>
           </a:p>
         </p:txBody>
       </p:sp>
     </p:spTree>
     <p:extLst>
       <p:ext uri="{BB962C8B-B14F-4D97-AF65-F5344CB8AC3E}">
-        <p14:creationId xmlns:p14="http://schemas.microsoft.com/office/powerpoint/2010/main" val="874574851"/>
+        <p14:creationId xmlns:p14="http://schemas.microsoft.com/office/powerpoint/2010/main" val="4133472845"/>
       </p:ext>
     </p:extLst>
   </p:cSld>
@@ -5484,17 +5758,19 @@
       </p:grpSpPr>
       <p:pic>
         <p:nvPicPr>
-          <p:cNvPr id="7" name="図 6" descr="グラフィカル ユーザー インターフェイス, アプリケーション&#10;&#10;自動的に生成された説明">
-            <a:extLst>
-              <a:ext uri="{FF2B5EF4-FFF2-40B4-BE49-F238E27FC236}">
-                <a16:creationId xmlns:a16="http://schemas.microsoft.com/office/drawing/2014/main" id="{3F44599D-9C3B-F789-D8B6-2B9510E911E8}"/>
+          <p:cNvPr id="5" name="コンテンツ プレースホルダー 4" descr="テーブル&#10;&#10;自動的に生成された説明">
+            <a:extLst>
+              <a:ext uri="{FF2B5EF4-FFF2-40B4-BE49-F238E27FC236}">
+                <a16:creationId xmlns:a16="http://schemas.microsoft.com/office/drawing/2014/main" id="{6FC4C82C-D254-9A04-071B-2115337D12C3}"/>
               </a:ext>
             </a:extLst>
           </p:cNvPr>
           <p:cNvPicPr>
-            <a:picLocks noChangeAspect="1"/>
+            <a:picLocks noGrp="1" noChangeAspect="1"/>
           </p:cNvPicPr>
-          <p:nvPr/>
+          <p:nvPr>
+            <p:ph idx="1"/>
+          </p:nvPr>
         </p:nvPicPr>
         <p:blipFill>
           <a:blip r:embed="rId2"/>
@@ -5504,80 +5780,17 @@
         </p:blipFill>
         <p:spPr>
           <a:xfrm>
-            <a:off x="80368" y="131805"/>
-            <a:ext cx="5770509" cy="3676994"/>
-          </a:xfrm>
-          <a:prstGeom prst="rect">
-            <a:avLst/>
-          </a:prstGeom>
+            <a:off x="149255" y="153053"/>
+            <a:ext cx="12051935" cy="5540120"/>
+          </a:xfrm>
         </p:spPr>
       </p:pic>
-      <p:pic>
-        <p:nvPicPr>
-          <p:cNvPr id="9" name="図 8" descr="グラフィカル ユーザー インターフェイス が含まれている画像&#10;&#10;自動的に生成された説明">
-            <a:extLst>
-              <a:ext uri="{FF2B5EF4-FFF2-40B4-BE49-F238E27FC236}">
-                <a16:creationId xmlns:a16="http://schemas.microsoft.com/office/drawing/2014/main" id="{B87431E7-C589-9DEA-6084-ABA963737F5F}"/>
-              </a:ext>
-            </a:extLst>
-          </p:cNvPr>
-          <p:cNvPicPr>
-            <a:picLocks noChangeAspect="1"/>
-          </p:cNvPicPr>
-          <p:nvPr/>
-        </p:nvPicPr>
-        <p:blipFill>
-          <a:blip r:embed="rId3"/>
-          <a:stretch>
-            <a:fillRect/>
-          </a:stretch>
-        </p:blipFill>
-        <p:spPr>
-          <a:xfrm>
-            <a:off x="-6135" y="1572812"/>
-            <a:ext cx="5857012" cy="3826148"/>
-          </a:xfrm>
-          <a:prstGeom prst="rect">
-            <a:avLst/>
-          </a:prstGeom>
-        </p:spPr>
-      </p:pic>
-      <p:pic>
-        <p:nvPicPr>
-          <p:cNvPr id="11" name="図 10" descr="グラフィカル ユーザー インターフェイス が含まれている画像&#10;&#10;自動的に生成された説明">
-            <a:extLst>
-              <a:ext uri="{FF2B5EF4-FFF2-40B4-BE49-F238E27FC236}">
-                <a16:creationId xmlns:a16="http://schemas.microsoft.com/office/drawing/2014/main" id="{33E031F3-26B3-049A-610E-B48B8DBB32C1}"/>
-              </a:ext>
-            </a:extLst>
-          </p:cNvPr>
-          <p:cNvPicPr>
-            <a:picLocks noChangeAspect="1"/>
-          </p:cNvPicPr>
-          <p:nvPr/>
-        </p:nvPicPr>
-        <p:blipFill>
-          <a:blip r:embed="rId4"/>
-          <a:stretch>
-            <a:fillRect/>
-          </a:stretch>
-        </p:blipFill>
-        <p:spPr>
-          <a:xfrm>
-            <a:off x="5813811" y="481927"/>
-            <a:ext cx="6341123" cy="4142398"/>
-          </a:xfrm>
-          <a:prstGeom prst="rect">
-            <a:avLst/>
-          </a:prstGeom>
-        </p:spPr>
-      </p:pic>
-      <p:sp>
-        <p:nvSpPr>
-          <p:cNvPr id="12" name="正方形/長方形 11">
-            <a:extLst>
-              <a:ext uri="{FF2B5EF4-FFF2-40B4-BE49-F238E27FC236}">
-                <a16:creationId xmlns:a16="http://schemas.microsoft.com/office/drawing/2014/main" id="{CCACEDD3-01BE-1695-4A74-F24BF3A89811}"/>
+      <p:sp>
+        <p:nvSpPr>
+          <p:cNvPr id="6" name="正方形/長方形 5">
+            <a:extLst>
+              <a:ext uri="{FF2B5EF4-FFF2-40B4-BE49-F238E27FC236}">
+                <a16:creationId xmlns:a16="http://schemas.microsoft.com/office/drawing/2014/main" id="{499A4245-A8F8-AE61-520F-CB13E3430436}"/>
               </a:ext>
             </a:extLst>
           </p:cNvPr>
@@ -5586,8 +5799,8 @@
         </p:nvSpPr>
         <p:spPr>
           <a:xfrm>
-            <a:off x="1191733" y="824861"/>
-            <a:ext cx="1576182" cy="320197"/>
+            <a:off x="3698428" y="1401982"/>
+            <a:ext cx="1953391" cy="445198"/>
           </a:xfrm>
           <a:prstGeom prst="rect">
             <a:avLst/>
@@ -5618,17 +5831,17 @@
           <a:bodyPr rtlCol="0" anchor="ctr"/>
           <a:lstStyle/>
           <a:p>
-            <a:pPr algn="ctr"/>
+            <a:pPr algn="dist"/>
             <a:endParaRPr kumimoji="1" lang="ja-JP" altLang="en-US"/>
           </a:p>
         </p:txBody>
       </p:sp>
       <p:sp>
         <p:nvSpPr>
-          <p:cNvPr id="13" name="テキスト ボックス 12">
-            <a:extLst>
-              <a:ext uri="{FF2B5EF4-FFF2-40B4-BE49-F238E27FC236}">
-                <a16:creationId xmlns:a16="http://schemas.microsoft.com/office/drawing/2014/main" id="{890792B7-2060-529A-F6E3-5161D091E59E}"/>
+          <p:cNvPr id="7" name="テキスト ボックス 6">
+            <a:extLst>
+              <a:ext uri="{FF2B5EF4-FFF2-40B4-BE49-F238E27FC236}">
+                <a16:creationId xmlns:a16="http://schemas.microsoft.com/office/drawing/2014/main" id="{DE4E6890-1A54-1B1D-2F54-9AACE0ED79AB}"/>
               </a:ext>
             </a:extLst>
           </p:cNvPr>
@@ -5637,8 +5850,8 @@
         </p:nvSpPr>
         <p:spPr>
           <a:xfrm>
-            <a:off x="2308307" y="824861"/>
-            <a:ext cx="336040" cy="369332"/>
+            <a:off x="5142665" y="1439915"/>
+            <a:ext cx="369884" cy="369332"/>
           </a:xfrm>
           <a:prstGeom prst="rect">
             <a:avLst/>
@@ -5652,191 +5865,19 @@
           <a:lstStyle/>
           <a:p>
             <a:r>
-              <a:rPr lang="en-US" altLang="ja-JP" dirty="0"/>
+              <a:rPr kumimoji="1" lang="ja-JP" altLang="en-US" dirty="0">
+                <a:latin typeface="ＭＳ Ｐゴシック" panose="020B0600070205080204" pitchFamily="50" charset="-128"/>
+                <a:ea typeface="ＭＳ Ｐゴシック" panose="020B0600070205080204" pitchFamily="50" charset="-128"/>
+              </a:rPr>
               <a:t>①</a:t>
             </a:r>
-            <a:endParaRPr kumimoji="1" lang="ja-JP" altLang="en-US"/>
-          </a:p>
-        </p:txBody>
-      </p:sp>
-      <p:sp>
-        <p:nvSpPr>
-          <p:cNvPr id="14" name="正方形/長方形 13">
-            <a:extLst>
-              <a:ext uri="{FF2B5EF4-FFF2-40B4-BE49-F238E27FC236}">
-                <a16:creationId xmlns:a16="http://schemas.microsoft.com/office/drawing/2014/main" id="{3663C36D-AD40-FEA9-4AD1-74945FAAB940}"/>
-              </a:ext>
-            </a:extLst>
-          </p:cNvPr>
-          <p:cNvSpPr/>
-          <p:nvPr/>
-        </p:nvSpPr>
-        <p:spPr>
-          <a:xfrm>
-            <a:off x="1179374" y="2488383"/>
-            <a:ext cx="1576182" cy="243659"/>
-          </a:xfrm>
-          <a:prstGeom prst="rect">
-            <a:avLst/>
-          </a:prstGeom>
-          <a:solidFill>
-            <a:schemeClr val="accent2">
-              <a:alpha val="50000"/>
-            </a:schemeClr>
-          </a:solidFill>
-        </p:spPr>
-        <p:style>
-          <a:lnRef idx="2">
-            <a:schemeClr val="accent2">
-              <a:shade val="15000"/>
-            </a:schemeClr>
-          </a:lnRef>
-          <a:fillRef idx="1">
-            <a:schemeClr val="accent2"/>
-          </a:fillRef>
-          <a:effectRef idx="0">
-            <a:schemeClr val="accent2"/>
-          </a:effectRef>
-          <a:fontRef idx="minor">
-            <a:schemeClr val="lt1"/>
-          </a:fontRef>
-        </p:style>
-        <p:txBody>
-          <a:bodyPr rtlCol="0" anchor="ctr"/>
-          <a:lstStyle/>
-          <a:p>
-            <a:pPr algn="ctr"/>
-            <a:endParaRPr kumimoji="1" lang="ja-JP" altLang="en-US"/>
-          </a:p>
-        </p:txBody>
-      </p:sp>
-      <p:sp>
-        <p:nvSpPr>
-          <p:cNvPr id="15" name="テキスト ボックス 14">
-            <a:extLst>
-              <a:ext uri="{FF2B5EF4-FFF2-40B4-BE49-F238E27FC236}">
-                <a16:creationId xmlns:a16="http://schemas.microsoft.com/office/drawing/2014/main" id="{099F0D3C-A237-F947-B574-06F2E7BC34DE}"/>
-              </a:ext>
-            </a:extLst>
-          </p:cNvPr>
-          <p:cNvSpPr txBox="1"/>
-          <p:nvPr/>
-        </p:nvSpPr>
-        <p:spPr>
-          <a:xfrm>
-            <a:off x="2295948" y="2447193"/>
-            <a:ext cx="336040" cy="369332"/>
-          </a:xfrm>
-          <a:prstGeom prst="rect">
-            <a:avLst/>
-          </a:prstGeom>
-          <a:noFill/>
-        </p:spPr>
-        <p:txBody>
-          <a:bodyPr wrap="square" rtlCol="0">
-            <a:spAutoFit/>
-          </a:bodyPr>
-          <a:lstStyle/>
-          <a:p>
-            <a:r>
-              <a:rPr lang="en-US" altLang="ja-JP" dirty="0"/>
-              <a:t>②</a:t>
-            </a:r>
-            <a:endParaRPr kumimoji="1" lang="ja-JP" altLang="en-US"/>
-          </a:p>
-        </p:txBody>
-      </p:sp>
-      <p:sp>
-        <p:nvSpPr>
-          <p:cNvPr id="16" name="正方形/長方形 15">
-            <a:extLst>
-              <a:ext uri="{FF2B5EF4-FFF2-40B4-BE49-F238E27FC236}">
-                <a16:creationId xmlns:a16="http://schemas.microsoft.com/office/drawing/2014/main" id="{2EE0E34E-B3C8-FF5C-5264-0E0300DED6E9}"/>
-              </a:ext>
-            </a:extLst>
-          </p:cNvPr>
-          <p:cNvSpPr/>
-          <p:nvPr/>
-        </p:nvSpPr>
-        <p:spPr>
-          <a:xfrm>
-            <a:off x="7081785" y="1536907"/>
-            <a:ext cx="1221954" cy="752391"/>
-          </a:xfrm>
-          <a:prstGeom prst="rect">
-            <a:avLst/>
-          </a:prstGeom>
-          <a:solidFill>
-            <a:schemeClr val="accent2">
-              <a:alpha val="50000"/>
-            </a:schemeClr>
-          </a:solidFill>
-        </p:spPr>
-        <p:style>
-          <a:lnRef idx="2">
-            <a:schemeClr val="accent2">
-              <a:shade val="15000"/>
-            </a:schemeClr>
-          </a:lnRef>
-          <a:fillRef idx="1">
-            <a:schemeClr val="accent2"/>
-          </a:fillRef>
-          <a:effectRef idx="0">
-            <a:schemeClr val="accent2"/>
-          </a:effectRef>
-          <a:fontRef idx="minor">
-            <a:schemeClr val="lt1"/>
-          </a:fontRef>
-        </p:style>
-        <p:txBody>
-          <a:bodyPr rtlCol="0" anchor="ctr"/>
-          <a:lstStyle/>
-          <a:p>
-            <a:pPr algn="ctr"/>
-            <a:endParaRPr kumimoji="1" lang="ja-JP" altLang="en-US"/>
-          </a:p>
-        </p:txBody>
-      </p:sp>
-      <p:sp>
-        <p:nvSpPr>
-          <p:cNvPr id="17" name="テキスト ボックス 16">
-            <a:extLst>
-              <a:ext uri="{FF2B5EF4-FFF2-40B4-BE49-F238E27FC236}">
-                <a16:creationId xmlns:a16="http://schemas.microsoft.com/office/drawing/2014/main" id="{2A430954-B5FB-D3D2-A958-96318DF5785D}"/>
-              </a:ext>
-            </a:extLst>
-          </p:cNvPr>
-          <p:cNvSpPr txBox="1"/>
-          <p:nvPr/>
-        </p:nvSpPr>
-        <p:spPr>
-          <a:xfrm>
-            <a:off x="7484885" y="1976742"/>
-            <a:ext cx="336040" cy="369332"/>
-          </a:xfrm>
-          <a:prstGeom prst="rect">
-            <a:avLst/>
-          </a:prstGeom>
-          <a:noFill/>
-        </p:spPr>
-        <p:txBody>
-          <a:bodyPr wrap="square" rtlCol="0">
-            <a:spAutoFit/>
-          </a:bodyPr>
-          <a:lstStyle/>
-          <a:p>
-            <a:r>
-              <a:rPr lang="en-US" altLang="ja-JP" dirty="0"/>
-              <a:t>③</a:t>
-            </a:r>
-            <a:endParaRPr kumimoji="1" lang="ja-JP" altLang="en-US"/>
           </a:p>
         </p:txBody>
       </p:sp>
     </p:spTree>
     <p:extLst>
       <p:ext uri="{BB962C8B-B14F-4D97-AF65-F5344CB8AC3E}">
-        <p14:creationId xmlns:p14="http://schemas.microsoft.com/office/powerpoint/2010/main" val="3104269073"/>
+        <p14:creationId xmlns:p14="http://schemas.microsoft.com/office/powerpoint/2010/main" val="2340473197"/>
       </p:ext>
     </p:extLst>
   </p:cSld>
@@ -5865,10 +5906,10 @@
       </p:grpSpPr>
       <p:pic>
         <p:nvPicPr>
-          <p:cNvPr id="7" name="図 6" descr="グラフィカル ユーザー インターフェイス, アプリケーション&#10;&#10;自動的に生成された説明">
-            <a:extLst>
-              <a:ext uri="{FF2B5EF4-FFF2-40B4-BE49-F238E27FC236}">
-                <a16:creationId xmlns:a16="http://schemas.microsoft.com/office/drawing/2014/main" id="{40661194-320B-F2A2-2F6D-43DEF0442B68}"/>
+          <p:cNvPr id="9" name="図 8" descr="グラフィカル ユーザー インターフェイス, Word&#10;&#10;中程度の精度で自動的に生成された説明">
+            <a:extLst>
+              <a:ext uri="{FF2B5EF4-FFF2-40B4-BE49-F238E27FC236}">
+                <a16:creationId xmlns:a16="http://schemas.microsoft.com/office/drawing/2014/main" id="{16581EE3-A891-0B18-3046-BD988C11DB8E}"/>
               </a:ext>
             </a:extLst>
           </p:cNvPr>
@@ -5885,8 +5926,8 @@
         </p:blipFill>
         <p:spPr>
           <a:xfrm>
-            <a:off x="0" y="0"/>
-            <a:ext cx="10585622" cy="6915157"/>
+            <a:off x="118145" y="249760"/>
+            <a:ext cx="11941522" cy="5489364"/>
           </a:xfrm>
           <a:prstGeom prst="rect">
             <a:avLst/>
@@ -5895,10 +5936,10 @@
       </p:pic>
       <p:sp>
         <p:nvSpPr>
-          <p:cNvPr id="8" name="正方形/長方形 7">
-            <a:extLst>
-              <a:ext uri="{FF2B5EF4-FFF2-40B4-BE49-F238E27FC236}">
-                <a16:creationId xmlns:a16="http://schemas.microsoft.com/office/drawing/2014/main" id="{442CA525-3F8D-ADDF-2061-86D772B2D094}"/>
+          <p:cNvPr id="10" name="正方形/長方形 9">
+            <a:extLst>
+              <a:ext uri="{FF2B5EF4-FFF2-40B4-BE49-F238E27FC236}">
+                <a16:creationId xmlns:a16="http://schemas.microsoft.com/office/drawing/2014/main" id="{FAE8E847-D46A-40AA-DAD6-9B5F64C12475}"/>
               </a:ext>
             </a:extLst>
           </p:cNvPr>
@@ -5907,8 +5948,8 @@
         </p:nvSpPr>
         <p:spPr>
           <a:xfrm>
-            <a:off x="503886" y="1530837"/>
-            <a:ext cx="1934514" cy="209238"/>
+            <a:off x="3624908" y="1659300"/>
+            <a:ext cx="2471092" cy="279780"/>
           </a:xfrm>
           <a:prstGeom prst="rect">
             <a:avLst/>
@@ -5939,17 +5980,17 @@
           <a:bodyPr rtlCol="0" anchor="ctr"/>
           <a:lstStyle/>
           <a:p>
-            <a:pPr algn="ctr"/>
+            <a:pPr algn="dist"/>
             <a:endParaRPr kumimoji="1" lang="ja-JP" altLang="en-US"/>
           </a:p>
         </p:txBody>
       </p:sp>
       <p:sp>
         <p:nvSpPr>
-          <p:cNvPr id="9" name="テキスト ボックス 8">
-            <a:extLst>
-              <a:ext uri="{FF2B5EF4-FFF2-40B4-BE49-F238E27FC236}">
-                <a16:creationId xmlns:a16="http://schemas.microsoft.com/office/drawing/2014/main" id="{9AE90CA4-6146-04C7-9252-2686B6C5D665}"/>
+          <p:cNvPr id="11" name="テキスト ボックス 10">
+            <a:extLst>
+              <a:ext uri="{FF2B5EF4-FFF2-40B4-BE49-F238E27FC236}">
+                <a16:creationId xmlns:a16="http://schemas.microsoft.com/office/drawing/2014/main" id="{E7E36AED-577C-1DC2-D4D7-AB0EF8E9BC14}"/>
               </a:ext>
             </a:extLst>
           </p:cNvPr>
@@ -5958,8 +5999,8 @@
         </p:nvSpPr>
         <p:spPr>
           <a:xfrm>
-            <a:off x="2113424" y="1522599"/>
-            <a:ext cx="292024" cy="261610"/>
+            <a:off x="5661898" y="1614524"/>
+            <a:ext cx="369884" cy="369332"/>
           </a:xfrm>
           <a:prstGeom prst="rect">
             <a:avLst/>
@@ -5973,104 +6014,23 @@
           <a:lstStyle/>
           <a:p>
             <a:r>
-              <a:rPr lang="ja-JP" altLang="en-US" sz="1100"/>
-              <a:t>①</a:t>
-            </a:r>
-            <a:endParaRPr kumimoji="1" lang="ja-JP" altLang="en-US" sz="1100"/>
-          </a:p>
-        </p:txBody>
-      </p:sp>
-      <p:sp>
-        <p:nvSpPr>
-          <p:cNvPr id="10" name="正方形/長方形 9">
-            <a:extLst>
-              <a:ext uri="{FF2B5EF4-FFF2-40B4-BE49-F238E27FC236}">
-                <a16:creationId xmlns:a16="http://schemas.microsoft.com/office/drawing/2014/main" id="{9B36157D-B07B-AA2C-11FF-98278F9A509B}"/>
-              </a:ext>
-            </a:extLst>
-          </p:cNvPr>
-          <p:cNvSpPr/>
-          <p:nvPr/>
-        </p:nvSpPr>
-        <p:spPr>
-          <a:xfrm>
-            <a:off x="503885" y="2780406"/>
-            <a:ext cx="3170191" cy="230162"/>
-          </a:xfrm>
-          <a:prstGeom prst="rect">
-            <a:avLst/>
-          </a:prstGeom>
-          <a:solidFill>
-            <a:schemeClr val="accent2">
-              <a:alpha val="50000"/>
-            </a:schemeClr>
-          </a:solidFill>
-        </p:spPr>
-        <p:style>
-          <a:lnRef idx="2">
-            <a:schemeClr val="accent2">
-              <a:shade val="15000"/>
-            </a:schemeClr>
-          </a:lnRef>
-          <a:fillRef idx="1">
-            <a:schemeClr val="accent2"/>
-          </a:fillRef>
-          <a:effectRef idx="0">
-            <a:schemeClr val="accent2"/>
-          </a:effectRef>
-          <a:fontRef idx="minor">
-            <a:schemeClr val="lt1"/>
-          </a:fontRef>
-        </p:style>
-        <p:txBody>
-          <a:bodyPr rtlCol="0" anchor="ctr"/>
-          <a:lstStyle/>
-          <a:p>
-            <a:pPr algn="ctr"/>
-            <a:endParaRPr kumimoji="1" lang="ja-JP" altLang="en-US"/>
-          </a:p>
-        </p:txBody>
-      </p:sp>
-      <p:sp>
-        <p:nvSpPr>
-          <p:cNvPr id="11" name="テキスト ボックス 10">
-            <a:extLst>
-              <a:ext uri="{FF2B5EF4-FFF2-40B4-BE49-F238E27FC236}">
-                <a16:creationId xmlns:a16="http://schemas.microsoft.com/office/drawing/2014/main" id="{9643024B-2E93-1DEC-736C-6627168E18C0}"/>
-              </a:ext>
-            </a:extLst>
-          </p:cNvPr>
-          <p:cNvSpPr txBox="1"/>
-          <p:nvPr/>
-        </p:nvSpPr>
-        <p:spPr>
-          <a:xfrm>
-            <a:off x="3291437" y="2772168"/>
-            <a:ext cx="292024" cy="261610"/>
-          </a:xfrm>
-          <a:prstGeom prst="rect">
-            <a:avLst/>
-          </a:prstGeom>
-          <a:noFill/>
-        </p:spPr>
-        <p:txBody>
-          <a:bodyPr wrap="square" rtlCol="0">
-            <a:spAutoFit/>
-          </a:bodyPr>
-          <a:lstStyle/>
-          <a:p>
-            <a:r>
-              <a:rPr kumimoji="1" lang="en-US" altLang="ja-JP" sz="1100" dirty="0"/>
+              <a:rPr lang="ja-JP" altLang="en-US" dirty="0">
+                <a:latin typeface="ＭＳ Ｐゴシック" panose="020B0600070205080204" pitchFamily="50" charset="-128"/>
+                <a:ea typeface="ＭＳ Ｐゴシック" panose="020B0600070205080204" pitchFamily="50" charset="-128"/>
+              </a:rPr>
               <a:t>②</a:t>
             </a:r>
-            <a:endParaRPr kumimoji="1" lang="ja-JP" altLang="en-US" sz="1100"/>
+            <a:endParaRPr kumimoji="1" lang="ja-JP" altLang="en-US" dirty="0">
+              <a:latin typeface="ＭＳ Ｐゴシック" panose="020B0600070205080204" pitchFamily="50" charset="-128"/>
+              <a:ea typeface="ＭＳ Ｐゴシック" panose="020B0600070205080204" pitchFamily="50" charset="-128"/>
+            </a:endParaRPr>
           </a:p>
         </p:txBody>
       </p:sp>
     </p:spTree>
     <p:extLst>
       <p:ext uri="{BB962C8B-B14F-4D97-AF65-F5344CB8AC3E}">
-        <p14:creationId xmlns:p14="http://schemas.microsoft.com/office/powerpoint/2010/main" val="3905772578"/>
+        <p14:creationId xmlns:p14="http://schemas.microsoft.com/office/powerpoint/2010/main" val="167346094"/>
       </p:ext>
     </p:extLst>
   </p:cSld>
@@ -6099,10 +6059,10 @@
       </p:grpSpPr>
       <p:pic>
         <p:nvPicPr>
-          <p:cNvPr id="5" name="図 4" descr="グラフィカル ユーザー インターフェイス, アプリケーション&#10;&#10;自動的に生成された説明">
-            <a:extLst>
-              <a:ext uri="{FF2B5EF4-FFF2-40B4-BE49-F238E27FC236}">
-                <a16:creationId xmlns:a16="http://schemas.microsoft.com/office/drawing/2014/main" id="{B8BBD5E1-5E71-48F8-DE12-CA3F06ECED31}"/>
+          <p:cNvPr id="5" name="図 4" descr="テーブル&#10;&#10;自動的に生成された説明">
+            <a:extLst>
+              <a:ext uri="{FF2B5EF4-FFF2-40B4-BE49-F238E27FC236}">
+                <a16:creationId xmlns:a16="http://schemas.microsoft.com/office/drawing/2014/main" id="{40A8F826-7BE5-56C0-8AA3-43F3963B78BD}"/>
               </a:ext>
             </a:extLst>
           </p:cNvPr>
@@ -6119,8 +6079,8 @@
         </p:blipFill>
         <p:spPr>
           <a:xfrm>
-            <a:off x="96795" y="87527"/>
-            <a:ext cx="10399396" cy="6659262"/>
+            <a:off x="85981" y="345438"/>
+            <a:ext cx="12171426" cy="5595048"/>
           </a:xfrm>
           <a:prstGeom prst="rect">
             <a:avLst/>
@@ -6132,7 +6092,7 @@
           <p:cNvPr id="6" name="正方形/長方形 5">
             <a:extLst>
               <a:ext uri="{FF2B5EF4-FFF2-40B4-BE49-F238E27FC236}">
-                <a16:creationId xmlns:a16="http://schemas.microsoft.com/office/drawing/2014/main" id="{2B290EA6-CF4B-C6C9-8733-11784E2292D0}"/>
+                <a16:creationId xmlns:a16="http://schemas.microsoft.com/office/drawing/2014/main" id="{03FD4F67-E2E2-7B9D-B224-1A57990DD8D5}"/>
               </a:ext>
             </a:extLst>
           </p:cNvPr>
@@ -6141,8 +6101,8 @@
         </p:nvSpPr>
         <p:spPr>
           <a:xfrm>
-            <a:off x="3370652" y="3021884"/>
-            <a:ext cx="5765110" cy="1064084"/>
+            <a:off x="3666263" y="1815529"/>
+            <a:ext cx="1990151" cy="1286079"/>
           </a:xfrm>
           <a:prstGeom prst="rect">
             <a:avLst/>
@@ -6173,7 +6133,7 @@
           <a:bodyPr rtlCol="0" anchor="ctr"/>
           <a:lstStyle/>
           <a:p>
-            <a:pPr algn="ctr"/>
+            <a:pPr algn="dist"/>
             <a:endParaRPr kumimoji="1" lang="ja-JP" altLang="en-US"/>
           </a:p>
         </p:txBody>
@@ -6183,7 +6143,7 @@
           <p:cNvPr id="7" name="テキスト ボックス 6">
             <a:extLst>
               <a:ext uri="{FF2B5EF4-FFF2-40B4-BE49-F238E27FC236}">
-                <a16:creationId xmlns:a16="http://schemas.microsoft.com/office/drawing/2014/main" id="{487C8EDD-E29D-DD27-1113-2DFA3A5194F3}"/>
+                <a16:creationId xmlns:a16="http://schemas.microsoft.com/office/drawing/2014/main" id="{4053305B-A014-FCF4-E97C-38B64F033479}"/>
               </a:ext>
             </a:extLst>
           </p:cNvPr>
@@ -6192,8 +6152,8 @@
         </p:nvSpPr>
         <p:spPr>
           <a:xfrm>
-            <a:off x="5755516" y="3410763"/>
-            <a:ext cx="299294" cy="261610"/>
+            <a:off x="4499369" y="2732276"/>
+            <a:ext cx="369884" cy="369332"/>
           </a:xfrm>
           <a:prstGeom prst="rect">
             <a:avLst/>
@@ -6207,17 +6167,19 @@
           <a:lstStyle/>
           <a:p>
             <a:r>
-              <a:rPr kumimoji="1" lang="en-US" altLang="ja-JP" sz="1100" dirty="0"/>
+              <a:rPr kumimoji="1" lang="ja-JP" altLang="en-US" dirty="0">
+                <a:latin typeface="ＭＳ Ｐゴシック" panose="020B0600070205080204" pitchFamily="50" charset="-128"/>
+                <a:ea typeface="ＭＳ Ｐゴシック" panose="020B0600070205080204" pitchFamily="50" charset="-128"/>
+              </a:rPr>
               <a:t>③</a:t>
             </a:r>
-            <a:endParaRPr kumimoji="1" lang="ja-JP" altLang="en-US" sz="1100"/>
           </a:p>
         </p:txBody>
       </p:sp>
     </p:spTree>
     <p:extLst>
       <p:ext uri="{BB962C8B-B14F-4D97-AF65-F5344CB8AC3E}">
-        <p14:creationId xmlns:p14="http://schemas.microsoft.com/office/powerpoint/2010/main" val="488201671"/>
+        <p14:creationId xmlns:p14="http://schemas.microsoft.com/office/powerpoint/2010/main" val="3979516449"/>
       </p:ext>
     </p:extLst>
   </p:cSld>
@@ -6246,10 +6208,10 @@
       </p:grpSpPr>
       <p:pic>
         <p:nvPicPr>
-          <p:cNvPr id="5" name="図 4" descr="グラフィカル ユーザー インターフェイス, アプリケーション, Word&#10;&#10;自動的に生成された説明">
-            <a:extLst>
-              <a:ext uri="{FF2B5EF4-FFF2-40B4-BE49-F238E27FC236}">
-                <a16:creationId xmlns:a16="http://schemas.microsoft.com/office/drawing/2014/main" id="{0AA827E4-FA90-5B8C-8AF6-4B2A6298562A}"/>
+          <p:cNvPr id="3" name="図 2" descr="グラフィカル ユーザー インターフェイス, アプリケーション&#10;&#10;自動的に生成された説明">
+            <a:extLst>
+              <a:ext uri="{FF2B5EF4-FFF2-40B4-BE49-F238E27FC236}">
+                <a16:creationId xmlns:a16="http://schemas.microsoft.com/office/drawing/2014/main" id="{8C90FDFC-FBD2-8798-E8F0-16723DF43A8F}"/>
               </a:ext>
             </a:extLst>
           </p:cNvPr>
@@ -6266,8 +6228,8 @@
         </p:blipFill>
         <p:spPr>
           <a:xfrm>
-            <a:off x="0" y="0"/>
-            <a:ext cx="12061005" cy="6795083"/>
+            <a:off x="1847850" y="717550"/>
+            <a:ext cx="7772400" cy="4960859"/>
           </a:xfrm>
           <a:prstGeom prst="rect">
             <a:avLst/>
@@ -6276,10 +6238,10 @@
       </p:pic>
       <p:sp>
         <p:nvSpPr>
-          <p:cNvPr id="6" name="正方形/長方形 5">
-            <a:extLst>
-              <a:ext uri="{FF2B5EF4-FFF2-40B4-BE49-F238E27FC236}">
-                <a16:creationId xmlns:a16="http://schemas.microsoft.com/office/drawing/2014/main" id="{3FDD94F0-C0DF-9270-7410-0E6B89DC6D0E}"/>
+          <p:cNvPr id="4" name="正方形/長方形 3">
+            <a:extLst>
+              <a:ext uri="{FF2B5EF4-FFF2-40B4-BE49-F238E27FC236}">
+                <a16:creationId xmlns:a16="http://schemas.microsoft.com/office/drawing/2014/main" id="{72DA7747-4F86-6309-3620-6D3BD6DE6FF5}"/>
               </a:ext>
             </a:extLst>
           </p:cNvPr>
@@ -6288,8 +6250,8 @@
         </p:nvSpPr>
         <p:spPr>
           <a:xfrm>
-            <a:off x="2528449" y="352247"/>
-            <a:ext cx="1185302" cy="209238"/>
+            <a:off x="1953746" y="1794447"/>
+            <a:ext cx="1236007" cy="209238"/>
           </a:xfrm>
           <a:prstGeom prst="rect">
             <a:avLst/>
@@ -6327,10 +6289,10 @@
       </p:sp>
       <p:sp>
         <p:nvSpPr>
-          <p:cNvPr id="7" name="正方形/長方形 6">
-            <a:extLst>
-              <a:ext uri="{FF2B5EF4-FFF2-40B4-BE49-F238E27FC236}">
-                <a16:creationId xmlns:a16="http://schemas.microsoft.com/office/drawing/2014/main" id="{AC5B7ECA-F777-DB9E-DBC2-D03CA3C4EE38}"/>
+          <p:cNvPr id="5" name="正方形/長方形 4">
+            <a:extLst>
+              <a:ext uri="{FF2B5EF4-FFF2-40B4-BE49-F238E27FC236}">
+                <a16:creationId xmlns:a16="http://schemas.microsoft.com/office/drawing/2014/main" id="{DB40BD1F-73BF-0A78-0669-F9D0B63E1C89}"/>
               </a:ext>
             </a:extLst>
           </p:cNvPr>
@@ -6339,8 +6301,8 @@
         </p:nvSpPr>
         <p:spPr>
           <a:xfrm>
-            <a:off x="2528448" y="595041"/>
-            <a:ext cx="2709409" cy="209238"/>
+            <a:off x="5724654" y="1988100"/>
+            <a:ext cx="1185302" cy="209238"/>
           </a:xfrm>
           <a:prstGeom prst="rect">
             <a:avLst/>
@@ -6378,10 +6340,61 @@
       </p:sp>
       <p:sp>
         <p:nvSpPr>
-          <p:cNvPr id="8" name="テキスト ボックス 7">
-            <a:extLst>
-              <a:ext uri="{FF2B5EF4-FFF2-40B4-BE49-F238E27FC236}">
-                <a16:creationId xmlns:a16="http://schemas.microsoft.com/office/drawing/2014/main" id="{84537F2D-7481-7CA8-F14F-21FA3EB61217}"/>
+          <p:cNvPr id="6" name="正方形/長方形 5">
+            <a:extLst>
+              <a:ext uri="{FF2B5EF4-FFF2-40B4-BE49-F238E27FC236}">
+                <a16:creationId xmlns:a16="http://schemas.microsoft.com/office/drawing/2014/main" id="{5A9C2F1A-E74F-1CA5-2D15-9D10CA89AA02}"/>
+              </a:ext>
+            </a:extLst>
+          </p:cNvPr>
+          <p:cNvSpPr/>
+          <p:nvPr/>
+        </p:nvSpPr>
+        <p:spPr>
+          <a:xfrm>
+            <a:off x="9180369" y="1689828"/>
+            <a:ext cx="290690" cy="209238"/>
+          </a:xfrm>
+          <a:prstGeom prst="rect">
+            <a:avLst/>
+          </a:prstGeom>
+          <a:solidFill>
+            <a:schemeClr val="accent2">
+              <a:alpha val="50000"/>
+            </a:schemeClr>
+          </a:solidFill>
+        </p:spPr>
+        <p:style>
+          <a:lnRef idx="2">
+            <a:schemeClr val="accent2">
+              <a:shade val="15000"/>
+            </a:schemeClr>
+          </a:lnRef>
+          <a:fillRef idx="1">
+            <a:schemeClr val="accent2"/>
+          </a:fillRef>
+          <a:effectRef idx="0">
+            <a:schemeClr val="accent2"/>
+          </a:effectRef>
+          <a:fontRef idx="minor">
+            <a:schemeClr val="lt1"/>
+          </a:fontRef>
+        </p:style>
+        <p:txBody>
+          <a:bodyPr rtlCol="0" anchor="ctr"/>
+          <a:lstStyle/>
+          <a:p>
+            <a:pPr algn="ctr"/>
+            <a:endParaRPr kumimoji="1" lang="ja-JP" altLang="en-US"/>
+          </a:p>
+        </p:txBody>
+      </p:sp>
+      <p:sp>
+        <p:nvSpPr>
+          <p:cNvPr id="7" name="テキスト ボックス 6">
+            <a:extLst>
+              <a:ext uri="{FF2B5EF4-FFF2-40B4-BE49-F238E27FC236}">
+                <a16:creationId xmlns:a16="http://schemas.microsoft.com/office/drawing/2014/main" id="{B47C5307-897D-080E-B094-5C25963FF621}"/>
               </a:ext>
             </a:extLst>
           </p:cNvPr>
@@ -6390,7 +6403,7 @@
         </p:nvSpPr>
         <p:spPr>
           <a:xfrm>
-            <a:off x="4947167" y="595041"/>
+            <a:off x="2904258" y="1773667"/>
             <a:ext cx="290690" cy="261610"/>
           </a:xfrm>
           <a:prstGeom prst="rect">
@@ -6405,17 +6418,1136 @@
           <a:lstStyle/>
           <a:p>
             <a:r>
-              <a:rPr lang="ja-JP" altLang="en-US" sz="1100"/>
-              <a:t>①</a:t>
+              <a:rPr lang="en-US" altLang="ja-JP" sz="1100" dirty="0"/>
+              <a:t>②</a:t>
+            </a:r>
+            <a:endParaRPr kumimoji="1" lang="ja-JP" altLang="en-US" sz="1100" dirty="0"/>
+          </a:p>
+        </p:txBody>
+      </p:sp>
+      <p:sp>
+        <p:nvSpPr>
+          <p:cNvPr id="9" name="テキスト ボックス 8">
+            <a:extLst>
+              <a:ext uri="{FF2B5EF4-FFF2-40B4-BE49-F238E27FC236}">
+                <a16:creationId xmlns:a16="http://schemas.microsoft.com/office/drawing/2014/main" id="{4B7FE7B4-7A2C-F2F7-8BA3-85B233497E4A}"/>
+              </a:ext>
+            </a:extLst>
+          </p:cNvPr>
+          <p:cNvSpPr txBox="1"/>
+          <p:nvPr/>
+        </p:nvSpPr>
+        <p:spPr>
+          <a:xfrm>
+            <a:off x="6525490" y="1971095"/>
+            <a:ext cx="290690" cy="261610"/>
+          </a:xfrm>
+          <a:prstGeom prst="rect">
+            <a:avLst/>
+          </a:prstGeom>
+          <a:noFill/>
+        </p:spPr>
+        <p:txBody>
+          <a:bodyPr wrap="square" rtlCol="0">
+            <a:spAutoFit/>
+          </a:bodyPr>
+          <a:lstStyle/>
+          <a:p>
+            <a:r>
+              <a:rPr lang="en-US" altLang="ja-JP" sz="1100" dirty="0"/>
+              <a:t>④</a:t>
             </a:r>
             <a:endParaRPr kumimoji="1" lang="ja-JP" altLang="en-US" sz="1100"/>
+          </a:p>
+        </p:txBody>
+      </p:sp>
+      <p:sp>
+        <p:nvSpPr>
+          <p:cNvPr id="10" name="テキスト ボックス 9">
+            <a:extLst>
+              <a:ext uri="{FF2B5EF4-FFF2-40B4-BE49-F238E27FC236}">
+                <a16:creationId xmlns:a16="http://schemas.microsoft.com/office/drawing/2014/main" id="{D139420A-21E6-9F3C-1952-99BB8F09AB9E}"/>
+              </a:ext>
+            </a:extLst>
+          </p:cNvPr>
+          <p:cNvSpPr txBox="1"/>
+          <p:nvPr/>
+        </p:nvSpPr>
+        <p:spPr>
+          <a:xfrm>
+            <a:off x="9164781" y="1674954"/>
+            <a:ext cx="290690" cy="261610"/>
+          </a:xfrm>
+          <a:prstGeom prst="rect">
+            <a:avLst/>
+          </a:prstGeom>
+          <a:noFill/>
+        </p:spPr>
+        <p:txBody>
+          <a:bodyPr wrap="square" rtlCol="0">
+            <a:spAutoFit/>
+          </a:bodyPr>
+          <a:lstStyle/>
+          <a:p>
+            <a:r>
+              <a:rPr kumimoji="1" lang="en-US" altLang="ja-JP" sz="1100" dirty="0"/>
+              <a:t>③</a:t>
+            </a:r>
+            <a:endParaRPr kumimoji="1" lang="ja-JP" altLang="en-US" sz="1100" dirty="0"/>
           </a:p>
         </p:txBody>
       </p:sp>
     </p:spTree>
     <p:extLst>
       <p:ext uri="{BB962C8B-B14F-4D97-AF65-F5344CB8AC3E}">
-        <p14:creationId xmlns:p14="http://schemas.microsoft.com/office/powerpoint/2010/main" val="931842662"/>
+        <p14:creationId xmlns:p14="http://schemas.microsoft.com/office/powerpoint/2010/main" val="2611354274"/>
+      </p:ext>
+    </p:extLst>
+  </p:cSld>
+  <p:clrMapOvr>
+    <a:masterClrMapping/>
+  </p:clrMapOvr>
+</p:sld>
+</file>
+
+<file path=ppt/slides/slide20.xml><?xml version="1.0" encoding="utf-8"?>
+<p:sld xmlns:a="http://schemas.openxmlformats.org/drawingml/2006/main" xmlns:r="http://schemas.openxmlformats.org/officeDocument/2006/relationships" xmlns:p="http://schemas.openxmlformats.org/presentationml/2006/main">
+  <p:cSld>
+    <p:spTree>
+      <p:nvGrpSpPr>
+        <p:cNvPr id="1" name=""/>
+        <p:cNvGrpSpPr/>
+        <p:nvPr/>
+      </p:nvGrpSpPr>
+      <p:grpSpPr>
+        <a:xfrm>
+          <a:off x="0" y="0"/>
+          <a:ext cx="0" cy="0"/>
+          <a:chOff x="0" y="0"/>
+          <a:chExt cx="0" cy="0"/>
+        </a:xfrm>
+      </p:grpSpPr>
+      <p:sp>
+        <p:nvSpPr>
+          <p:cNvPr id="3" name="テキスト ボックス 2">
+            <a:extLst>
+              <a:ext uri="{FF2B5EF4-FFF2-40B4-BE49-F238E27FC236}">
+                <a16:creationId xmlns:a16="http://schemas.microsoft.com/office/drawing/2014/main" id="{8B263D1B-7731-7812-02A9-63F16E5BCA02}"/>
+              </a:ext>
+            </a:extLst>
+          </p:cNvPr>
+          <p:cNvSpPr txBox="1"/>
+          <p:nvPr/>
+        </p:nvSpPr>
+        <p:spPr>
+          <a:xfrm>
+            <a:off x="3047617" y="3245482"/>
+            <a:ext cx="6095234" cy="369332"/>
+          </a:xfrm>
+          <a:prstGeom prst="rect">
+            <a:avLst/>
+          </a:prstGeom>
+          <a:noFill/>
+        </p:spPr>
+        <p:txBody>
+          <a:bodyPr wrap="square">
+            <a:spAutoFit/>
+          </a:bodyPr>
+          <a:lstStyle/>
+          <a:p>
+            <a:r>
+              <a:rPr lang="ja-JP" altLang="en-US" dirty="0"/>
+              <a:t>バッチプロセスでの実行 </a:t>
+            </a:r>
+            <a:r>
+              <a:rPr lang="en-US" altLang="ja-JP" dirty="0"/>
+              <a:t>(PLATEAU </a:t>
+            </a:r>
+            <a:r>
+              <a:rPr lang="ja-JP" altLang="en-US" dirty="0"/>
+              <a:t>地形モデル</a:t>
+            </a:r>
+            <a:r>
+              <a:rPr lang="en-US" altLang="ja-JP" dirty="0"/>
+              <a:t>)</a:t>
+            </a:r>
+            <a:endParaRPr lang="ja-JP" altLang="en-US" dirty="0"/>
+          </a:p>
+        </p:txBody>
+      </p:sp>
+    </p:spTree>
+    <p:extLst>
+      <p:ext uri="{BB962C8B-B14F-4D97-AF65-F5344CB8AC3E}">
+        <p14:creationId xmlns:p14="http://schemas.microsoft.com/office/powerpoint/2010/main" val="3862903388"/>
+      </p:ext>
+    </p:extLst>
+  </p:cSld>
+  <p:clrMapOvr>
+    <a:masterClrMapping/>
+  </p:clrMapOvr>
+</p:sld>
+</file>
+
+<file path=ppt/slides/slide21.xml><?xml version="1.0" encoding="utf-8"?>
+<p:sld xmlns:a="http://schemas.openxmlformats.org/drawingml/2006/main" xmlns:r="http://schemas.openxmlformats.org/officeDocument/2006/relationships" xmlns:p="http://schemas.openxmlformats.org/presentationml/2006/main">
+  <p:cSld>
+    <p:spTree>
+      <p:nvGrpSpPr>
+        <p:cNvPr id="1" name=""/>
+        <p:cNvGrpSpPr/>
+        <p:nvPr/>
+      </p:nvGrpSpPr>
+      <p:grpSpPr>
+        <a:xfrm>
+          <a:off x="0" y="0"/>
+          <a:ext cx="0" cy="0"/>
+          <a:chOff x="0" y="0"/>
+          <a:chExt cx="0" cy="0"/>
+        </a:xfrm>
+      </p:grpSpPr>
+      <p:pic>
+        <p:nvPicPr>
+          <p:cNvPr id="2" name="図 1" descr="グラフィカル ユーザー インターフェイス, テキスト, アプリケーション&#10;&#10;自動的に生成された説明">
+            <a:extLst>
+              <a:ext uri="{FF2B5EF4-FFF2-40B4-BE49-F238E27FC236}">
+                <a16:creationId xmlns:a16="http://schemas.microsoft.com/office/drawing/2014/main" id="{3C62F6D2-D9BF-56EF-CDC7-628C6F313527}"/>
+              </a:ext>
+            </a:extLst>
+          </p:cNvPr>
+          <p:cNvPicPr>
+            <a:picLocks noChangeAspect="1"/>
+          </p:cNvPicPr>
+          <p:nvPr/>
+        </p:nvPicPr>
+        <p:blipFill>
+          <a:blip r:embed="rId2"/>
+          <a:stretch>
+            <a:fillRect/>
+          </a:stretch>
+        </p:blipFill>
+        <p:spPr>
+          <a:xfrm>
+            <a:off x="621857" y="222190"/>
+            <a:ext cx="6606038" cy="6470529"/>
+          </a:xfrm>
+          <a:prstGeom prst="rect">
+            <a:avLst/>
+          </a:prstGeom>
+        </p:spPr>
+      </p:pic>
+      <p:sp>
+        <p:nvSpPr>
+          <p:cNvPr id="3" name="正方形/長方形 2">
+            <a:extLst>
+              <a:ext uri="{FF2B5EF4-FFF2-40B4-BE49-F238E27FC236}">
+                <a16:creationId xmlns:a16="http://schemas.microsoft.com/office/drawing/2014/main" id="{9173BE5D-F9DB-E59F-6ADE-F5119AE0AC2C}"/>
+              </a:ext>
+            </a:extLst>
+          </p:cNvPr>
+          <p:cNvSpPr/>
+          <p:nvPr/>
+        </p:nvSpPr>
+        <p:spPr>
+          <a:xfrm>
+            <a:off x="1912877" y="6181209"/>
+            <a:ext cx="1994510" cy="302535"/>
+          </a:xfrm>
+          <a:prstGeom prst="rect">
+            <a:avLst/>
+          </a:prstGeom>
+          <a:solidFill>
+            <a:schemeClr val="accent2">
+              <a:alpha val="50000"/>
+            </a:schemeClr>
+          </a:solidFill>
+        </p:spPr>
+        <p:style>
+          <a:lnRef idx="2">
+            <a:schemeClr val="accent2">
+              <a:shade val="15000"/>
+            </a:schemeClr>
+          </a:lnRef>
+          <a:fillRef idx="1">
+            <a:schemeClr val="accent2"/>
+          </a:fillRef>
+          <a:effectRef idx="0">
+            <a:schemeClr val="accent2"/>
+          </a:effectRef>
+          <a:fontRef idx="minor">
+            <a:schemeClr val="lt1"/>
+          </a:fontRef>
+        </p:style>
+        <p:txBody>
+          <a:bodyPr rtlCol="0" anchor="ctr"/>
+          <a:lstStyle/>
+          <a:p>
+            <a:pPr algn="dist"/>
+            <a:endParaRPr kumimoji="1" lang="ja-JP" altLang="en-US"/>
+          </a:p>
+        </p:txBody>
+      </p:sp>
+      <p:sp>
+        <p:nvSpPr>
+          <p:cNvPr id="4" name="テキスト ボックス 3">
+            <a:extLst>
+              <a:ext uri="{FF2B5EF4-FFF2-40B4-BE49-F238E27FC236}">
+                <a16:creationId xmlns:a16="http://schemas.microsoft.com/office/drawing/2014/main" id="{B9FC8A76-C3CB-0054-B530-0B8EDBAD9474}"/>
+              </a:ext>
+            </a:extLst>
+          </p:cNvPr>
+          <p:cNvSpPr txBox="1"/>
+          <p:nvPr/>
+        </p:nvSpPr>
+        <p:spPr>
+          <a:xfrm>
+            <a:off x="3312880" y="6134430"/>
+            <a:ext cx="369884" cy="369332"/>
+          </a:xfrm>
+          <a:prstGeom prst="rect">
+            <a:avLst/>
+          </a:prstGeom>
+          <a:noFill/>
+        </p:spPr>
+        <p:txBody>
+          <a:bodyPr wrap="square" rtlCol="0">
+            <a:spAutoFit/>
+          </a:bodyPr>
+          <a:lstStyle/>
+          <a:p>
+            <a:r>
+              <a:rPr lang="ja-JP" altLang="en-US">
+                <a:latin typeface="ＭＳ Ｐゴシック" panose="020B0600070205080204" pitchFamily="50" charset="-128"/>
+                <a:ea typeface="ＭＳ Ｐゴシック" panose="020B0600070205080204" pitchFamily="50" charset="-128"/>
+              </a:rPr>
+              <a:t>②</a:t>
+            </a:r>
+            <a:endParaRPr kumimoji="1" lang="ja-JP" altLang="en-US" dirty="0">
+              <a:latin typeface="ＭＳ Ｐゴシック" panose="020B0600070205080204" pitchFamily="50" charset="-128"/>
+              <a:ea typeface="ＭＳ Ｐゴシック" panose="020B0600070205080204" pitchFamily="50" charset="-128"/>
+            </a:endParaRPr>
+          </a:p>
+        </p:txBody>
+      </p:sp>
+    </p:spTree>
+    <p:extLst>
+      <p:ext uri="{BB962C8B-B14F-4D97-AF65-F5344CB8AC3E}">
+        <p14:creationId xmlns:p14="http://schemas.microsoft.com/office/powerpoint/2010/main" val="2727394881"/>
+      </p:ext>
+    </p:extLst>
+  </p:cSld>
+  <p:clrMapOvr>
+    <a:masterClrMapping/>
+  </p:clrMapOvr>
+</p:sld>
+</file>
+
+<file path=ppt/slides/slide22.xml><?xml version="1.0" encoding="utf-8"?>
+<p:sld xmlns:a="http://schemas.openxmlformats.org/drawingml/2006/main" xmlns:r="http://schemas.openxmlformats.org/officeDocument/2006/relationships" xmlns:p="http://schemas.openxmlformats.org/presentationml/2006/main">
+  <p:cSld>
+    <p:spTree>
+      <p:nvGrpSpPr>
+        <p:cNvPr id="1" name=""/>
+        <p:cNvGrpSpPr/>
+        <p:nvPr/>
+      </p:nvGrpSpPr>
+      <p:grpSpPr>
+        <a:xfrm>
+          <a:off x="0" y="0"/>
+          <a:ext cx="0" cy="0"/>
+          <a:chOff x="0" y="0"/>
+          <a:chExt cx="0" cy="0"/>
+        </a:xfrm>
+      </p:grpSpPr>
+      <p:pic>
+        <p:nvPicPr>
+          <p:cNvPr id="3" name="図 2" descr="グラフィカル ユーザー インターフェイス, テキスト, アプリケーション&#10;&#10;自動的に生成された説明">
+            <a:extLst>
+              <a:ext uri="{FF2B5EF4-FFF2-40B4-BE49-F238E27FC236}">
+                <a16:creationId xmlns:a16="http://schemas.microsoft.com/office/drawing/2014/main" id="{1CABB7D9-2891-81EC-CF9C-EB6F5B99FA47}"/>
+              </a:ext>
+            </a:extLst>
+          </p:cNvPr>
+          <p:cNvPicPr>
+            <a:picLocks noChangeAspect="1"/>
+          </p:cNvPicPr>
+          <p:nvPr/>
+        </p:nvPicPr>
+        <p:blipFill>
+          <a:blip r:embed="rId2"/>
+          <a:stretch>
+            <a:fillRect/>
+          </a:stretch>
+        </p:blipFill>
+        <p:spPr>
+          <a:xfrm>
+            <a:off x="364527" y="138045"/>
+            <a:ext cx="8119321" cy="6571146"/>
+          </a:xfrm>
+          <a:prstGeom prst="rect">
+            <a:avLst/>
+          </a:prstGeom>
+        </p:spPr>
+      </p:pic>
+      <p:sp>
+        <p:nvSpPr>
+          <p:cNvPr id="4" name="正方形/長方形 3">
+            <a:extLst>
+              <a:ext uri="{FF2B5EF4-FFF2-40B4-BE49-F238E27FC236}">
+                <a16:creationId xmlns:a16="http://schemas.microsoft.com/office/drawing/2014/main" id="{C7BF287A-DD37-97EA-8A02-9CDBA09F206F}"/>
+              </a:ext>
+            </a:extLst>
+          </p:cNvPr>
+          <p:cNvSpPr/>
+          <p:nvPr/>
+        </p:nvSpPr>
+        <p:spPr>
+          <a:xfrm>
+            <a:off x="616313" y="1347178"/>
+            <a:ext cx="7582064" cy="1340322"/>
+          </a:xfrm>
+          <a:prstGeom prst="rect">
+            <a:avLst/>
+          </a:prstGeom>
+          <a:solidFill>
+            <a:schemeClr val="accent2">
+              <a:alpha val="50000"/>
+            </a:schemeClr>
+          </a:solidFill>
+        </p:spPr>
+        <p:style>
+          <a:lnRef idx="2">
+            <a:schemeClr val="accent2">
+              <a:shade val="15000"/>
+            </a:schemeClr>
+          </a:lnRef>
+          <a:fillRef idx="1">
+            <a:schemeClr val="accent2"/>
+          </a:fillRef>
+          <a:effectRef idx="0">
+            <a:schemeClr val="accent2"/>
+          </a:effectRef>
+          <a:fontRef idx="minor">
+            <a:schemeClr val="lt1"/>
+          </a:fontRef>
+        </p:style>
+        <p:txBody>
+          <a:bodyPr rtlCol="0" anchor="ctr"/>
+          <a:lstStyle/>
+          <a:p>
+            <a:pPr algn="dist"/>
+            <a:endParaRPr kumimoji="1" lang="ja-JP" altLang="en-US"/>
+          </a:p>
+        </p:txBody>
+      </p:sp>
+      <p:sp>
+        <p:nvSpPr>
+          <p:cNvPr id="5" name="テキスト ボックス 4">
+            <a:extLst>
+              <a:ext uri="{FF2B5EF4-FFF2-40B4-BE49-F238E27FC236}">
+                <a16:creationId xmlns:a16="http://schemas.microsoft.com/office/drawing/2014/main" id="{0E945610-87FE-CD3F-8B22-3CCC1844666B}"/>
+              </a:ext>
+            </a:extLst>
+          </p:cNvPr>
+          <p:cNvSpPr txBox="1"/>
+          <p:nvPr/>
+        </p:nvSpPr>
+        <p:spPr>
+          <a:xfrm>
+            <a:off x="3906125" y="2318168"/>
+            <a:ext cx="369884" cy="369332"/>
+          </a:xfrm>
+          <a:prstGeom prst="rect">
+            <a:avLst/>
+          </a:prstGeom>
+          <a:noFill/>
+        </p:spPr>
+        <p:txBody>
+          <a:bodyPr wrap="square" rtlCol="0">
+            <a:spAutoFit/>
+          </a:bodyPr>
+          <a:lstStyle/>
+          <a:p>
+            <a:r>
+              <a:rPr kumimoji="1" lang="ja-JP" altLang="en-US" dirty="0">
+                <a:latin typeface="ＭＳ Ｐゴシック" panose="020B0600070205080204" pitchFamily="50" charset="-128"/>
+                <a:ea typeface="ＭＳ Ｐゴシック" panose="020B0600070205080204" pitchFamily="50" charset="-128"/>
+              </a:rPr>
+              <a:t>③</a:t>
+            </a:r>
+          </a:p>
+        </p:txBody>
+      </p:sp>
+      <p:sp>
+        <p:nvSpPr>
+          <p:cNvPr id="6" name="正方形/長方形 5">
+            <a:extLst>
+              <a:ext uri="{FF2B5EF4-FFF2-40B4-BE49-F238E27FC236}">
+                <a16:creationId xmlns:a16="http://schemas.microsoft.com/office/drawing/2014/main" id="{DBB7F510-76AC-7429-4696-63F8BC0B8CF7}"/>
+              </a:ext>
+            </a:extLst>
+          </p:cNvPr>
+          <p:cNvSpPr/>
+          <p:nvPr/>
+        </p:nvSpPr>
+        <p:spPr>
+          <a:xfrm>
+            <a:off x="569474" y="5388268"/>
+            <a:ext cx="2471092" cy="279780"/>
+          </a:xfrm>
+          <a:prstGeom prst="rect">
+            <a:avLst/>
+          </a:prstGeom>
+          <a:solidFill>
+            <a:schemeClr val="accent2">
+              <a:alpha val="50000"/>
+            </a:schemeClr>
+          </a:solidFill>
+        </p:spPr>
+        <p:style>
+          <a:lnRef idx="2">
+            <a:schemeClr val="accent2">
+              <a:shade val="15000"/>
+            </a:schemeClr>
+          </a:lnRef>
+          <a:fillRef idx="1">
+            <a:schemeClr val="accent2"/>
+          </a:fillRef>
+          <a:effectRef idx="0">
+            <a:schemeClr val="accent2"/>
+          </a:effectRef>
+          <a:fontRef idx="minor">
+            <a:schemeClr val="lt1"/>
+          </a:fontRef>
+        </p:style>
+        <p:txBody>
+          <a:bodyPr rtlCol="0" anchor="ctr"/>
+          <a:lstStyle/>
+          <a:p>
+            <a:pPr algn="dist"/>
+            <a:endParaRPr kumimoji="1" lang="ja-JP" altLang="en-US"/>
+          </a:p>
+        </p:txBody>
+      </p:sp>
+      <p:sp>
+        <p:nvSpPr>
+          <p:cNvPr id="7" name="テキスト ボックス 6">
+            <a:extLst>
+              <a:ext uri="{FF2B5EF4-FFF2-40B4-BE49-F238E27FC236}">
+                <a16:creationId xmlns:a16="http://schemas.microsoft.com/office/drawing/2014/main" id="{C2B84485-D776-BC43-F67F-9A8581ED6860}"/>
+              </a:ext>
+            </a:extLst>
+          </p:cNvPr>
+          <p:cNvSpPr txBox="1"/>
+          <p:nvPr/>
+        </p:nvSpPr>
+        <p:spPr>
+          <a:xfrm>
+            <a:off x="2606464" y="5343492"/>
+            <a:ext cx="369884" cy="369332"/>
+          </a:xfrm>
+          <a:prstGeom prst="rect">
+            <a:avLst/>
+          </a:prstGeom>
+          <a:noFill/>
+        </p:spPr>
+        <p:txBody>
+          <a:bodyPr wrap="square" rtlCol="0">
+            <a:spAutoFit/>
+          </a:bodyPr>
+          <a:lstStyle/>
+          <a:p>
+            <a:r>
+              <a:rPr kumimoji="1" lang="ja-JP" altLang="en-US" dirty="0">
+                <a:latin typeface="ＭＳ Ｐゴシック" panose="020B0600070205080204" pitchFamily="50" charset="-128"/>
+                <a:ea typeface="ＭＳ Ｐゴシック" panose="020B0600070205080204" pitchFamily="50" charset="-128"/>
+              </a:rPr>
+              <a:t>④</a:t>
+            </a:r>
+          </a:p>
+        </p:txBody>
+      </p:sp>
+      <p:sp>
+        <p:nvSpPr>
+          <p:cNvPr id="8" name="正方形/長方形 7">
+            <a:extLst>
+              <a:ext uri="{FF2B5EF4-FFF2-40B4-BE49-F238E27FC236}">
+                <a16:creationId xmlns:a16="http://schemas.microsoft.com/office/drawing/2014/main" id="{B27F76E7-119E-37C1-64A1-B7666932BDCA}"/>
+              </a:ext>
+            </a:extLst>
+          </p:cNvPr>
+          <p:cNvSpPr/>
+          <p:nvPr/>
+        </p:nvSpPr>
+        <p:spPr>
+          <a:xfrm>
+            <a:off x="5656414" y="6196360"/>
+            <a:ext cx="1621606" cy="279780"/>
+          </a:xfrm>
+          <a:prstGeom prst="rect">
+            <a:avLst/>
+          </a:prstGeom>
+          <a:solidFill>
+            <a:schemeClr val="accent2">
+              <a:alpha val="50000"/>
+            </a:schemeClr>
+          </a:solidFill>
+        </p:spPr>
+        <p:style>
+          <a:lnRef idx="2">
+            <a:schemeClr val="accent2">
+              <a:shade val="15000"/>
+            </a:schemeClr>
+          </a:lnRef>
+          <a:fillRef idx="1">
+            <a:schemeClr val="accent2"/>
+          </a:fillRef>
+          <a:effectRef idx="0">
+            <a:schemeClr val="accent2"/>
+          </a:effectRef>
+          <a:fontRef idx="minor">
+            <a:schemeClr val="lt1"/>
+          </a:fontRef>
+        </p:style>
+        <p:txBody>
+          <a:bodyPr rtlCol="0" anchor="ctr"/>
+          <a:lstStyle/>
+          <a:p>
+            <a:pPr algn="dist"/>
+            <a:endParaRPr kumimoji="1" lang="ja-JP" altLang="en-US"/>
+          </a:p>
+        </p:txBody>
+      </p:sp>
+      <p:sp>
+        <p:nvSpPr>
+          <p:cNvPr id="9" name="テキスト ボックス 8">
+            <a:extLst>
+              <a:ext uri="{FF2B5EF4-FFF2-40B4-BE49-F238E27FC236}">
+                <a16:creationId xmlns:a16="http://schemas.microsoft.com/office/drawing/2014/main" id="{87AD011B-A7CA-509D-57C9-179A1FDEF989}"/>
+              </a:ext>
+            </a:extLst>
+          </p:cNvPr>
+          <p:cNvSpPr txBox="1"/>
+          <p:nvPr/>
+        </p:nvSpPr>
+        <p:spPr>
+          <a:xfrm>
+            <a:off x="5777862" y="6151584"/>
+            <a:ext cx="369884" cy="369332"/>
+          </a:xfrm>
+          <a:prstGeom prst="rect">
+            <a:avLst/>
+          </a:prstGeom>
+          <a:noFill/>
+        </p:spPr>
+        <p:txBody>
+          <a:bodyPr wrap="square" rtlCol="0">
+            <a:spAutoFit/>
+          </a:bodyPr>
+          <a:lstStyle/>
+          <a:p>
+            <a:r>
+              <a:rPr kumimoji="1" lang="ja-JP" altLang="en-US" dirty="0">
+                <a:latin typeface="ＭＳ Ｐゴシック" panose="020B0600070205080204" pitchFamily="50" charset="-128"/>
+                <a:ea typeface="ＭＳ Ｐゴシック" panose="020B0600070205080204" pitchFamily="50" charset="-128"/>
+              </a:rPr>
+              <a:t>⑤</a:t>
+            </a:r>
+          </a:p>
+        </p:txBody>
+      </p:sp>
+    </p:spTree>
+    <p:extLst>
+      <p:ext uri="{BB962C8B-B14F-4D97-AF65-F5344CB8AC3E}">
+        <p14:creationId xmlns:p14="http://schemas.microsoft.com/office/powerpoint/2010/main" val="289485009"/>
+      </p:ext>
+    </p:extLst>
+  </p:cSld>
+  <p:clrMapOvr>
+    <a:masterClrMapping/>
+  </p:clrMapOvr>
+</p:sld>
+</file>
+
+<file path=ppt/slides/slide23.xml><?xml version="1.0" encoding="utf-8"?>
+<p:sld xmlns:a="http://schemas.openxmlformats.org/drawingml/2006/main" xmlns:r="http://schemas.openxmlformats.org/officeDocument/2006/relationships" xmlns:p="http://schemas.openxmlformats.org/presentationml/2006/main">
+  <p:cSld>
+    <p:spTree>
+      <p:nvGrpSpPr>
+        <p:cNvPr id="1" name=""/>
+        <p:cNvGrpSpPr/>
+        <p:nvPr/>
+      </p:nvGrpSpPr>
+      <p:grpSpPr>
+        <a:xfrm>
+          <a:off x="0" y="0"/>
+          <a:ext cx="0" cy="0"/>
+          <a:chOff x="0" y="0"/>
+          <a:chExt cx="0" cy="0"/>
+        </a:xfrm>
+      </p:grpSpPr>
+      <p:pic>
+        <p:nvPicPr>
+          <p:cNvPr id="3" name="図 2" descr="グラフィカル ユーザー インターフェイス, アプリケーション&#10;&#10;自動的に生成された説明">
+            <a:extLst>
+              <a:ext uri="{FF2B5EF4-FFF2-40B4-BE49-F238E27FC236}">
+                <a16:creationId xmlns:a16="http://schemas.microsoft.com/office/drawing/2014/main" id="{D27103A0-3937-F4BA-3572-25BF8ED0D592}"/>
+              </a:ext>
+            </a:extLst>
+          </p:cNvPr>
+          <p:cNvPicPr>
+            <a:picLocks noChangeAspect="1"/>
+          </p:cNvPicPr>
+          <p:nvPr/>
+        </p:nvPicPr>
+        <p:blipFill>
+          <a:blip r:embed="rId2"/>
+          <a:stretch>
+            <a:fillRect/>
+          </a:stretch>
+        </p:blipFill>
+        <p:spPr>
+          <a:xfrm>
+            <a:off x="244094" y="209413"/>
+            <a:ext cx="7829389" cy="6336497"/>
+          </a:xfrm>
+          <a:prstGeom prst="rect">
+            <a:avLst/>
+          </a:prstGeom>
+        </p:spPr>
+      </p:pic>
+      <p:sp>
+        <p:nvSpPr>
+          <p:cNvPr id="4" name="正方形/長方形 3">
+            <a:extLst>
+              <a:ext uri="{FF2B5EF4-FFF2-40B4-BE49-F238E27FC236}">
+                <a16:creationId xmlns:a16="http://schemas.microsoft.com/office/drawing/2014/main" id="{511FD61B-C982-58F0-80F1-F0EE16108FE9}"/>
+              </a:ext>
+            </a:extLst>
+          </p:cNvPr>
+          <p:cNvSpPr/>
+          <p:nvPr/>
+        </p:nvSpPr>
+        <p:spPr>
+          <a:xfrm>
+            <a:off x="627460" y="1583472"/>
+            <a:ext cx="2722366" cy="279780"/>
+          </a:xfrm>
+          <a:prstGeom prst="rect">
+            <a:avLst/>
+          </a:prstGeom>
+          <a:solidFill>
+            <a:schemeClr val="accent2">
+              <a:alpha val="50000"/>
+            </a:schemeClr>
+          </a:solidFill>
+        </p:spPr>
+        <p:style>
+          <a:lnRef idx="2">
+            <a:schemeClr val="accent2">
+              <a:shade val="15000"/>
+            </a:schemeClr>
+          </a:lnRef>
+          <a:fillRef idx="1">
+            <a:schemeClr val="accent2"/>
+          </a:fillRef>
+          <a:effectRef idx="0">
+            <a:schemeClr val="accent2"/>
+          </a:effectRef>
+          <a:fontRef idx="minor">
+            <a:schemeClr val="lt1"/>
+          </a:fontRef>
+        </p:style>
+        <p:txBody>
+          <a:bodyPr rtlCol="0" anchor="ctr"/>
+          <a:lstStyle/>
+          <a:p>
+            <a:pPr algn="dist"/>
+            <a:endParaRPr kumimoji="1" lang="ja-JP" altLang="en-US"/>
+          </a:p>
+        </p:txBody>
+      </p:sp>
+      <p:sp>
+        <p:nvSpPr>
+          <p:cNvPr id="5" name="テキスト ボックス 4">
+            <a:extLst>
+              <a:ext uri="{FF2B5EF4-FFF2-40B4-BE49-F238E27FC236}">
+                <a16:creationId xmlns:a16="http://schemas.microsoft.com/office/drawing/2014/main" id="{5CFB611D-2B93-725F-E351-D207E3C17477}"/>
+              </a:ext>
+            </a:extLst>
+          </p:cNvPr>
+          <p:cNvSpPr txBox="1"/>
+          <p:nvPr/>
+        </p:nvSpPr>
+        <p:spPr>
+          <a:xfrm>
+            <a:off x="2918698" y="1534236"/>
+            <a:ext cx="369884" cy="369332"/>
+          </a:xfrm>
+          <a:prstGeom prst="rect">
+            <a:avLst/>
+          </a:prstGeom>
+          <a:noFill/>
+        </p:spPr>
+        <p:txBody>
+          <a:bodyPr wrap="square" rtlCol="0">
+            <a:spAutoFit/>
+          </a:bodyPr>
+          <a:lstStyle/>
+          <a:p>
+            <a:r>
+              <a:rPr lang="ja-JP" altLang="en-US" dirty="0">
+                <a:latin typeface="ＭＳ Ｐゴシック" panose="020B0600070205080204" pitchFamily="50" charset="-128"/>
+                <a:ea typeface="ＭＳ Ｐゴシック" panose="020B0600070205080204" pitchFamily="50" charset="-128"/>
+              </a:rPr>
+              <a:t>①</a:t>
+            </a:r>
+            <a:endParaRPr kumimoji="1" lang="ja-JP" altLang="en-US" dirty="0">
+              <a:latin typeface="ＭＳ Ｐゴシック" panose="020B0600070205080204" pitchFamily="50" charset="-128"/>
+              <a:ea typeface="ＭＳ Ｐゴシック" panose="020B0600070205080204" pitchFamily="50" charset="-128"/>
+            </a:endParaRPr>
+          </a:p>
+        </p:txBody>
+      </p:sp>
+      <p:sp>
+        <p:nvSpPr>
+          <p:cNvPr id="6" name="正方形/長方形 5">
+            <a:extLst>
+              <a:ext uri="{FF2B5EF4-FFF2-40B4-BE49-F238E27FC236}">
+                <a16:creationId xmlns:a16="http://schemas.microsoft.com/office/drawing/2014/main" id="{5CF005CD-7710-C543-43ED-E4B547F68711}"/>
+              </a:ext>
+            </a:extLst>
+          </p:cNvPr>
+          <p:cNvSpPr/>
+          <p:nvPr/>
+        </p:nvSpPr>
+        <p:spPr>
+          <a:xfrm>
+            <a:off x="623744" y="2935231"/>
+            <a:ext cx="3091841" cy="279780"/>
+          </a:xfrm>
+          <a:prstGeom prst="rect">
+            <a:avLst/>
+          </a:prstGeom>
+          <a:solidFill>
+            <a:schemeClr val="accent2">
+              <a:alpha val="50000"/>
+            </a:schemeClr>
+          </a:solidFill>
+        </p:spPr>
+        <p:style>
+          <a:lnRef idx="2">
+            <a:schemeClr val="accent2">
+              <a:shade val="15000"/>
+            </a:schemeClr>
+          </a:lnRef>
+          <a:fillRef idx="1">
+            <a:schemeClr val="accent2"/>
+          </a:fillRef>
+          <a:effectRef idx="0">
+            <a:schemeClr val="accent2"/>
+          </a:effectRef>
+          <a:fontRef idx="minor">
+            <a:schemeClr val="lt1"/>
+          </a:fontRef>
+        </p:style>
+        <p:txBody>
+          <a:bodyPr rtlCol="0" anchor="ctr"/>
+          <a:lstStyle/>
+          <a:p>
+            <a:pPr algn="dist"/>
+            <a:endParaRPr kumimoji="1" lang="ja-JP" altLang="en-US"/>
+          </a:p>
+        </p:txBody>
+      </p:sp>
+      <p:sp>
+        <p:nvSpPr>
+          <p:cNvPr id="7" name="テキスト ボックス 6">
+            <a:extLst>
+              <a:ext uri="{FF2B5EF4-FFF2-40B4-BE49-F238E27FC236}">
+                <a16:creationId xmlns:a16="http://schemas.microsoft.com/office/drawing/2014/main" id="{D0571BEC-E4C7-B19A-AE11-3DD1B7134097}"/>
+              </a:ext>
+            </a:extLst>
+          </p:cNvPr>
+          <p:cNvSpPr txBox="1"/>
+          <p:nvPr/>
+        </p:nvSpPr>
+        <p:spPr>
+          <a:xfrm>
+            <a:off x="3345701" y="2890455"/>
+            <a:ext cx="369884" cy="369332"/>
+          </a:xfrm>
+          <a:prstGeom prst="rect">
+            <a:avLst/>
+          </a:prstGeom>
+          <a:noFill/>
+        </p:spPr>
+        <p:txBody>
+          <a:bodyPr wrap="square" rtlCol="0">
+            <a:spAutoFit/>
+          </a:bodyPr>
+          <a:lstStyle/>
+          <a:p>
+            <a:r>
+              <a:rPr lang="ja-JP" altLang="en-US" dirty="0">
+                <a:latin typeface="ＭＳ Ｐゴシック" panose="020B0600070205080204" pitchFamily="50" charset="-128"/>
+                <a:ea typeface="ＭＳ Ｐゴシック" panose="020B0600070205080204" pitchFamily="50" charset="-128"/>
+              </a:rPr>
+              <a:t>②</a:t>
+            </a:r>
+            <a:endParaRPr kumimoji="1" lang="ja-JP" altLang="en-US" dirty="0">
+              <a:latin typeface="ＭＳ Ｐゴシック" panose="020B0600070205080204" pitchFamily="50" charset="-128"/>
+              <a:ea typeface="ＭＳ Ｐゴシック" panose="020B0600070205080204" pitchFamily="50" charset="-128"/>
+            </a:endParaRPr>
+          </a:p>
+        </p:txBody>
+      </p:sp>
+    </p:spTree>
+    <p:extLst>
+      <p:ext uri="{BB962C8B-B14F-4D97-AF65-F5344CB8AC3E}">
+        <p14:creationId xmlns:p14="http://schemas.microsoft.com/office/powerpoint/2010/main" val="3007143814"/>
+      </p:ext>
+    </p:extLst>
+  </p:cSld>
+  <p:clrMapOvr>
+    <a:masterClrMapping/>
+  </p:clrMapOvr>
+</p:sld>
+</file>
+
+<file path=ppt/slides/slide24.xml><?xml version="1.0" encoding="utf-8"?>
+<p:sld xmlns:a="http://schemas.openxmlformats.org/drawingml/2006/main" xmlns:r="http://schemas.openxmlformats.org/officeDocument/2006/relationships" xmlns:p="http://schemas.openxmlformats.org/presentationml/2006/main">
+  <p:cSld>
+    <p:spTree>
+      <p:nvGrpSpPr>
+        <p:cNvPr id="1" name=""/>
+        <p:cNvGrpSpPr/>
+        <p:nvPr/>
+      </p:nvGrpSpPr>
+      <p:grpSpPr>
+        <a:xfrm>
+          <a:off x="0" y="0"/>
+          <a:ext cx="0" cy="0"/>
+          <a:chOff x="0" y="0"/>
+          <a:chExt cx="0" cy="0"/>
+        </a:xfrm>
+      </p:grpSpPr>
+      <p:pic>
+        <p:nvPicPr>
+          <p:cNvPr id="3" name="図 2" descr="グラフィカル ユーザー インターフェイス, アプリケーション&#10;&#10;自動的に生成された説明">
+            <a:extLst>
+              <a:ext uri="{FF2B5EF4-FFF2-40B4-BE49-F238E27FC236}">
+                <a16:creationId xmlns:a16="http://schemas.microsoft.com/office/drawing/2014/main" id="{3519C4BA-6B26-94E9-6826-DAF991B9918E}"/>
+              </a:ext>
+            </a:extLst>
+          </p:cNvPr>
+          <p:cNvPicPr>
+            <a:picLocks noChangeAspect="1"/>
+          </p:cNvPicPr>
+          <p:nvPr/>
+        </p:nvPicPr>
+        <p:blipFill>
+          <a:blip r:embed="rId2"/>
+          <a:stretch>
+            <a:fillRect/>
+          </a:stretch>
+        </p:blipFill>
+        <p:spPr>
+          <a:xfrm>
+            <a:off x="578603" y="247626"/>
+            <a:ext cx="11034793" cy="6362747"/>
+          </a:xfrm>
+          <a:prstGeom prst="rect">
+            <a:avLst/>
+          </a:prstGeom>
+        </p:spPr>
+      </p:pic>
+      <p:sp>
+        <p:nvSpPr>
+          <p:cNvPr id="4" name="正方形/長方形 3">
+            <a:extLst>
+              <a:ext uri="{FF2B5EF4-FFF2-40B4-BE49-F238E27FC236}">
+                <a16:creationId xmlns:a16="http://schemas.microsoft.com/office/drawing/2014/main" id="{ED57A033-8C2C-44E1-48D0-584F4FE21889}"/>
+              </a:ext>
+            </a:extLst>
+          </p:cNvPr>
+          <p:cNvSpPr/>
+          <p:nvPr/>
+        </p:nvSpPr>
+        <p:spPr>
+          <a:xfrm>
+            <a:off x="5244625" y="2989535"/>
+            <a:ext cx="3984372" cy="1492852"/>
+          </a:xfrm>
+          <a:prstGeom prst="rect">
+            <a:avLst/>
+          </a:prstGeom>
+          <a:solidFill>
+            <a:schemeClr val="accent2">
+              <a:alpha val="50000"/>
+            </a:schemeClr>
+          </a:solidFill>
+        </p:spPr>
+        <p:style>
+          <a:lnRef idx="2">
+            <a:schemeClr val="accent2">
+              <a:shade val="15000"/>
+            </a:schemeClr>
+          </a:lnRef>
+          <a:fillRef idx="1">
+            <a:schemeClr val="accent2"/>
+          </a:fillRef>
+          <a:effectRef idx="0">
+            <a:schemeClr val="accent2"/>
+          </a:effectRef>
+          <a:fontRef idx="minor">
+            <a:schemeClr val="lt1"/>
+          </a:fontRef>
+        </p:style>
+        <p:txBody>
+          <a:bodyPr rtlCol="0" anchor="ctr"/>
+          <a:lstStyle/>
+          <a:p>
+            <a:pPr algn="dist"/>
+            <a:endParaRPr kumimoji="1" lang="ja-JP" altLang="en-US"/>
+          </a:p>
+        </p:txBody>
+      </p:sp>
+      <p:sp>
+        <p:nvSpPr>
+          <p:cNvPr id="5" name="テキスト ボックス 4">
+            <a:extLst>
+              <a:ext uri="{FF2B5EF4-FFF2-40B4-BE49-F238E27FC236}">
+                <a16:creationId xmlns:a16="http://schemas.microsoft.com/office/drawing/2014/main" id="{E2A0213D-EB74-F004-C4E2-1145254BACFF}"/>
+              </a:ext>
+            </a:extLst>
+          </p:cNvPr>
+          <p:cNvSpPr txBox="1"/>
+          <p:nvPr/>
+        </p:nvSpPr>
+        <p:spPr>
+          <a:xfrm>
+            <a:off x="7327566" y="3551295"/>
+            <a:ext cx="495368" cy="369332"/>
+          </a:xfrm>
+          <a:prstGeom prst="rect">
+            <a:avLst/>
+          </a:prstGeom>
+          <a:noFill/>
+        </p:spPr>
+        <p:txBody>
+          <a:bodyPr wrap="square" rtlCol="0">
+            <a:spAutoFit/>
+          </a:bodyPr>
+          <a:lstStyle/>
+          <a:p>
+            <a:r>
+              <a:rPr lang="ja-JP" altLang="en-US" dirty="0">
+                <a:latin typeface="ＭＳ Ｐゴシック" panose="020B0600070205080204" pitchFamily="50" charset="-128"/>
+                <a:ea typeface="ＭＳ Ｐゴシック" panose="020B0600070205080204" pitchFamily="50" charset="-128"/>
+              </a:rPr>
+              <a:t>③</a:t>
+            </a:r>
+            <a:endParaRPr kumimoji="1" lang="ja-JP" altLang="en-US" dirty="0">
+              <a:latin typeface="ＭＳ Ｐゴシック" panose="020B0600070205080204" pitchFamily="50" charset="-128"/>
+              <a:ea typeface="ＭＳ Ｐゴシック" panose="020B0600070205080204" pitchFamily="50" charset="-128"/>
+            </a:endParaRPr>
+          </a:p>
+        </p:txBody>
+      </p:sp>
+    </p:spTree>
+    <p:extLst>
+      <p:ext uri="{BB962C8B-B14F-4D97-AF65-F5344CB8AC3E}">
+        <p14:creationId xmlns:p14="http://schemas.microsoft.com/office/powerpoint/2010/main" val="3476046986"/>
+      </p:ext>
+    </p:extLst>
+  </p:cSld>
+  <p:clrMapOvr>
+    <a:masterClrMapping/>
+  </p:clrMapOvr>
+</p:sld>
+</file>
+
+<file path=ppt/slides/slide25.xml><?xml version="1.0" encoding="utf-8"?>
+<p:sld xmlns:a="http://schemas.openxmlformats.org/drawingml/2006/main" xmlns:r="http://schemas.openxmlformats.org/officeDocument/2006/relationships" xmlns:p="http://schemas.openxmlformats.org/presentationml/2006/main">
+  <p:cSld>
+    <p:spTree>
+      <p:nvGrpSpPr>
+        <p:cNvPr id="1" name=""/>
+        <p:cNvGrpSpPr/>
+        <p:nvPr/>
+      </p:nvGrpSpPr>
+      <p:grpSpPr>
+        <a:xfrm>
+          <a:off x="0" y="0"/>
+          <a:ext cx="0" cy="0"/>
+          <a:chOff x="0" y="0"/>
+          <a:chExt cx="0" cy="0"/>
+        </a:xfrm>
+      </p:grpSpPr>
+    </p:spTree>
+    <p:extLst>
+      <p:ext uri="{BB962C8B-B14F-4D97-AF65-F5344CB8AC3E}">
+        <p14:creationId xmlns:p14="http://schemas.microsoft.com/office/powerpoint/2010/main" val="2979090360"/>
+      </p:ext>
+    </p:extLst>
+  </p:cSld>
+  <p:clrMapOvr>
+    <a:masterClrMapping/>
+  </p:clrMapOvr>
+</p:sld>
+</file>
+
+<file path=ppt/slides/slide26.xml><?xml version="1.0" encoding="utf-8"?>
+<p:sld xmlns:a="http://schemas.openxmlformats.org/drawingml/2006/main" xmlns:r="http://schemas.openxmlformats.org/officeDocument/2006/relationships" xmlns:p="http://schemas.openxmlformats.org/presentationml/2006/main">
+  <p:cSld>
+    <p:spTree>
+      <p:nvGrpSpPr>
+        <p:cNvPr id="1" name=""/>
+        <p:cNvGrpSpPr/>
+        <p:nvPr/>
+      </p:nvGrpSpPr>
+      <p:grpSpPr>
+        <a:xfrm>
+          <a:off x="0" y="0"/>
+          <a:ext cx="0" cy="0"/>
+          <a:chOff x="0" y="0"/>
+          <a:chExt cx="0" cy="0"/>
+        </a:xfrm>
+      </p:grpSpPr>
+    </p:spTree>
+    <p:extLst>
+      <p:ext uri="{BB962C8B-B14F-4D97-AF65-F5344CB8AC3E}">
+        <p14:creationId xmlns:p14="http://schemas.microsoft.com/office/powerpoint/2010/main" val="1692778065"/>
+      </p:ext>
+    </p:extLst>
+  </p:cSld>
+  <p:clrMapOvr>
+    <a:masterClrMapping/>
+  </p:clrMapOvr>
+</p:sld>
+</file>
+
+<file path=ppt/slides/slide27.xml><?xml version="1.0" encoding="utf-8"?>
+<p:sld xmlns:a="http://schemas.openxmlformats.org/drawingml/2006/main" xmlns:r="http://schemas.openxmlformats.org/officeDocument/2006/relationships" xmlns:p="http://schemas.openxmlformats.org/presentationml/2006/main">
+  <p:cSld>
+    <p:spTree>
+      <p:nvGrpSpPr>
+        <p:cNvPr id="1" name=""/>
+        <p:cNvGrpSpPr/>
+        <p:nvPr/>
+      </p:nvGrpSpPr>
+      <p:grpSpPr>
+        <a:xfrm>
+          <a:off x="0" y="0"/>
+          <a:ext cx="0" cy="0"/>
+          <a:chOff x="0" y="0"/>
+          <a:chExt cx="0" cy="0"/>
+        </a:xfrm>
+      </p:grpSpPr>
+    </p:spTree>
+    <p:extLst>
+      <p:ext uri="{BB962C8B-B14F-4D97-AF65-F5344CB8AC3E}">
+        <p14:creationId xmlns:p14="http://schemas.microsoft.com/office/powerpoint/2010/main" val="3055575734"/>
       </p:ext>
     </p:extLst>
   </p:cSld>
@@ -6444,10 +7576,10 @@
       </p:grpSpPr>
       <p:pic>
         <p:nvPicPr>
-          <p:cNvPr id="5" name="図 4" descr="グラフィカル ユーザー インターフェイス, テキスト, アプリケーション&#10;&#10;自動的に生成された説明">
-            <a:extLst>
-              <a:ext uri="{FF2B5EF4-FFF2-40B4-BE49-F238E27FC236}">
-                <a16:creationId xmlns:a16="http://schemas.microsoft.com/office/drawing/2014/main" id="{53CB1558-A007-52C5-5218-AC26224CCACB}"/>
+          <p:cNvPr id="5" name="図 4" descr="グラフィカル ユーザー インターフェイス, アプリケーション, Word&#10;&#10;自動的に生成された説明">
+            <a:extLst>
+              <a:ext uri="{FF2B5EF4-FFF2-40B4-BE49-F238E27FC236}">
+                <a16:creationId xmlns:a16="http://schemas.microsoft.com/office/drawing/2014/main" id="{0AA827E4-FA90-5B8C-8AF6-4B2A6298562A}"/>
               </a:ext>
             </a:extLst>
           </p:cNvPr>
@@ -6464,8 +7596,8 @@
         </p:blipFill>
         <p:spPr>
           <a:xfrm>
-            <a:off x="25399" y="717550"/>
-            <a:ext cx="11992941" cy="5356679"/>
+            <a:off x="0" y="0"/>
+            <a:ext cx="12061005" cy="6795083"/>
           </a:xfrm>
           <a:prstGeom prst="rect">
             <a:avLst/>
@@ -6477,7 +7609,7 @@
           <p:cNvPr id="6" name="正方形/長方形 5">
             <a:extLst>
               <a:ext uri="{FF2B5EF4-FFF2-40B4-BE49-F238E27FC236}">
-                <a16:creationId xmlns:a16="http://schemas.microsoft.com/office/drawing/2014/main" id="{B869F619-1A38-109C-A2CE-E1B69F530256}"/>
+                <a16:creationId xmlns:a16="http://schemas.microsoft.com/office/drawing/2014/main" id="{3FDD94F0-C0DF-9270-7410-0E6B89DC6D0E}"/>
               </a:ext>
             </a:extLst>
           </p:cNvPr>
@@ -6486,8 +7618,8 @@
         </p:nvSpPr>
         <p:spPr>
           <a:xfrm>
-            <a:off x="135337" y="1358029"/>
-            <a:ext cx="1267436" cy="236976"/>
+            <a:off x="2528449" y="352247"/>
+            <a:ext cx="1185302" cy="209238"/>
           </a:xfrm>
           <a:prstGeom prst="rect">
             <a:avLst/>
@@ -6528,7 +7660,7 @@
           <p:cNvPr id="7" name="正方形/長方形 6">
             <a:extLst>
               <a:ext uri="{FF2B5EF4-FFF2-40B4-BE49-F238E27FC236}">
-                <a16:creationId xmlns:a16="http://schemas.microsoft.com/office/drawing/2014/main" id="{37C813D8-80B0-57F5-7ECD-370B2C8F5F78}"/>
+                <a16:creationId xmlns:a16="http://schemas.microsoft.com/office/drawing/2014/main" id="{AC5B7ECA-F777-DB9E-DBC2-D03CA3C4EE38}"/>
               </a:ext>
             </a:extLst>
           </p:cNvPr>
@@ -6537,8 +7669,8 @@
         </p:nvSpPr>
         <p:spPr>
           <a:xfrm>
-            <a:off x="1456714" y="1302610"/>
-            <a:ext cx="237004" cy="427475"/>
+            <a:off x="2528448" y="595041"/>
+            <a:ext cx="2709409" cy="209238"/>
           </a:xfrm>
           <a:prstGeom prst="rect">
             <a:avLst/>
@@ -6579,7 +7711,7 @@
           <p:cNvPr id="8" name="テキスト ボックス 7">
             <a:extLst>
               <a:ext uri="{FF2B5EF4-FFF2-40B4-BE49-F238E27FC236}">
-                <a16:creationId xmlns:a16="http://schemas.microsoft.com/office/drawing/2014/main" id="{660630BC-C544-3A5A-EA8F-93FB72648396}"/>
+                <a16:creationId xmlns:a16="http://schemas.microsoft.com/office/drawing/2014/main" id="{84537F2D-7481-7CA8-F14F-21FA3EB61217}"/>
               </a:ext>
             </a:extLst>
           </p:cNvPr>
@@ -6588,7 +7720,7 @@
         </p:nvSpPr>
         <p:spPr>
           <a:xfrm>
-            <a:off x="1054676" y="1358029"/>
+            <a:off x="4947167" y="595041"/>
             <a:ext cx="290690" cy="261610"/>
           </a:xfrm>
           <a:prstGeom prst="rect">
@@ -6603,44 +7735,8 @@
           <a:lstStyle/>
           <a:p>
             <a:r>
-              <a:rPr kumimoji="1" lang="en-US" altLang="ja-JP" sz="1100" dirty="0"/>
-              <a:t>②</a:t>
-            </a:r>
-            <a:endParaRPr kumimoji="1" lang="ja-JP" altLang="en-US" sz="1100"/>
-          </a:p>
-        </p:txBody>
-      </p:sp>
-      <p:sp>
-        <p:nvSpPr>
-          <p:cNvPr id="9" name="テキスト ボックス 8">
-            <a:extLst>
-              <a:ext uri="{FF2B5EF4-FFF2-40B4-BE49-F238E27FC236}">
-                <a16:creationId xmlns:a16="http://schemas.microsoft.com/office/drawing/2014/main" id="{519F9579-DF62-3CE0-5BE6-F337DCAA6413}"/>
-              </a:ext>
-            </a:extLst>
-          </p:cNvPr>
-          <p:cNvSpPr txBox="1"/>
-          <p:nvPr/>
-        </p:nvSpPr>
-        <p:spPr>
-          <a:xfrm>
-            <a:off x="1399307" y="1488834"/>
-            <a:ext cx="290690" cy="261610"/>
-          </a:xfrm>
-          <a:prstGeom prst="rect">
-            <a:avLst/>
-          </a:prstGeom>
-          <a:noFill/>
-        </p:spPr>
-        <p:txBody>
-          <a:bodyPr wrap="square" rtlCol="0">
-            <a:spAutoFit/>
-          </a:bodyPr>
-          <a:lstStyle/>
-          <a:p>
-            <a:r>
-              <a:rPr kumimoji="1" lang="en-US" altLang="ja-JP" sz="1100" dirty="0"/>
-              <a:t>③</a:t>
+              <a:rPr lang="ja-JP" altLang="en-US" sz="1100"/>
+              <a:t>①</a:t>
             </a:r>
             <a:endParaRPr kumimoji="1" lang="ja-JP" altLang="en-US" sz="1100"/>
           </a:p>
@@ -6649,7 +7745,7 @@
     </p:spTree>
     <p:extLst>
       <p:ext uri="{BB962C8B-B14F-4D97-AF65-F5344CB8AC3E}">
-        <p14:creationId xmlns:p14="http://schemas.microsoft.com/office/powerpoint/2010/main" val="1653641168"/>
+        <p14:creationId xmlns:p14="http://schemas.microsoft.com/office/powerpoint/2010/main" val="931842662"/>
       </p:ext>
     </p:extLst>
   </p:cSld>
@@ -6838,7 +7934,7 @@
           <a:p>
             <a:r>
               <a:rPr kumimoji="1" lang="en-US" altLang="ja-JP" sz="1100" dirty="0"/>
-              <a:t>①</a:t>
+              <a:t>②</a:t>
             </a:r>
             <a:endParaRPr kumimoji="1" lang="ja-JP" altLang="en-US" sz="1100"/>
           </a:p>
@@ -6873,8 +7969,8 @@
           <a:lstStyle/>
           <a:p>
             <a:r>
-              <a:rPr lang="en-US" altLang="ja-JP" sz="1100" dirty="0"/>
-              <a:t>②</a:t>
+              <a:rPr kumimoji="1" lang="en-US" altLang="ja-JP" sz="1100" dirty="0"/>
+              <a:t>③</a:t>
             </a:r>
             <a:endParaRPr kumimoji="1" lang="ja-JP" altLang="en-US" sz="1100"/>
           </a:p>
@@ -6883,7 +7979,7 @@
     </p:spTree>
     <p:extLst>
       <p:ext uri="{BB962C8B-B14F-4D97-AF65-F5344CB8AC3E}">
-        <p14:creationId xmlns:p14="http://schemas.microsoft.com/office/powerpoint/2010/main" val="812902546"/>
+        <p14:creationId xmlns:p14="http://schemas.microsoft.com/office/powerpoint/2010/main" val="1653641168"/>
       </p:ext>
     </p:extLst>
   </p:cSld>
@@ -7144,193 +8240,58 @@
           <a:chExt cx="0" cy="0"/>
         </a:xfrm>
       </p:grpSpPr>
-      <p:pic>
-        <p:nvPicPr>
-          <p:cNvPr id="5" name="図 4" descr="ダイアグラム&#10;&#10;低い精度で自動的に生成された説明">
-            <a:extLst>
-              <a:ext uri="{FF2B5EF4-FFF2-40B4-BE49-F238E27FC236}">
-                <a16:creationId xmlns:a16="http://schemas.microsoft.com/office/drawing/2014/main" id="{792A485A-FFBC-AD0B-950C-315FD4E943E1}"/>
-              </a:ext>
-            </a:extLst>
-          </p:cNvPr>
-          <p:cNvPicPr>
-            <a:picLocks noChangeAspect="1"/>
-          </p:cNvPicPr>
+      <p:sp>
+        <p:nvSpPr>
+          <p:cNvPr id="3" name="テキスト ボックス 2">
+            <a:extLst>
+              <a:ext uri="{FF2B5EF4-FFF2-40B4-BE49-F238E27FC236}">
+                <a16:creationId xmlns:a16="http://schemas.microsoft.com/office/drawing/2014/main" id="{E98DD18A-35A9-C81F-09D8-45801D96CACB}"/>
+              </a:ext>
+            </a:extLst>
+          </p:cNvPr>
+          <p:cNvSpPr txBox="1"/>
           <p:nvPr/>
-        </p:nvPicPr>
-        <p:blipFill>
-          <a:blip r:embed="rId2"/>
-          <a:stretch>
-            <a:fillRect/>
-          </a:stretch>
-        </p:blipFill>
-        <p:spPr>
-          <a:xfrm>
-            <a:off x="188536" y="103108"/>
-            <a:ext cx="11142483" cy="6651783"/>
-          </a:xfrm>
-          <a:prstGeom prst="rect">
-            <a:avLst/>
-          </a:prstGeom>
-        </p:spPr>
-      </p:pic>
-      <p:sp>
-        <p:nvSpPr>
-          <p:cNvPr id="6" name="正方形/長方形 5">
-            <a:extLst>
-              <a:ext uri="{FF2B5EF4-FFF2-40B4-BE49-F238E27FC236}">
-                <a16:creationId xmlns:a16="http://schemas.microsoft.com/office/drawing/2014/main" id="{5E86F2AA-D313-F7AA-B96F-774284937EB2}"/>
-              </a:ext>
-            </a:extLst>
-          </p:cNvPr>
-          <p:cNvSpPr/>
-          <p:nvPr/>
-        </p:nvSpPr>
-        <p:spPr>
-          <a:xfrm flipV="1">
-            <a:off x="6396304" y="329937"/>
-            <a:ext cx="881190" cy="216817"/>
-          </a:xfrm>
-          <a:prstGeom prst="rect">
-            <a:avLst/>
-          </a:prstGeom>
-          <a:solidFill>
-            <a:schemeClr val="accent2">
-              <a:alpha val="50000"/>
-            </a:schemeClr>
-          </a:solidFill>
-        </p:spPr>
-        <p:style>
-          <a:lnRef idx="2">
-            <a:schemeClr val="accent2">
-              <a:shade val="15000"/>
-            </a:schemeClr>
-          </a:lnRef>
-          <a:fillRef idx="1">
-            <a:schemeClr val="accent2"/>
-          </a:fillRef>
-          <a:effectRef idx="0">
-            <a:schemeClr val="accent2"/>
-          </a:effectRef>
-          <a:fontRef idx="minor">
-            <a:schemeClr val="lt1"/>
-          </a:fontRef>
-        </p:style>
-        <p:txBody>
-          <a:bodyPr rtlCol="0" anchor="ctr"/>
-          <a:lstStyle/>
-          <a:p>
-            <a:pPr algn="ctr"/>
-            <a:endParaRPr kumimoji="1" lang="ja-JP" altLang="en-US"/>
-          </a:p>
-        </p:txBody>
-      </p:sp>
-      <p:sp>
-        <p:nvSpPr>
-          <p:cNvPr id="7" name="正方形/長方形 6">
-            <a:extLst>
-              <a:ext uri="{FF2B5EF4-FFF2-40B4-BE49-F238E27FC236}">
-                <a16:creationId xmlns:a16="http://schemas.microsoft.com/office/drawing/2014/main" id="{62C91D83-B27D-851D-6485-02B4163E0B91}"/>
-              </a:ext>
-            </a:extLst>
-          </p:cNvPr>
-          <p:cNvSpPr/>
-          <p:nvPr/>
-        </p:nvSpPr>
-        <p:spPr>
-          <a:xfrm flipV="1">
-            <a:off x="6396304" y="556765"/>
-            <a:ext cx="2775976" cy="216816"/>
-          </a:xfrm>
-          <a:prstGeom prst="rect">
-            <a:avLst/>
-          </a:prstGeom>
-          <a:solidFill>
-            <a:schemeClr val="accent2">
-              <a:alpha val="50000"/>
-            </a:schemeClr>
-          </a:solidFill>
-        </p:spPr>
-        <p:style>
-          <a:lnRef idx="2">
-            <a:schemeClr val="accent2">
-              <a:shade val="15000"/>
-            </a:schemeClr>
-          </a:lnRef>
-          <a:fillRef idx="1">
-            <a:schemeClr val="accent2"/>
-          </a:fillRef>
-          <a:effectRef idx="0">
-            <a:schemeClr val="accent2"/>
-          </a:effectRef>
-          <a:fontRef idx="minor">
-            <a:schemeClr val="lt1"/>
-          </a:fontRef>
-        </p:style>
-        <p:txBody>
-          <a:bodyPr rtlCol="0" anchor="ctr"/>
-          <a:lstStyle/>
-          <a:p>
-            <a:pPr algn="ctr"/>
-            <a:endParaRPr kumimoji="1" lang="ja-JP" altLang="en-US"/>
-          </a:p>
-        </p:txBody>
-      </p:sp>
-      <p:sp>
-        <p:nvSpPr>
-          <p:cNvPr id="8" name="正方形/長方形 7">
-            <a:extLst>
-              <a:ext uri="{FF2B5EF4-FFF2-40B4-BE49-F238E27FC236}">
-                <a16:creationId xmlns:a16="http://schemas.microsoft.com/office/drawing/2014/main" id="{31A5317B-761F-AD05-07A6-D1325023983D}"/>
-              </a:ext>
-            </a:extLst>
-          </p:cNvPr>
-          <p:cNvSpPr/>
-          <p:nvPr/>
-        </p:nvSpPr>
-        <p:spPr>
-          <a:xfrm flipV="1">
-            <a:off x="8555043" y="5724225"/>
-            <a:ext cx="2775976" cy="216816"/>
-          </a:xfrm>
-          <a:prstGeom prst="rect">
-            <a:avLst/>
-          </a:prstGeom>
-          <a:solidFill>
-            <a:schemeClr val="accent2">
-              <a:alpha val="50000"/>
-            </a:schemeClr>
-          </a:solidFill>
-        </p:spPr>
-        <p:style>
-          <a:lnRef idx="2">
-            <a:schemeClr val="accent2">
-              <a:shade val="15000"/>
-            </a:schemeClr>
-          </a:lnRef>
-          <a:fillRef idx="1">
-            <a:schemeClr val="accent2"/>
-          </a:fillRef>
-          <a:effectRef idx="0">
-            <a:schemeClr val="accent2"/>
-          </a:effectRef>
-          <a:fontRef idx="minor">
-            <a:schemeClr val="lt1"/>
-          </a:fontRef>
-        </p:style>
-        <p:txBody>
-          <a:bodyPr rtlCol="0" anchor="ctr"/>
-          <a:lstStyle/>
-          <a:p>
-            <a:pPr algn="ctr"/>
-            <a:endParaRPr kumimoji="1" lang="ja-JP" altLang="en-US"/>
+        </p:nvSpPr>
+        <p:spPr>
+          <a:xfrm>
+            <a:off x="3047617" y="3245482"/>
+            <a:ext cx="6095234" cy="369332"/>
+          </a:xfrm>
+          <a:prstGeom prst="rect">
+            <a:avLst/>
+          </a:prstGeom>
+          <a:noFill/>
+        </p:spPr>
+        <p:txBody>
+          <a:bodyPr wrap="square">
+            <a:spAutoFit/>
+          </a:bodyPr>
+          <a:lstStyle/>
+          <a:p>
+            <a:r>
+              <a:rPr lang="ja-JP" altLang="en-US" dirty="0"/>
+              <a:t>実行手順 </a:t>
+            </a:r>
+            <a:r>
+              <a:rPr lang="en-US" altLang="ja-JP" dirty="0"/>
+              <a:t>(PLATEAU </a:t>
+            </a:r>
+            <a:r>
+              <a:rPr lang="ja-JP" altLang="en-US" dirty="0"/>
+              <a:t>地形モデル以外</a:t>
+            </a:r>
+            <a:r>
+              <a:rPr lang="en-US" altLang="ja-JP" dirty="0"/>
+              <a:t>)</a:t>
+            </a:r>
+            <a:endParaRPr lang="ja-JP" altLang="en-US" dirty="0"/>
           </a:p>
         </p:txBody>
       </p:sp>
     </p:spTree>
     <p:extLst>
       <p:ext uri="{BB962C8B-B14F-4D97-AF65-F5344CB8AC3E}">
-        <p14:creationId xmlns:p14="http://schemas.microsoft.com/office/powerpoint/2010/main" val="1386079753"/>
+        <p14:creationId xmlns:p14="http://schemas.microsoft.com/office/powerpoint/2010/main" val="1404568264"/>
       </p:ext>
     </p:extLst>
   </p:cSld>
@@ -7359,10 +8320,10 @@
       </p:grpSpPr>
       <p:pic>
         <p:nvPicPr>
-          <p:cNvPr id="5" name="図 4" descr="グラフィカル ユーザー インターフェイス, テキスト, アプリケーション&#10;&#10;自動的に生成された説明">
-            <a:extLst>
-              <a:ext uri="{FF2B5EF4-FFF2-40B4-BE49-F238E27FC236}">
-                <a16:creationId xmlns:a16="http://schemas.microsoft.com/office/drawing/2014/main" id="{0F226E97-3808-D2B7-2612-36D829824C07}"/>
+          <p:cNvPr id="5" name="図 4" descr="ダイアグラム&#10;&#10;低い精度で自動的に生成された説明">
+            <a:extLst>
+              <a:ext uri="{FF2B5EF4-FFF2-40B4-BE49-F238E27FC236}">
+                <a16:creationId xmlns:a16="http://schemas.microsoft.com/office/drawing/2014/main" id="{792A485A-FFBC-AD0B-950C-315FD4E943E1}"/>
               </a:ext>
             </a:extLst>
           </p:cNvPr>
@@ -7379,8 +8340,8 @@
         </p:blipFill>
         <p:spPr>
           <a:xfrm>
-            <a:off x="0" y="0"/>
-            <a:ext cx="12054750" cy="5533534"/>
+            <a:off x="188536" y="103108"/>
+            <a:ext cx="11142483" cy="6651783"/>
           </a:xfrm>
           <a:prstGeom prst="rect">
             <a:avLst/>
@@ -7389,10 +8350,10 @@
       </p:pic>
       <p:sp>
         <p:nvSpPr>
-          <p:cNvPr id="7" name="正方形/長方形 6">
-            <a:extLst>
-              <a:ext uri="{FF2B5EF4-FFF2-40B4-BE49-F238E27FC236}">
-                <a16:creationId xmlns:a16="http://schemas.microsoft.com/office/drawing/2014/main" id="{EA1B1539-B2D1-5A60-C73E-AE1340ADB3E1}"/>
+          <p:cNvPr id="6" name="正方形/長方形 5">
+            <a:extLst>
+              <a:ext uri="{FF2B5EF4-FFF2-40B4-BE49-F238E27FC236}">
+                <a16:creationId xmlns:a16="http://schemas.microsoft.com/office/drawing/2014/main" id="{5E86F2AA-D313-F7AA-B96F-774284937EB2}"/>
               </a:ext>
             </a:extLst>
           </p:cNvPr>
@@ -7400,9 +8361,9 @@
           <p:nvPr/>
         </p:nvSpPr>
         <p:spPr>
-          <a:xfrm>
-            <a:off x="163617" y="1103505"/>
-            <a:ext cx="3861627" cy="236976"/>
+          <a:xfrm flipV="1">
+            <a:off x="6396304" y="329937"/>
+            <a:ext cx="881190" cy="216817"/>
           </a:xfrm>
           <a:prstGeom prst="rect">
             <a:avLst/>
@@ -7440,10 +8401,10 @@
       </p:sp>
       <p:sp>
         <p:nvSpPr>
-          <p:cNvPr id="10" name="正方形/長方形 9">
-            <a:extLst>
-              <a:ext uri="{FF2B5EF4-FFF2-40B4-BE49-F238E27FC236}">
-                <a16:creationId xmlns:a16="http://schemas.microsoft.com/office/drawing/2014/main" id="{58F496C7-5411-F006-C49C-E018E6CCE343}"/>
+          <p:cNvPr id="7" name="正方形/長方形 6">
+            <a:extLst>
+              <a:ext uri="{FF2B5EF4-FFF2-40B4-BE49-F238E27FC236}">
+                <a16:creationId xmlns:a16="http://schemas.microsoft.com/office/drawing/2014/main" id="{62C91D83-B27D-851D-6485-02B4163E0B91}"/>
               </a:ext>
             </a:extLst>
           </p:cNvPr>
@@ -7451,9 +8412,9 @@
           <p:nvPr/>
         </p:nvSpPr>
         <p:spPr>
-          <a:xfrm>
-            <a:off x="163617" y="1414590"/>
-            <a:ext cx="3861627" cy="236976"/>
+          <a:xfrm flipV="1">
+            <a:off x="6396304" y="556765"/>
+            <a:ext cx="2775976" cy="216816"/>
           </a:xfrm>
           <a:prstGeom prst="rect">
             <a:avLst/>
@@ -7491,10 +8452,10 @@
       </p:sp>
       <p:sp>
         <p:nvSpPr>
-          <p:cNvPr id="11" name="正方形/長方形 10">
-            <a:extLst>
-              <a:ext uri="{FF2B5EF4-FFF2-40B4-BE49-F238E27FC236}">
-                <a16:creationId xmlns:a16="http://schemas.microsoft.com/office/drawing/2014/main" id="{F7BBE09A-0C56-4FAA-5E1F-0A1E9FFCA888}"/>
+          <p:cNvPr id="8" name="正方形/長方形 7">
+            <a:extLst>
+              <a:ext uri="{FF2B5EF4-FFF2-40B4-BE49-F238E27FC236}">
+                <a16:creationId xmlns:a16="http://schemas.microsoft.com/office/drawing/2014/main" id="{31A5317B-761F-AD05-07A6-D1325023983D}"/>
               </a:ext>
             </a:extLst>
           </p:cNvPr>
@@ -7502,9 +8463,9 @@
           <p:nvPr/>
         </p:nvSpPr>
         <p:spPr>
-          <a:xfrm>
-            <a:off x="163617" y="1670989"/>
-            <a:ext cx="3861627" cy="236976"/>
+          <a:xfrm flipV="1">
+            <a:off x="8555043" y="5724225"/>
+            <a:ext cx="2775976" cy="216816"/>
           </a:xfrm>
           <a:prstGeom prst="rect">
             <a:avLst/>
@@ -7540,378 +8501,10 @@
           </a:p>
         </p:txBody>
       </p:sp>
-      <p:sp>
-        <p:nvSpPr>
-          <p:cNvPr id="12" name="正方形/長方形 11">
-            <a:extLst>
-              <a:ext uri="{FF2B5EF4-FFF2-40B4-BE49-F238E27FC236}">
-                <a16:creationId xmlns:a16="http://schemas.microsoft.com/office/drawing/2014/main" id="{A7AF254D-C990-4EC1-A19C-F10E533186EF}"/>
-              </a:ext>
-            </a:extLst>
-          </p:cNvPr>
-          <p:cNvSpPr/>
-          <p:nvPr/>
-        </p:nvSpPr>
-        <p:spPr>
-          <a:xfrm>
-            <a:off x="163617" y="1940565"/>
-            <a:ext cx="3861627" cy="236976"/>
-          </a:xfrm>
-          <a:prstGeom prst="rect">
-            <a:avLst/>
-          </a:prstGeom>
-          <a:solidFill>
-            <a:schemeClr val="accent2">
-              <a:alpha val="50000"/>
-            </a:schemeClr>
-          </a:solidFill>
-        </p:spPr>
-        <p:style>
-          <a:lnRef idx="2">
-            <a:schemeClr val="accent2">
-              <a:shade val="15000"/>
-            </a:schemeClr>
-          </a:lnRef>
-          <a:fillRef idx="1">
-            <a:schemeClr val="accent2"/>
-          </a:fillRef>
-          <a:effectRef idx="0">
-            <a:schemeClr val="accent2"/>
-          </a:effectRef>
-          <a:fontRef idx="minor">
-            <a:schemeClr val="lt1"/>
-          </a:fontRef>
-        </p:style>
-        <p:txBody>
-          <a:bodyPr rtlCol="0" anchor="ctr"/>
-          <a:lstStyle/>
-          <a:p>
-            <a:pPr algn="ctr"/>
-            <a:endParaRPr kumimoji="1" lang="ja-JP" altLang="en-US"/>
-          </a:p>
-        </p:txBody>
-      </p:sp>
-      <p:sp>
-        <p:nvSpPr>
-          <p:cNvPr id="13" name="正方形/長方形 12">
-            <a:extLst>
-              <a:ext uri="{FF2B5EF4-FFF2-40B4-BE49-F238E27FC236}">
-                <a16:creationId xmlns:a16="http://schemas.microsoft.com/office/drawing/2014/main" id="{9CD14508-5982-3A33-5AC8-5EE8FBC22AEA}"/>
-              </a:ext>
-            </a:extLst>
-          </p:cNvPr>
-          <p:cNvSpPr/>
-          <p:nvPr/>
-        </p:nvSpPr>
-        <p:spPr>
-          <a:xfrm>
-            <a:off x="163617" y="2443986"/>
-            <a:ext cx="3861627" cy="236976"/>
-          </a:xfrm>
-          <a:prstGeom prst="rect">
-            <a:avLst/>
-          </a:prstGeom>
-          <a:solidFill>
-            <a:schemeClr val="accent2">
-              <a:alpha val="50000"/>
-            </a:schemeClr>
-          </a:solidFill>
-        </p:spPr>
-        <p:style>
-          <a:lnRef idx="2">
-            <a:schemeClr val="accent2">
-              <a:shade val="15000"/>
-            </a:schemeClr>
-          </a:lnRef>
-          <a:fillRef idx="1">
-            <a:schemeClr val="accent2"/>
-          </a:fillRef>
-          <a:effectRef idx="0">
-            <a:schemeClr val="accent2"/>
-          </a:effectRef>
-          <a:fontRef idx="minor">
-            <a:schemeClr val="lt1"/>
-          </a:fontRef>
-        </p:style>
-        <p:txBody>
-          <a:bodyPr rtlCol="0" anchor="ctr"/>
-          <a:lstStyle/>
-          <a:p>
-            <a:pPr algn="ctr"/>
-            <a:endParaRPr kumimoji="1" lang="ja-JP" altLang="en-US"/>
-          </a:p>
-        </p:txBody>
-      </p:sp>
-      <p:sp>
-        <p:nvSpPr>
-          <p:cNvPr id="14" name="正方形/長方形 13">
-            <a:extLst>
-              <a:ext uri="{FF2B5EF4-FFF2-40B4-BE49-F238E27FC236}">
-                <a16:creationId xmlns:a16="http://schemas.microsoft.com/office/drawing/2014/main" id="{D6259E2C-14F8-35D3-D93D-802C3B24B013}"/>
-              </a:ext>
-            </a:extLst>
-          </p:cNvPr>
-          <p:cNvSpPr/>
-          <p:nvPr/>
-        </p:nvSpPr>
-        <p:spPr>
-          <a:xfrm>
-            <a:off x="10256363" y="5124453"/>
-            <a:ext cx="1121791" cy="260674"/>
-          </a:xfrm>
-          <a:prstGeom prst="rect">
-            <a:avLst/>
-          </a:prstGeom>
-          <a:solidFill>
-            <a:schemeClr val="accent2">
-              <a:alpha val="50000"/>
-            </a:schemeClr>
-          </a:solidFill>
-        </p:spPr>
-        <p:style>
-          <a:lnRef idx="2">
-            <a:schemeClr val="accent2">
-              <a:shade val="15000"/>
-            </a:schemeClr>
-          </a:lnRef>
-          <a:fillRef idx="1">
-            <a:schemeClr val="accent2"/>
-          </a:fillRef>
-          <a:effectRef idx="0">
-            <a:schemeClr val="accent2"/>
-          </a:effectRef>
-          <a:fontRef idx="minor">
-            <a:schemeClr val="lt1"/>
-          </a:fontRef>
-        </p:style>
-        <p:txBody>
-          <a:bodyPr rtlCol="0" anchor="ctr"/>
-          <a:lstStyle/>
-          <a:p>
-            <a:pPr algn="ctr"/>
-            <a:endParaRPr kumimoji="1" lang="ja-JP" altLang="en-US"/>
-          </a:p>
-        </p:txBody>
-      </p:sp>
-      <p:sp>
-        <p:nvSpPr>
-          <p:cNvPr id="15" name="テキスト ボックス 14">
-            <a:extLst>
-              <a:ext uri="{FF2B5EF4-FFF2-40B4-BE49-F238E27FC236}">
-                <a16:creationId xmlns:a16="http://schemas.microsoft.com/office/drawing/2014/main" id="{75F1AF36-A0D3-5611-D0C0-845F7A65E385}"/>
-              </a:ext>
-            </a:extLst>
-          </p:cNvPr>
-          <p:cNvSpPr txBox="1"/>
-          <p:nvPr/>
-        </p:nvSpPr>
-        <p:spPr>
-          <a:xfrm>
-            <a:off x="1762814" y="1061062"/>
-            <a:ext cx="414779" cy="305234"/>
-          </a:xfrm>
-          <a:prstGeom prst="rect">
-            <a:avLst/>
-          </a:prstGeom>
-          <a:noFill/>
-        </p:spPr>
-        <p:txBody>
-          <a:bodyPr wrap="square" rtlCol="0">
-            <a:spAutoFit/>
-          </a:bodyPr>
-          <a:lstStyle/>
-          <a:p>
-            <a:r>
-              <a:rPr lang="en-US" altLang="ja-JP" dirty="0"/>
-              <a:t>③</a:t>
-            </a:r>
-            <a:endParaRPr kumimoji="1" lang="ja-JP" altLang="en-US"/>
-          </a:p>
-        </p:txBody>
-      </p:sp>
-      <p:sp>
-        <p:nvSpPr>
-          <p:cNvPr id="16" name="テキスト ボックス 15">
-            <a:extLst>
-              <a:ext uri="{FF2B5EF4-FFF2-40B4-BE49-F238E27FC236}">
-                <a16:creationId xmlns:a16="http://schemas.microsoft.com/office/drawing/2014/main" id="{A07B7557-DC94-B5AF-2628-6CEC0664BD79}"/>
-              </a:ext>
-            </a:extLst>
-          </p:cNvPr>
-          <p:cNvSpPr txBox="1"/>
-          <p:nvPr/>
-        </p:nvSpPr>
-        <p:spPr>
-          <a:xfrm>
-            <a:off x="3493985" y="1367129"/>
-            <a:ext cx="414779" cy="369332"/>
-          </a:xfrm>
-          <a:prstGeom prst="rect">
-            <a:avLst/>
-          </a:prstGeom>
-          <a:noFill/>
-        </p:spPr>
-        <p:txBody>
-          <a:bodyPr wrap="square" rtlCol="0">
-            <a:spAutoFit/>
-          </a:bodyPr>
-          <a:lstStyle/>
-          <a:p>
-            <a:r>
-              <a:rPr kumimoji="1" lang="ja-JP" altLang="en-US"/>
-              <a:t>④</a:t>
-            </a:r>
-          </a:p>
-        </p:txBody>
-      </p:sp>
-      <p:sp>
-        <p:nvSpPr>
-          <p:cNvPr id="17" name="テキスト ボックス 16">
-            <a:extLst>
-              <a:ext uri="{FF2B5EF4-FFF2-40B4-BE49-F238E27FC236}">
-                <a16:creationId xmlns:a16="http://schemas.microsoft.com/office/drawing/2014/main" id="{5C2CDE54-DD12-4961-4AAF-4CEF6E9ED2C9}"/>
-              </a:ext>
-            </a:extLst>
-          </p:cNvPr>
-          <p:cNvSpPr txBox="1"/>
-          <p:nvPr/>
-        </p:nvSpPr>
-        <p:spPr>
-          <a:xfrm>
-            <a:off x="3493985" y="1632712"/>
-            <a:ext cx="414779" cy="369332"/>
-          </a:xfrm>
-          <a:prstGeom prst="rect">
-            <a:avLst/>
-          </a:prstGeom>
-          <a:noFill/>
-        </p:spPr>
-        <p:txBody>
-          <a:bodyPr wrap="square" rtlCol="0">
-            <a:spAutoFit/>
-          </a:bodyPr>
-          <a:lstStyle/>
-          <a:p>
-            <a:r>
-              <a:rPr kumimoji="1" lang="en-US" altLang="ja-JP" dirty="0"/>
-              <a:t>⑤</a:t>
-            </a:r>
-            <a:endParaRPr kumimoji="1" lang="ja-JP" altLang="en-US"/>
-          </a:p>
-        </p:txBody>
-      </p:sp>
-      <p:sp>
-        <p:nvSpPr>
-          <p:cNvPr id="18" name="テキスト ボックス 17">
-            <a:extLst>
-              <a:ext uri="{FF2B5EF4-FFF2-40B4-BE49-F238E27FC236}">
-                <a16:creationId xmlns:a16="http://schemas.microsoft.com/office/drawing/2014/main" id="{B4F253DA-EAAE-BCDF-CD9D-8423F535D624}"/>
-              </a:ext>
-            </a:extLst>
-          </p:cNvPr>
-          <p:cNvSpPr txBox="1"/>
-          <p:nvPr/>
-        </p:nvSpPr>
-        <p:spPr>
-          <a:xfrm>
-            <a:off x="3493985" y="1897969"/>
-            <a:ext cx="414779" cy="369332"/>
-          </a:xfrm>
-          <a:prstGeom prst="rect">
-            <a:avLst/>
-          </a:prstGeom>
-          <a:noFill/>
-        </p:spPr>
-        <p:txBody>
-          <a:bodyPr wrap="square" rtlCol="0">
-            <a:spAutoFit/>
-          </a:bodyPr>
-          <a:lstStyle/>
-          <a:p>
-            <a:r>
-              <a:rPr kumimoji="1" lang="en-US" altLang="ja-JP" dirty="0"/>
-              <a:t>⑥</a:t>
-            </a:r>
-            <a:endParaRPr kumimoji="1" lang="ja-JP" altLang="en-US"/>
-          </a:p>
-        </p:txBody>
-      </p:sp>
-      <p:sp>
-        <p:nvSpPr>
-          <p:cNvPr id="19" name="テキスト ボックス 18">
-            <a:extLst>
-              <a:ext uri="{FF2B5EF4-FFF2-40B4-BE49-F238E27FC236}">
-                <a16:creationId xmlns:a16="http://schemas.microsoft.com/office/drawing/2014/main" id="{F1B82F31-3AF4-2E34-B9E3-FCFB986ABE20}"/>
-              </a:ext>
-            </a:extLst>
-          </p:cNvPr>
-          <p:cNvSpPr txBox="1"/>
-          <p:nvPr/>
-        </p:nvSpPr>
-        <p:spPr>
-          <a:xfrm>
-            <a:off x="3079206" y="2404009"/>
-            <a:ext cx="414779" cy="369332"/>
-          </a:xfrm>
-          <a:prstGeom prst="rect">
-            <a:avLst/>
-          </a:prstGeom>
-          <a:noFill/>
-        </p:spPr>
-        <p:txBody>
-          <a:bodyPr wrap="square" rtlCol="0">
-            <a:spAutoFit/>
-          </a:bodyPr>
-          <a:lstStyle/>
-          <a:p>
-            <a:r>
-              <a:rPr kumimoji="1" lang="en-US" altLang="ja-JP" dirty="0"/>
-              <a:t>⑦</a:t>
-            </a:r>
-            <a:endParaRPr kumimoji="1" lang="ja-JP" altLang="en-US"/>
-          </a:p>
-        </p:txBody>
-      </p:sp>
-      <p:sp>
-        <p:nvSpPr>
-          <p:cNvPr id="20" name="テキスト ボックス 19">
-            <a:extLst>
-              <a:ext uri="{FF2B5EF4-FFF2-40B4-BE49-F238E27FC236}">
-                <a16:creationId xmlns:a16="http://schemas.microsoft.com/office/drawing/2014/main" id="{F1190591-83A3-0C4E-D80E-4B3CE5197BCA}"/>
-              </a:ext>
-            </a:extLst>
-          </p:cNvPr>
-          <p:cNvSpPr txBox="1"/>
-          <p:nvPr/>
-        </p:nvSpPr>
-        <p:spPr>
-          <a:xfrm>
-            <a:off x="10256363" y="5102173"/>
-            <a:ext cx="414779" cy="369332"/>
-          </a:xfrm>
-          <a:prstGeom prst="rect">
-            <a:avLst/>
-          </a:prstGeom>
-          <a:noFill/>
-        </p:spPr>
-        <p:txBody>
-          <a:bodyPr wrap="square" rtlCol="0">
-            <a:spAutoFit/>
-          </a:bodyPr>
-          <a:lstStyle/>
-          <a:p>
-            <a:r>
-              <a:rPr kumimoji="1" lang="en-US" altLang="ja-JP" dirty="0"/>
-              <a:t>⑧</a:t>
-            </a:r>
-            <a:endParaRPr kumimoji="1" lang="ja-JP" altLang="en-US"/>
-          </a:p>
-        </p:txBody>
-      </p:sp>
     </p:spTree>
     <p:extLst>
       <p:ext uri="{BB962C8B-B14F-4D97-AF65-F5344CB8AC3E}">
-        <p14:creationId xmlns:p14="http://schemas.microsoft.com/office/powerpoint/2010/main" val="4036690311"/>
+        <p14:creationId xmlns:p14="http://schemas.microsoft.com/office/powerpoint/2010/main" val="1386079753"/>
       </p:ext>
     </p:extLst>
   </p:cSld>
@@ -7940,10 +8533,10 @@
       </p:grpSpPr>
       <p:pic>
         <p:nvPicPr>
-          <p:cNvPr id="5" name="図 4" descr="グラフィカル ユーザー インターフェイス, アプリケーション&#10;&#10;自動的に生成された説明">
-            <a:extLst>
-              <a:ext uri="{FF2B5EF4-FFF2-40B4-BE49-F238E27FC236}">
-                <a16:creationId xmlns:a16="http://schemas.microsoft.com/office/drawing/2014/main" id="{DADC9B33-2202-B769-8BBE-E519C492345A}"/>
+          <p:cNvPr id="3" name="図 2" descr="グラフィカル ユーザー インターフェイス, テキスト, アプリケーション&#10;&#10;自動的に生成された説明">
+            <a:extLst>
+              <a:ext uri="{FF2B5EF4-FFF2-40B4-BE49-F238E27FC236}">
+                <a16:creationId xmlns:a16="http://schemas.microsoft.com/office/drawing/2014/main" id="{30C81727-C465-86B3-A348-9B7DDA85F04A}"/>
               </a:ext>
             </a:extLst>
           </p:cNvPr>
@@ -7953,15 +8546,15 @@
           <p:nvPr/>
         </p:nvPicPr>
         <p:blipFill>
-          <a:blip r:embed="rId2"/>
+          <a:blip r:embed="rId3"/>
           <a:stretch>
             <a:fillRect/>
           </a:stretch>
         </p:blipFill>
         <p:spPr>
           <a:xfrm>
-            <a:off x="0" y="0"/>
-            <a:ext cx="12191152" cy="5184742"/>
+            <a:off x="849013" y="36365"/>
+            <a:ext cx="9101165" cy="6799176"/>
           </a:xfrm>
           <a:prstGeom prst="rect">
             <a:avLst/>
@@ -7973,7 +8566,7 @@
           <p:cNvPr id="6" name="正方形/長方形 5">
             <a:extLst>
               <a:ext uri="{FF2B5EF4-FFF2-40B4-BE49-F238E27FC236}">
-                <a16:creationId xmlns:a16="http://schemas.microsoft.com/office/drawing/2014/main" id="{F1B49D37-032A-A92C-C00D-677B660B15B6}"/>
+                <a16:creationId xmlns:a16="http://schemas.microsoft.com/office/drawing/2014/main" id="{6E3021AF-E6FC-BEFC-9327-383AC610A4CE}"/>
               </a:ext>
             </a:extLst>
           </p:cNvPr>
@@ -7982,8 +8575,8 @@
         </p:nvSpPr>
         <p:spPr>
           <a:xfrm>
-            <a:off x="174613" y="1131786"/>
-            <a:ext cx="3861627" cy="236976"/>
+            <a:off x="1152653" y="1186770"/>
+            <a:ext cx="4840107" cy="337229"/>
           </a:xfrm>
           <a:prstGeom prst="rect">
             <a:avLst/>
@@ -8014,7 +8607,7 @@
           <a:bodyPr rtlCol="0" anchor="ctr"/>
           <a:lstStyle/>
           <a:p>
-            <a:pPr algn="ctr"/>
+            <a:pPr algn="dist"/>
             <a:endParaRPr kumimoji="1" lang="ja-JP" altLang="en-US"/>
           </a:p>
         </p:txBody>
@@ -8024,7 +8617,7 @@
           <p:cNvPr id="7" name="正方形/長方形 6">
             <a:extLst>
               <a:ext uri="{FF2B5EF4-FFF2-40B4-BE49-F238E27FC236}">
-                <a16:creationId xmlns:a16="http://schemas.microsoft.com/office/drawing/2014/main" id="{130841D9-3CCB-E903-7202-C7A6E99D0EDE}"/>
+                <a16:creationId xmlns:a16="http://schemas.microsoft.com/office/drawing/2014/main" id="{2E85DF63-3314-4542-F854-CF3A139E85AC}"/>
               </a:ext>
             </a:extLst>
           </p:cNvPr>
@@ -8033,8 +8626,8 @@
         </p:nvSpPr>
         <p:spPr>
           <a:xfrm>
-            <a:off x="174613" y="1680113"/>
-            <a:ext cx="3861627" cy="236976"/>
+            <a:off x="1152653" y="1737377"/>
+            <a:ext cx="4840107" cy="337229"/>
           </a:xfrm>
           <a:prstGeom prst="rect">
             <a:avLst/>
@@ -8065,7 +8658,7 @@
           <a:bodyPr rtlCol="0" anchor="ctr"/>
           <a:lstStyle/>
           <a:p>
-            <a:pPr algn="ctr"/>
+            <a:pPr algn="dist"/>
             <a:endParaRPr kumimoji="1" lang="ja-JP" altLang="en-US"/>
           </a:p>
         </p:txBody>
@@ -8075,7 +8668,7 @@
           <p:cNvPr id="8" name="正方形/長方形 7">
             <a:extLst>
               <a:ext uri="{FF2B5EF4-FFF2-40B4-BE49-F238E27FC236}">
-                <a16:creationId xmlns:a16="http://schemas.microsoft.com/office/drawing/2014/main" id="{71E75316-C40E-C361-1338-3E0FA31BE26E}"/>
+                <a16:creationId xmlns:a16="http://schemas.microsoft.com/office/drawing/2014/main" id="{6C2BADCC-089D-97C6-C379-A7B8D39B557B}"/>
               </a:ext>
             </a:extLst>
           </p:cNvPr>
@@ -8084,8 +8677,8 @@
         </p:nvSpPr>
         <p:spPr>
           <a:xfrm>
-            <a:off x="10341206" y="4766237"/>
-            <a:ext cx="1121791" cy="260674"/>
+            <a:off x="1152652" y="2109537"/>
+            <a:ext cx="4840107" cy="240373"/>
           </a:xfrm>
           <a:prstGeom prst="rect">
             <a:avLst/>
@@ -8116,17 +8709,170 @@
           <a:bodyPr rtlCol="0" anchor="ctr"/>
           <a:lstStyle/>
           <a:p>
-            <a:pPr algn="ctr"/>
+            <a:pPr algn="dist"/>
             <a:endParaRPr kumimoji="1" lang="ja-JP" altLang="en-US"/>
           </a:p>
         </p:txBody>
       </p:sp>
       <p:sp>
         <p:nvSpPr>
-          <p:cNvPr id="9" name="テキスト ボックス 8">
-            <a:extLst>
-              <a:ext uri="{FF2B5EF4-FFF2-40B4-BE49-F238E27FC236}">
-                <a16:creationId xmlns:a16="http://schemas.microsoft.com/office/drawing/2014/main" id="{6D645027-7454-069C-BEC1-0CCA5DE29873}"/>
+          <p:cNvPr id="12" name="正方形/長方形 11">
+            <a:extLst>
+              <a:ext uri="{FF2B5EF4-FFF2-40B4-BE49-F238E27FC236}">
+                <a16:creationId xmlns:a16="http://schemas.microsoft.com/office/drawing/2014/main" id="{68D34B7A-119B-0F02-5105-8B74F5A7ACD6}"/>
+              </a:ext>
+            </a:extLst>
+          </p:cNvPr>
+          <p:cNvSpPr/>
+          <p:nvPr/>
+        </p:nvSpPr>
+        <p:spPr>
+          <a:xfrm>
+            <a:off x="1152651" y="2400451"/>
+            <a:ext cx="4840107" cy="240373"/>
+          </a:xfrm>
+          <a:prstGeom prst="rect">
+            <a:avLst/>
+          </a:prstGeom>
+          <a:solidFill>
+            <a:schemeClr val="accent2">
+              <a:alpha val="50000"/>
+            </a:schemeClr>
+          </a:solidFill>
+        </p:spPr>
+        <p:style>
+          <a:lnRef idx="2">
+            <a:schemeClr val="accent2">
+              <a:shade val="15000"/>
+            </a:schemeClr>
+          </a:lnRef>
+          <a:fillRef idx="1">
+            <a:schemeClr val="accent2"/>
+          </a:fillRef>
+          <a:effectRef idx="0">
+            <a:schemeClr val="accent2"/>
+          </a:effectRef>
+          <a:fontRef idx="minor">
+            <a:schemeClr val="lt1"/>
+          </a:fontRef>
+        </p:style>
+        <p:txBody>
+          <a:bodyPr rtlCol="0" anchor="ctr"/>
+          <a:lstStyle/>
+          <a:p>
+            <a:pPr algn="dist"/>
+            <a:endParaRPr kumimoji="1" lang="ja-JP" altLang="en-US"/>
+          </a:p>
+        </p:txBody>
+      </p:sp>
+      <p:sp>
+        <p:nvSpPr>
+          <p:cNvPr id="13" name="正方形/長方形 12">
+            <a:extLst>
+              <a:ext uri="{FF2B5EF4-FFF2-40B4-BE49-F238E27FC236}">
+                <a16:creationId xmlns:a16="http://schemas.microsoft.com/office/drawing/2014/main" id="{594EB2FC-9EC6-FBC8-EEBE-13A5CF31A14A}"/>
+              </a:ext>
+            </a:extLst>
+          </p:cNvPr>
+          <p:cNvSpPr/>
+          <p:nvPr/>
+        </p:nvSpPr>
+        <p:spPr>
+          <a:xfrm>
+            <a:off x="1152652" y="3207043"/>
+            <a:ext cx="4840107" cy="240373"/>
+          </a:xfrm>
+          <a:prstGeom prst="rect">
+            <a:avLst/>
+          </a:prstGeom>
+          <a:solidFill>
+            <a:schemeClr val="accent2">
+              <a:alpha val="50000"/>
+            </a:schemeClr>
+          </a:solidFill>
+        </p:spPr>
+        <p:style>
+          <a:lnRef idx="2">
+            <a:schemeClr val="accent2">
+              <a:shade val="15000"/>
+            </a:schemeClr>
+          </a:lnRef>
+          <a:fillRef idx="1">
+            <a:schemeClr val="accent2"/>
+          </a:fillRef>
+          <a:effectRef idx="0">
+            <a:schemeClr val="accent2"/>
+          </a:effectRef>
+          <a:fontRef idx="minor">
+            <a:schemeClr val="lt1"/>
+          </a:fontRef>
+        </p:style>
+        <p:txBody>
+          <a:bodyPr rtlCol="0" anchor="ctr"/>
+          <a:lstStyle/>
+          <a:p>
+            <a:pPr algn="dist"/>
+            <a:endParaRPr kumimoji="1" lang="ja-JP" altLang="en-US"/>
+          </a:p>
+        </p:txBody>
+      </p:sp>
+      <p:sp>
+        <p:nvSpPr>
+          <p:cNvPr id="14" name="正方形/長方形 13">
+            <a:extLst>
+              <a:ext uri="{FF2B5EF4-FFF2-40B4-BE49-F238E27FC236}">
+                <a16:creationId xmlns:a16="http://schemas.microsoft.com/office/drawing/2014/main" id="{EF856AB5-65AB-42FE-9124-568787215397}"/>
+              </a:ext>
+            </a:extLst>
+          </p:cNvPr>
+          <p:cNvSpPr/>
+          <p:nvPr/>
+        </p:nvSpPr>
+        <p:spPr>
+          <a:xfrm>
+            <a:off x="1152651" y="2683560"/>
+            <a:ext cx="4840107" cy="240373"/>
+          </a:xfrm>
+          <a:prstGeom prst="rect">
+            <a:avLst/>
+          </a:prstGeom>
+          <a:solidFill>
+            <a:schemeClr val="accent2">
+              <a:alpha val="50000"/>
+            </a:schemeClr>
+          </a:solidFill>
+        </p:spPr>
+        <p:style>
+          <a:lnRef idx="2">
+            <a:schemeClr val="accent2">
+              <a:shade val="15000"/>
+            </a:schemeClr>
+          </a:lnRef>
+          <a:fillRef idx="1">
+            <a:schemeClr val="accent2"/>
+          </a:fillRef>
+          <a:effectRef idx="0">
+            <a:schemeClr val="accent2"/>
+          </a:effectRef>
+          <a:fontRef idx="minor">
+            <a:schemeClr val="lt1"/>
+          </a:fontRef>
+        </p:style>
+        <p:txBody>
+          <a:bodyPr rtlCol="0" anchor="ctr"/>
+          <a:lstStyle/>
+          <a:p>
+            <a:pPr algn="dist"/>
+            <a:endParaRPr kumimoji="1" lang="ja-JP" altLang="en-US"/>
+          </a:p>
+        </p:txBody>
+      </p:sp>
+      <p:sp>
+        <p:nvSpPr>
+          <p:cNvPr id="15" name="テキスト ボックス 14">
+            <a:extLst>
+              <a:ext uri="{FF2B5EF4-FFF2-40B4-BE49-F238E27FC236}">
+                <a16:creationId xmlns:a16="http://schemas.microsoft.com/office/drawing/2014/main" id="{4F009911-ECD6-B5D2-B345-18CE5B971E9F}"/>
               </a:ext>
             </a:extLst>
           </p:cNvPr>
@@ -8135,8 +8881,8 @@
         </p:nvSpPr>
         <p:spPr>
           <a:xfrm>
-            <a:off x="1762814" y="1089343"/>
-            <a:ext cx="414779" cy="305234"/>
+            <a:off x="3202820" y="1170718"/>
+            <a:ext cx="369884" cy="369332"/>
           </a:xfrm>
           <a:prstGeom prst="rect">
             <a:avLst/>
@@ -8150,19 +8896,25 @@
           <a:lstStyle/>
           <a:p>
             <a:r>
-              <a:rPr lang="en-US" altLang="ja-JP" dirty="0"/>
+              <a:rPr lang="ja-JP" altLang="en-US" dirty="0">
+                <a:latin typeface="ＭＳ Ｐゴシック" panose="020B0600070205080204" pitchFamily="50" charset="-128"/>
+                <a:ea typeface="ＭＳ Ｐゴシック" panose="020B0600070205080204" pitchFamily="50" charset="-128"/>
+              </a:rPr>
               <a:t>③</a:t>
             </a:r>
-            <a:endParaRPr kumimoji="1" lang="ja-JP" altLang="en-US"/>
-          </a:p>
-        </p:txBody>
-      </p:sp>
-      <p:sp>
-        <p:nvSpPr>
-          <p:cNvPr id="10" name="テキスト ボックス 9">
-            <a:extLst>
-              <a:ext uri="{FF2B5EF4-FFF2-40B4-BE49-F238E27FC236}">
-                <a16:creationId xmlns:a16="http://schemas.microsoft.com/office/drawing/2014/main" id="{A486561B-49B9-F57B-E97E-E1113E349628}"/>
+            <a:endParaRPr kumimoji="1" lang="ja-JP" altLang="en-US" dirty="0">
+              <a:latin typeface="ＭＳ Ｐゴシック" panose="020B0600070205080204" pitchFamily="50" charset="-128"/>
+              <a:ea typeface="ＭＳ Ｐゴシック" panose="020B0600070205080204" pitchFamily="50" charset="-128"/>
+            </a:endParaRPr>
+          </a:p>
+        </p:txBody>
+      </p:sp>
+      <p:sp>
+        <p:nvSpPr>
+          <p:cNvPr id="17" name="テキスト ボックス 16">
+            <a:extLst>
+              <a:ext uri="{FF2B5EF4-FFF2-40B4-BE49-F238E27FC236}">
+                <a16:creationId xmlns:a16="http://schemas.microsoft.com/office/drawing/2014/main" id="{EDEFBA7C-6343-2F9D-AE6A-4ED14B18A1AD}"/>
               </a:ext>
             </a:extLst>
           </p:cNvPr>
@@ -8171,8 +8923,8 @@
         </p:nvSpPr>
         <p:spPr>
           <a:xfrm>
-            <a:off x="3357514" y="1637668"/>
-            <a:ext cx="414779" cy="369332"/>
+            <a:off x="5321671" y="1717473"/>
+            <a:ext cx="369884" cy="369332"/>
           </a:xfrm>
           <a:prstGeom prst="rect">
             <a:avLst/>
@@ -8185,20 +8937,23 @@
           </a:bodyPr>
           <a:lstStyle/>
           <a:p>
-            <a:r>
-              <a:rPr kumimoji="1" lang="ja-JP" altLang="en-US"/>
+            <a:pPr algn="just"/>
+            <a:r>
+              <a:rPr kumimoji="1" lang="ja-JP" altLang="en-US" dirty="0">
+                <a:latin typeface="ＭＳ Ｐゴシック" panose="020B0600070205080204" pitchFamily="50" charset="-128"/>
+                <a:ea typeface="ＭＳ Ｐゴシック" panose="020B0600070205080204" pitchFamily="50" charset="-128"/>
+              </a:rPr>
               <a:t>④</a:t>
             </a:r>
-            <a:endParaRPr kumimoji="1" lang="en-US" altLang="ja-JP" dirty="0"/>
-          </a:p>
-        </p:txBody>
-      </p:sp>
-      <p:sp>
-        <p:nvSpPr>
-          <p:cNvPr id="11" name="テキスト ボックス 10">
-            <a:extLst>
-              <a:ext uri="{FF2B5EF4-FFF2-40B4-BE49-F238E27FC236}">
-                <a16:creationId xmlns:a16="http://schemas.microsoft.com/office/drawing/2014/main" id="{86C42038-7486-C79F-7D54-CBAF55E3046F}"/>
+          </a:p>
+        </p:txBody>
+      </p:sp>
+      <p:sp>
+        <p:nvSpPr>
+          <p:cNvPr id="18" name="テキスト ボックス 17">
+            <a:extLst>
+              <a:ext uri="{FF2B5EF4-FFF2-40B4-BE49-F238E27FC236}">
+                <a16:creationId xmlns:a16="http://schemas.microsoft.com/office/drawing/2014/main" id="{37415028-24EF-CE2E-27DB-DA95AA4BD843}"/>
               </a:ext>
             </a:extLst>
           </p:cNvPr>
@@ -8207,8 +8962,8 @@
         </p:nvSpPr>
         <p:spPr>
           <a:xfrm>
-            <a:off x="10419761" y="4743957"/>
-            <a:ext cx="414779" cy="369332"/>
+            <a:off x="5321671" y="2033199"/>
+            <a:ext cx="369884" cy="369332"/>
           </a:xfrm>
           <a:prstGeom prst="rect">
             <a:avLst/>
@@ -8222,17 +8977,226 @@
           <a:lstStyle/>
           <a:p>
             <a:r>
-              <a:rPr lang="en-US" altLang="ja-JP" dirty="0"/>
+              <a:rPr kumimoji="1" lang="ja-JP" altLang="en-US" dirty="0">
+                <a:latin typeface="ＭＳ Ｐゴシック" panose="020B0600070205080204" pitchFamily="50" charset="-128"/>
+                <a:ea typeface="ＭＳ Ｐゴシック" panose="020B0600070205080204" pitchFamily="50" charset="-128"/>
+              </a:rPr>
               <a:t>⑤</a:t>
             </a:r>
+          </a:p>
+        </p:txBody>
+      </p:sp>
+      <p:sp>
+        <p:nvSpPr>
+          <p:cNvPr id="19" name="テキスト ボックス 18">
+            <a:extLst>
+              <a:ext uri="{FF2B5EF4-FFF2-40B4-BE49-F238E27FC236}">
+                <a16:creationId xmlns:a16="http://schemas.microsoft.com/office/drawing/2014/main" id="{B2A0B540-A178-D546-A7E2-3D9BCB4D3D00}"/>
+              </a:ext>
+            </a:extLst>
+          </p:cNvPr>
+          <p:cNvSpPr txBox="1"/>
+          <p:nvPr/>
+        </p:nvSpPr>
+        <p:spPr>
+          <a:xfrm>
+            <a:off x="5321671" y="2613474"/>
+            <a:ext cx="369884" cy="369332"/>
+          </a:xfrm>
+          <a:prstGeom prst="rect">
+            <a:avLst/>
+          </a:prstGeom>
+          <a:noFill/>
+        </p:spPr>
+        <p:txBody>
+          <a:bodyPr wrap="square" rtlCol="0">
+            <a:spAutoFit/>
+          </a:bodyPr>
+          <a:lstStyle/>
+          <a:p>
+            <a:r>
+              <a:rPr kumimoji="1" lang="ja-JP" altLang="en-US" dirty="0">
+                <a:latin typeface="ＭＳ Ｐゴシック" panose="020B0600070205080204" pitchFamily="50" charset="-128"/>
+                <a:ea typeface="ＭＳ Ｐゴシック" panose="020B0600070205080204" pitchFamily="50" charset="-128"/>
+              </a:rPr>
+              <a:t>⑦</a:t>
+            </a:r>
+          </a:p>
+        </p:txBody>
+      </p:sp>
+      <p:sp>
+        <p:nvSpPr>
+          <p:cNvPr id="20" name="テキスト ボックス 19">
+            <a:extLst>
+              <a:ext uri="{FF2B5EF4-FFF2-40B4-BE49-F238E27FC236}">
+                <a16:creationId xmlns:a16="http://schemas.microsoft.com/office/drawing/2014/main" id="{C6208C0C-E2CD-3641-8299-1A96083C538A}"/>
+              </a:ext>
+            </a:extLst>
+          </p:cNvPr>
+          <p:cNvSpPr txBox="1"/>
+          <p:nvPr/>
+        </p:nvSpPr>
+        <p:spPr>
+          <a:xfrm>
+            <a:off x="5031620" y="3140117"/>
+            <a:ext cx="369884" cy="369332"/>
+          </a:xfrm>
+          <a:prstGeom prst="rect">
+            <a:avLst/>
+          </a:prstGeom>
+          <a:noFill/>
+        </p:spPr>
+        <p:txBody>
+          <a:bodyPr wrap="square" rtlCol="0">
+            <a:spAutoFit/>
+          </a:bodyPr>
+          <a:lstStyle/>
+          <a:p>
+            <a:r>
+              <a:rPr kumimoji="1" lang="ja-JP" altLang="en-US" dirty="0">
+                <a:latin typeface="ＭＳ Ｐゴシック" panose="020B0600070205080204" pitchFamily="50" charset="-128"/>
+                <a:ea typeface="ＭＳ Ｐゴシック" panose="020B0600070205080204" pitchFamily="50" charset="-128"/>
+              </a:rPr>
+              <a:t>⑧</a:t>
+            </a:r>
+          </a:p>
+        </p:txBody>
+      </p:sp>
+      <p:sp>
+        <p:nvSpPr>
+          <p:cNvPr id="21" name="テキスト ボックス 20">
+            <a:extLst>
+              <a:ext uri="{FF2B5EF4-FFF2-40B4-BE49-F238E27FC236}">
+                <a16:creationId xmlns:a16="http://schemas.microsoft.com/office/drawing/2014/main" id="{C38EF2D8-7A12-5DA8-7495-000939E4BE1D}"/>
+              </a:ext>
+            </a:extLst>
+          </p:cNvPr>
+          <p:cNvSpPr txBox="1"/>
+          <p:nvPr/>
+        </p:nvSpPr>
+        <p:spPr>
+          <a:xfrm>
+            <a:off x="5321671" y="2326141"/>
+            <a:ext cx="369884" cy="369332"/>
+          </a:xfrm>
+          <a:prstGeom prst="rect">
+            <a:avLst/>
+          </a:prstGeom>
+          <a:noFill/>
+        </p:spPr>
+        <p:txBody>
+          <a:bodyPr wrap="square" rtlCol="0">
+            <a:spAutoFit/>
+          </a:bodyPr>
+          <a:lstStyle/>
+          <a:p>
+            <a:r>
+              <a:rPr kumimoji="1" lang="ja-JP" altLang="en-US" dirty="0">
+                <a:latin typeface="ＭＳ Ｐゴシック" panose="020B0600070205080204" pitchFamily="50" charset="-128"/>
+                <a:ea typeface="ＭＳ Ｐゴシック" panose="020B0600070205080204" pitchFamily="50" charset="-128"/>
+              </a:rPr>
+              <a:t>⑥</a:t>
+            </a:r>
+          </a:p>
+        </p:txBody>
+      </p:sp>
+      <p:sp>
+        <p:nvSpPr>
+          <p:cNvPr id="4" name="正方形/長方形 3">
+            <a:extLst>
+              <a:ext uri="{FF2B5EF4-FFF2-40B4-BE49-F238E27FC236}">
+                <a16:creationId xmlns:a16="http://schemas.microsoft.com/office/drawing/2014/main" id="{91F57562-0E6A-3400-A72B-261F3362D3E9}"/>
+              </a:ext>
+            </a:extLst>
+          </p:cNvPr>
+          <p:cNvSpPr/>
+          <p:nvPr/>
+        </p:nvSpPr>
+        <p:spPr>
+          <a:xfrm>
+            <a:off x="6557029" y="6332392"/>
+            <a:ext cx="2115366" cy="240373"/>
+          </a:xfrm>
+          <a:prstGeom prst="rect">
+            <a:avLst/>
+          </a:prstGeom>
+          <a:solidFill>
+            <a:schemeClr val="accent2">
+              <a:alpha val="50000"/>
+            </a:schemeClr>
+          </a:solidFill>
+        </p:spPr>
+        <p:style>
+          <a:lnRef idx="2">
+            <a:schemeClr val="accent2">
+              <a:shade val="15000"/>
+            </a:schemeClr>
+          </a:lnRef>
+          <a:fillRef idx="1">
+            <a:schemeClr val="accent2"/>
+          </a:fillRef>
+          <a:effectRef idx="0">
+            <a:schemeClr val="accent2"/>
+          </a:effectRef>
+          <a:fontRef idx="minor">
+            <a:schemeClr val="lt1"/>
+          </a:fontRef>
+        </p:style>
+        <p:txBody>
+          <a:bodyPr rtlCol="0" anchor="ctr"/>
+          <a:lstStyle/>
+          <a:p>
+            <a:pPr algn="dist"/>
             <a:endParaRPr kumimoji="1" lang="ja-JP" altLang="en-US"/>
+          </a:p>
+        </p:txBody>
+      </p:sp>
+      <p:sp>
+        <p:nvSpPr>
+          <p:cNvPr id="9" name="テキスト ボックス 8">
+            <a:extLst>
+              <a:ext uri="{FF2B5EF4-FFF2-40B4-BE49-F238E27FC236}">
+                <a16:creationId xmlns:a16="http://schemas.microsoft.com/office/drawing/2014/main" id="{EF98EE14-38E5-D289-9A0B-2B96120554CA}"/>
+              </a:ext>
+            </a:extLst>
+          </p:cNvPr>
+          <p:cNvSpPr txBox="1"/>
+          <p:nvPr/>
+        </p:nvSpPr>
+        <p:spPr>
+          <a:xfrm>
+            <a:off x="6930111" y="6263317"/>
+            <a:ext cx="369884" cy="369332"/>
+          </a:xfrm>
+          <a:prstGeom prst="rect">
+            <a:avLst/>
+          </a:prstGeom>
+          <a:noFill/>
+        </p:spPr>
+        <p:txBody>
+          <a:bodyPr wrap="square" rtlCol="0">
+            <a:spAutoFit/>
+          </a:bodyPr>
+          <a:lstStyle/>
+          <a:p>
+            <a:r>
+              <a:rPr lang="ja-JP" altLang="en-US" dirty="0">
+                <a:latin typeface="ＭＳ Ｐゴシック" panose="020B0600070205080204" pitchFamily="50" charset="-128"/>
+                <a:ea typeface="ＭＳ Ｐゴシック" panose="020B0600070205080204" pitchFamily="50" charset="-128"/>
+              </a:rPr>
+              <a:t>⑨</a:t>
+            </a:r>
+            <a:endParaRPr kumimoji="1" lang="ja-JP" altLang="en-US" dirty="0">
+              <a:latin typeface="ＭＳ Ｐゴシック" panose="020B0600070205080204" pitchFamily="50" charset="-128"/>
+              <a:ea typeface="ＭＳ Ｐゴシック" panose="020B0600070205080204" pitchFamily="50" charset="-128"/>
+            </a:endParaRPr>
           </a:p>
         </p:txBody>
       </p:sp>
     </p:spTree>
     <p:extLst>
       <p:ext uri="{BB962C8B-B14F-4D97-AF65-F5344CB8AC3E}">
-        <p14:creationId xmlns:p14="http://schemas.microsoft.com/office/powerpoint/2010/main" val="3937282397"/>
+        <p14:creationId xmlns:p14="http://schemas.microsoft.com/office/powerpoint/2010/main" val="3547129167"/>
       </p:ext>
     </p:extLst>
   </p:cSld>
@@ -8259,40 +9223,58 @@
           <a:chExt cx="0" cy="0"/>
         </a:xfrm>
       </p:grpSpPr>
-      <p:pic>
-        <p:nvPicPr>
-          <p:cNvPr id="5" name="図 4" descr="グラフィカル ユーザー インターフェイス, アプリケーション, Word&#10;&#10;自動的に生成された説明">
-            <a:extLst>
-              <a:ext uri="{FF2B5EF4-FFF2-40B4-BE49-F238E27FC236}">
-                <a16:creationId xmlns:a16="http://schemas.microsoft.com/office/drawing/2014/main" id="{29FBF5A6-6808-2AD2-7F95-7AE62F3DC296}"/>
-              </a:ext>
-            </a:extLst>
-          </p:cNvPr>
-          <p:cNvPicPr>
-            <a:picLocks noChangeAspect="1"/>
-          </p:cNvPicPr>
+      <p:sp>
+        <p:nvSpPr>
+          <p:cNvPr id="5" name="テキスト ボックス 4">
+            <a:extLst>
+              <a:ext uri="{FF2B5EF4-FFF2-40B4-BE49-F238E27FC236}">
+                <a16:creationId xmlns:a16="http://schemas.microsoft.com/office/drawing/2014/main" id="{0AE5B97D-D442-179E-AC8C-EC789F9110ED}"/>
+              </a:ext>
+            </a:extLst>
+          </p:cNvPr>
+          <p:cNvSpPr txBox="1"/>
           <p:nvPr/>
-        </p:nvPicPr>
-        <p:blipFill>
-          <a:blip r:embed="rId2"/>
-          <a:stretch>
-            <a:fillRect/>
-          </a:stretch>
-        </p:blipFill>
-        <p:spPr>
-          <a:xfrm>
-            <a:off x="-1" y="0"/>
-            <a:ext cx="12201687" cy="5184742"/>
-          </a:xfrm>
-          <a:prstGeom prst="rect">
-            <a:avLst/>
-          </a:prstGeom>
-        </p:spPr>
-      </p:pic>
+        </p:nvSpPr>
+        <p:spPr>
+          <a:xfrm>
+            <a:off x="3047617" y="3245482"/>
+            <a:ext cx="6095234" cy="369332"/>
+          </a:xfrm>
+          <a:prstGeom prst="rect">
+            <a:avLst/>
+          </a:prstGeom>
+          <a:noFill/>
+        </p:spPr>
+        <p:txBody>
+          <a:bodyPr wrap="square">
+            <a:spAutoFit/>
+          </a:bodyPr>
+          <a:lstStyle/>
+          <a:p>
+            <a:r>
+              <a:rPr lang="ja-JP" altLang="en-US" dirty="0"/>
+              <a:t>実行手順 </a:t>
+            </a:r>
+            <a:r>
+              <a:rPr lang="en-US" altLang="ja-JP" dirty="0"/>
+              <a:t>(PLATEAU </a:t>
+            </a:r>
+            <a:r>
+              <a:rPr lang="ja-JP" altLang="en-US" dirty="0"/>
+              <a:t>地形モデル</a:t>
+            </a:r>
+            <a:r>
+              <a:rPr lang="en-US" altLang="ja-JP" dirty="0"/>
+              <a:t>)</a:t>
+            </a:r>
+            <a:endParaRPr lang="ja-JP" altLang="en-US" dirty="0"/>
+          </a:p>
+        </p:txBody>
+      </p:sp>
     </p:spTree>
     <p:extLst>
       <p:ext uri="{BB962C8B-B14F-4D97-AF65-F5344CB8AC3E}">
-        <p14:creationId xmlns:p14="http://schemas.microsoft.com/office/powerpoint/2010/main" val="1367162684"/>
+        <p14:creationId xmlns:p14="http://schemas.microsoft.com/office/powerpoint/2010/main" val="2871365096"/>
       </p:ext>
     </p:extLst>
   </p:cSld>
@@ -8595,4 +9577,299 @@
     </a:ext>
   </a:extLst>
 </a:theme>
+</file>
+
+<file path=ppt/theme/theme2.xml><?xml version="1.0" encoding="utf-8"?>
+<a:theme xmlns:a="http://schemas.openxmlformats.org/drawingml/2006/main" name="Office テーマ">
+  <a:themeElements>
+    <a:clrScheme name="Office">
+      <a:dk1>
+        <a:sysClr val="windowText" lastClr="000000"/>
+      </a:dk1>
+      <a:lt1>
+        <a:sysClr val="window" lastClr="FFFFFF"/>
+      </a:lt1>
+      <a:dk2>
+        <a:srgbClr val="44546A"/>
+      </a:dk2>
+      <a:lt2>
+        <a:srgbClr val="E7E6E6"/>
+      </a:lt2>
+      <a:accent1>
+        <a:srgbClr val="4472C4"/>
+      </a:accent1>
+      <a:accent2>
+        <a:srgbClr val="ED7D31"/>
+      </a:accent2>
+      <a:accent3>
+        <a:srgbClr val="A5A5A5"/>
+      </a:accent3>
+      <a:accent4>
+        <a:srgbClr val="FFC000"/>
+      </a:accent4>
+      <a:accent5>
+        <a:srgbClr val="5B9BD5"/>
+      </a:accent5>
+      <a:accent6>
+        <a:srgbClr val="70AD47"/>
+      </a:accent6>
+      <a:hlink>
+        <a:srgbClr val="0563C1"/>
+      </a:hlink>
+      <a:folHlink>
+        <a:srgbClr val="954F72"/>
+      </a:folHlink>
+    </a:clrScheme>
+    <a:fontScheme name="Office">
+      <a:majorFont>
+        <a:latin typeface="游ゴシック Light" panose="020F0302020204030204"/>
+        <a:ea typeface=""/>
+        <a:cs typeface=""/>
+        <a:font script="Jpan" typeface="游ゴシック Light"/>
+        <a:font script="Hang" typeface="맑은 고딕"/>
+        <a:font script="Hans" typeface="等线 Light"/>
+        <a:font script="Hant" typeface="新細明體"/>
+        <a:font script="Arab" typeface="Times New Roman"/>
+        <a:font script="Hebr" typeface="Times New Roman"/>
+        <a:font script="Thai" typeface="Angsana New"/>
+        <a:font script="Ethi" typeface="Nyala"/>
+        <a:font script="Beng" typeface="Vrinda"/>
+        <a:font script="Gujr" typeface="Shruti"/>
+        <a:font script="Khmr" typeface="MoolBoran"/>
+        <a:font script="Knda" typeface="Tunga"/>
+        <a:font script="Guru" typeface="Raavi"/>
+        <a:font script="Cans" typeface="Euphemia"/>
+        <a:font script="Cher" typeface="Plantagenet Cherokee"/>
+        <a:font script="Yiii" typeface="Microsoft Yi Baiti"/>
+        <a:font script="Tibt" typeface="Microsoft Himalaya"/>
+        <a:font script="Thaa" typeface="MV Boli"/>
+        <a:font script="Deva" typeface="Mangal"/>
+        <a:font script="Telu" typeface="Gautami"/>
+        <a:font script="Taml" typeface="Latha"/>
+        <a:font script="Syrc" typeface="Estrangelo Edessa"/>
+        <a:font script="Orya" typeface="Kalinga"/>
+        <a:font script="Mlym" typeface="Kartika"/>
+        <a:font script="Laoo" typeface="DokChampa"/>
+        <a:font script="Sinh" typeface="Iskoola Pota"/>
+        <a:font script="Mong" typeface="Mongolian Baiti"/>
+        <a:font script="Viet" typeface="Times New Roman"/>
+        <a:font script="Uigh" typeface="Microsoft Uighur"/>
+        <a:font script="Geor" typeface="Sylfaen"/>
+        <a:font script="Armn" typeface="Arial"/>
+        <a:font script="Bugi" typeface="Leelawadee UI"/>
+        <a:font script="Bopo" typeface="Microsoft JhengHei"/>
+        <a:font script="Java" typeface="Javanese Text"/>
+        <a:font script="Lisu" typeface="Segoe UI"/>
+        <a:font script="Mymr" typeface="Myanmar Text"/>
+        <a:font script="Nkoo" typeface="Ebrima"/>
+        <a:font script="Olck" typeface="Nirmala UI"/>
+        <a:font script="Osma" typeface="Ebrima"/>
+        <a:font script="Phag" typeface="Phagspa"/>
+        <a:font script="Syrn" typeface="Estrangelo Edessa"/>
+        <a:font script="Syrj" typeface="Estrangelo Edessa"/>
+        <a:font script="Syre" typeface="Estrangelo Edessa"/>
+        <a:font script="Sora" typeface="Nirmala UI"/>
+        <a:font script="Tale" typeface="Microsoft Tai Le"/>
+        <a:font script="Talu" typeface="Microsoft New Tai Lue"/>
+        <a:font script="Tfng" typeface="Ebrima"/>
+      </a:majorFont>
+      <a:minorFont>
+        <a:latin typeface="游ゴシック" panose="020F0502020204030204"/>
+        <a:ea typeface=""/>
+        <a:cs typeface=""/>
+        <a:font script="Jpan" typeface="游ゴシック"/>
+        <a:font script="Hang" typeface="맑은 고딕"/>
+        <a:font script="Hans" typeface="等线"/>
+        <a:font script="Hant" typeface="新細明體"/>
+        <a:font script="Arab" typeface="Arial"/>
+        <a:font script="Hebr" typeface="Arial"/>
+        <a:font script="Thai" typeface="Cordia New"/>
+        <a:font script="Ethi" typeface="Nyala"/>
+        <a:font script="Beng" typeface="Vrinda"/>
+        <a:font script="Gujr" typeface="Shruti"/>
+        <a:font script="Khmr" typeface="DaunPenh"/>
+        <a:font script="Knda" typeface="Tunga"/>
+        <a:font script="Guru" typeface="Raavi"/>
+        <a:font script="Cans" typeface="Euphemia"/>
+        <a:font script="Cher" typeface="Plantagenet Cherokee"/>
+        <a:font script="Yiii" typeface="Microsoft Yi Baiti"/>
+        <a:font script="Tibt" typeface="Microsoft Himalaya"/>
+        <a:font script="Thaa" typeface="MV Boli"/>
+        <a:font script="Deva" typeface="Mangal"/>
+        <a:font script="Telu" typeface="Gautami"/>
+        <a:font script="Taml" typeface="Latha"/>
+        <a:font script="Syrc" typeface="Estrangelo Edessa"/>
+        <a:font script="Orya" typeface="Kalinga"/>
+        <a:font script="Mlym" typeface="Kartika"/>
+        <a:font script="Laoo" typeface="DokChampa"/>
+        <a:font script="Sinh" typeface="Iskoola Pota"/>
+        <a:font script="Mong" typeface="Mongolian Baiti"/>
+        <a:font script="Viet" typeface="Arial"/>
+        <a:font script="Uigh" typeface="Microsoft Uighur"/>
+        <a:font script="Geor" typeface="Sylfaen"/>
+        <a:font script="Armn" typeface="Arial"/>
+        <a:font script="Bugi" typeface="Leelawadee UI"/>
+        <a:font script="Bopo" typeface="Microsoft JhengHei"/>
+        <a:font script="Java" typeface="Javanese Text"/>
+        <a:font script="Lisu" typeface="Segoe UI"/>
+        <a:font script="Mymr" typeface="Myanmar Text"/>
+        <a:font script="Nkoo" typeface="Ebrima"/>
+        <a:font script="Olck" typeface="Nirmala UI"/>
+        <a:font script="Osma" typeface="Ebrima"/>
+        <a:font script="Phag" typeface="Phagspa"/>
+        <a:font script="Syrn" typeface="Estrangelo Edessa"/>
+        <a:font script="Syrj" typeface="Estrangelo Edessa"/>
+        <a:font script="Syre" typeface="Estrangelo Edessa"/>
+        <a:font script="Sora" typeface="Nirmala UI"/>
+        <a:font script="Tale" typeface="Microsoft Tai Le"/>
+        <a:font script="Talu" typeface="Microsoft New Tai Lue"/>
+        <a:font script="Tfng" typeface="Ebrima"/>
+      </a:minorFont>
+    </a:fontScheme>
+    <a:fmtScheme name="Office">
+      <a:fillStyleLst>
+        <a:solidFill>
+          <a:schemeClr val="phClr"/>
+        </a:solidFill>
+        <a:gradFill rotWithShape="1">
+          <a:gsLst>
+            <a:gs pos="0">
+              <a:schemeClr val="phClr">
+                <a:lumMod val="110000"/>
+                <a:satMod val="105000"/>
+                <a:tint val="67000"/>
+              </a:schemeClr>
+            </a:gs>
+            <a:gs pos="50000">
+              <a:schemeClr val="phClr">
+                <a:lumMod val="105000"/>
+                <a:satMod val="103000"/>
+                <a:tint val="73000"/>
+              </a:schemeClr>
+            </a:gs>
+            <a:gs pos="100000">
+              <a:schemeClr val="phClr">
+                <a:lumMod val="105000"/>
+                <a:satMod val="109000"/>
+                <a:tint val="81000"/>
+              </a:schemeClr>
+            </a:gs>
+          </a:gsLst>
+          <a:lin ang="5400000" scaled="0"/>
+        </a:gradFill>
+        <a:gradFill rotWithShape="1">
+          <a:gsLst>
+            <a:gs pos="0">
+              <a:schemeClr val="phClr">
+                <a:satMod val="103000"/>
+                <a:lumMod val="102000"/>
+                <a:tint val="94000"/>
+              </a:schemeClr>
+            </a:gs>
+            <a:gs pos="50000">
+              <a:schemeClr val="phClr">
+                <a:satMod val="110000"/>
+                <a:lumMod val="100000"/>
+                <a:shade val="100000"/>
+              </a:schemeClr>
+            </a:gs>
+            <a:gs pos="100000">
+              <a:schemeClr val="phClr">
+                <a:lumMod val="99000"/>
+                <a:satMod val="120000"/>
+                <a:shade val="78000"/>
+              </a:schemeClr>
+            </a:gs>
+          </a:gsLst>
+          <a:lin ang="5400000" scaled="0"/>
+        </a:gradFill>
+      </a:fillStyleLst>
+      <a:lnStyleLst>
+        <a:ln w="6350" cap="flat" cmpd="sng" algn="ctr">
+          <a:solidFill>
+            <a:schemeClr val="phClr"/>
+          </a:solidFill>
+          <a:prstDash val="solid"/>
+          <a:miter lim="800000"/>
+        </a:ln>
+        <a:ln w="12700" cap="flat" cmpd="sng" algn="ctr">
+          <a:solidFill>
+            <a:schemeClr val="phClr"/>
+          </a:solidFill>
+          <a:prstDash val="solid"/>
+          <a:miter lim="800000"/>
+        </a:ln>
+        <a:ln w="19050" cap="flat" cmpd="sng" algn="ctr">
+          <a:solidFill>
+            <a:schemeClr val="phClr"/>
+          </a:solidFill>
+          <a:prstDash val="solid"/>
+          <a:miter lim="800000"/>
+        </a:ln>
+      </a:lnStyleLst>
+      <a:effectStyleLst>
+        <a:effectStyle>
+          <a:effectLst/>
+        </a:effectStyle>
+        <a:effectStyle>
+          <a:effectLst/>
+        </a:effectStyle>
+        <a:effectStyle>
+          <a:effectLst>
+            <a:outerShdw blurRad="57150" dist="19050" dir="5400000" algn="ctr" rotWithShape="0">
+              <a:srgbClr val="000000">
+                <a:alpha val="63000"/>
+              </a:srgbClr>
+            </a:outerShdw>
+          </a:effectLst>
+        </a:effectStyle>
+      </a:effectStyleLst>
+      <a:bgFillStyleLst>
+        <a:solidFill>
+          <a:schemeClr val="phClr"/>
+        </a:solidFill>
+        <a:solidFill>
+          <a:schemeClr val="phClr">
+            <a:tint val="95000"/>
+            <a:satMod val="170000"/>
+          </a:schemeClr>
+        </a:solidFill>
+        <a:gradFill rotWithShape="1">
+          <a:gsLst>
+            <a:gs pos="0">
+              <a:schemeClr val="phClr">
+                <a:tint val="93000"/>
+                <a:satMod val="150000"/>
+                <a:shade val="98000"/>
+                <a:lumMod val="102000"/>
+              </a:schemeClr>
+            </a:gs>
+            <a:gs pos="50000">
+              <a:schemeClr val="phClr">
+                <a:tint val="98000"/>
+                <a:satMod val="130000"/>
+                <a:shade val="90000"/>
+                <a:lumMod val="103000"/>
+              </a:schemeClr>
+            </a:gs>
+            <a:gs pos="100000">
+              <a:schemeClr val="phClr">
+                <a:shade val="63000"/>
+                <a:satMod val="120000"/>
+              </a:schemeClr>
+            </a:gs>
+          </a:gsLst>
+          <a:lin ang="5400000" scaled="0"/>
+        </a:gradFill>
+      </a:bgFillStyleLst>
+    </a:fmtScheme>
+  </a:themeElements>
+  <a:objectDefaults/>
+  <a:extraClrSchemeLst/>
+  <a:extLst>
+    <a:ext uri="{05A4C25C-085E-4340-85A3-A5531E510DB2}">
+      <thm15:themeFamily xmlns:thm15="http://schemas.microsoft.com/office/thememl/2012/main" name="Office Theme" id="{62F939B6-93AF-4DB8-9C6B-D6C7DFDC589F}" vid="{4A3C46E8-61CC-4603-A589-7422A47A8E4A}"/>
+    </a:ext>
+  </a:extLst>
+</a:theme>
 </file>
--- a/docs/picture/画像生成用.pptx
+++ b/docs/picture/画像生成用.pptx
@@ -5,7 +5,7 @@
     <p:sldMasterId id="2147483648" r:id="rId1"/>
   </p:sldMasterIdLst>
   <p:notesMasterIdLst>
-    <p:notesMasterId r:id="rId29"/>
+    <p:notesMasterId r:id="rId33"/>
   </p:notesMasterIdLst>
   <p:sldIdLst>
     <p:sldId id="293" r:id="rId2"/>
@@ -32,9 +32,13 @@
     <p:sldId id="289" r:id="rId23"/>
     <p:sldId id="290" r:id="rId24"/>
     <p:sldId id="291" r:id="rId25"/>
-    <p:sldId id="292" r:id="rId26"/>
-    <p:sldId id="279" r:id="rId27"/>
+    <p:sldId id="279" r:id="rId26"/>
+    <p:sldId id="299" r:id="rId27"/>
     <p:sldId id="278" r:id="rId28"/>
+    <p:sldId id="297" r:id="rId29"/>
+    <p:sldId id="292" r:id="rId30"/>
+    <p:sldId id="298" r:id="rId31"/>
+    <p:sldId id="300" r:id="rId32"/>
   </p:sldIdLst>
   <p:sldSz cx="12192000" cy="6858000"/>
   <p:notesSz cx="6858000" cy="9144000"/>
@@ -223,7 +227,7 @@
           <a:p>
             <a:fld id="{4263CA97-C1B0-44A9-8C1B-5B8669AFC391}" type="datetimeFigureOut">
               <a:rPr kumimoji="1" lang="ja-JP" altLang="en-US" smtClean="0"/>
-              <a:t>2023/9/8</a:t>
+              <a:t>2023/9/16</a:t>
             </a:fld>
             <a:endParaRPr kumimoji="1" lang="ja-JP" altLang="en-US"/>
           </a:p>
@@ -837,7 +841,7 @@
           <a:p>
             <a:fld id="{1AF6F0EA-576A-C44D-B280-4FBFCA599755}" type="datetimeFigureOut">
               <a:rPr kumimoji="1" lang="ja-JP" altLang="en-US" smtClean="0"/>
-              <a:t>2023/9/8</a:t>
+              <a:t>2023/9/16</a:t>
             </a:fld>
             <a:endParaRPr kumimoji="1" lang="ja-JP" altLang="en-US"/>
           </a:p>
@@ -1067,7 +1071,7 @@
           <a:p>
             <a:fld id="{1AF6F0EA-576A-C44D-B280-4FBFCA599755}" type="datetimeFigureOut">
               <a:rPr kumimoji="1" lang="ja-JP" altLang="en-US" smtClean="0"/>
-              <a:t>2023/9/8</a:t>
+              <a:t>2023/9/16</a:t>
             </a:fld>
             <a:endParaRPr kumimoji="1" lang="ja-JP" altLang="en-US"/>
           </a:p>
@@ -1307,7 +1311,7 @@
           <a:p>
             <a:fld id="{1AF6F0EA-576A-C44D-B280-4FBFCA599755}" type="datetimeFigureOut">
               <a:rPr kumimoji="1" lang="ja-JP" altLang="en-US" smtClean="0"/>
-              <a:t>2023/9/8</a:t>
+              <a:t>2023/9/16</a:t>
             </a:fld>
             <a:endParaRPr kumimoji="1" lang="ja-JP" altLang="en-US"/>
           </a:p>
@@ -1537,7 +1541,7 @@
           <a:p>
             <a:fld id="{1AF6F0EA-576A-C44D-B280-4FBFCA599755}" type="datetimeFigureOut">
               <a:rPr kumimoji="1" lang="ja-JP" altLang="en-US" smtClean="0"/>
-              <a:t>2023/9/8</a:t>
+              <a:t>2023/9/16</a:t>
             </a:fld>
             <a:endParaRPr kumimoji="1" lang="ja-JP" altLang="en-US"/>
           </a:p>
@@ -1812,7 +1816,7 @@
           <a:p>
             <a:fld id="{1AF6F0EA-576A-C44D-B280-4FBFCA599755}" type="datetimeFigureOut">
               <a:rPr kumimoji="1" lang="ja-JP" altLang="en-US" smtClean="0"/>
-              <a:t>2023/9/8</a:t>
+              <a:t>2023/9/16</a:t>
             </a:fld>
             <a:endParaRPr kumimoji="1" lang="ja-JP" altLang="en-US"/>
           </a:p>
@@ -2141,7 +2145,7 @@
           <a:p>
             <a:fld id="{1AF6F0EA-576A-C44D-B280-4FBFCA599755}" type="datetimeFigureOut">
               <a:rPr kumimoji="1" lang="ja-JP" altLang="en-US" smtClean="0"/>
-              <a:t>2023/9/8</a:t>
+              <a:t>2023/9/16</a:t>
             </a:fld>
             <a:endParaRPr kumimoji="1" lang="ja-JP" altLang="en-US"/>
           </a:p>
@@ -2617,7 +2621,7 @@
           <a:p>
             <a:fld id="{1AF6F0EA-576A-C44D-B280-4FBFCA599755}" type="datetimeFigureOut">
               <a:rPr kumimoji="1" lang="ja-JP" altLang="en-US" smtClean="0"/>
-              <a:t>2023/9/8</a:t>
+              <a:t>2023/9/16</a:t>
             </a:fld>
             <a:endParaRPr kumimoji="1" lang="ja-JP" altLang="en-US"/>
           </a:p>
@@ -2758,7 +2762,7 @@
           <a:p>
             <a:fld id="{1AF6F0EA-576A-C44D-B280-4FBFCA599755}" type="datetimeFigureOut">
               <a:rPr kumimoji="1" lang="ja-JP" altLang="en-US" smtClean="0"/>
-              <a:t>2023/9/8</a:t>
+              <a:t>2023/9/16</a:t>
             </a:fld>
             <a:endParaRPr kumimoji="1" lang="ja-JP" altLang="en-US"/>
           </a:p>
@@ -2871,7 +2875,7 @@
           <a:p>
             <a:fld id="{1AF6F0EA-576A-C44D-B280-4FBFCA599755}" type="datetimeFigureOut">
               <a:rPr kumimoji="1" lang="ja-JP" altLang="en-US" smtClean="0"/>
-              <a:t>2023/9/8</a:t>
+              <a:t>2023/9/16</a:t>
             </a:fld>
             <a:endParaRPr kumimoji="1" lang="ja-JP" altLang="en-US"/>
           </a:p>
@@ -3214,7 +3218,7 @@
           <a:p>
             <a:fld id="{1AF6F0EA-576A-C44D-B280-4FBFCA599755}" type="datetimeFigureOut">
               <a:rPr kumimoji="1" lang="ja-JP" altLang="en-US" smtClean="0"/>
-              <a:t>2023/9/8</a:t>
+              <a:t>2023/9/16</a:t>
             </a:fld>
             <a:endParaRPr kumimoji="1" lang="ja-JP" altLang="en-US"/>
           </a:p>
@@ -3502,7 +3506,7 @@
           <a:p>
             <a:fld id="{1AF6F0EA-576A-C44D-B280-4FBFCA599755}" type="datetimeFigureOut">
               <a:rPr kumimoji="1" lang="ja-JP" altLang="en-US" smtClean="0"/>
-              <a:t>2023/9/8</a:t>
+              <a:t>2023/9/16</a:t>
             </a:fld>
             <a:endParaRPr kumimoji="1" lang="ja-JP" altLang="en-US"/>
           </a:p>
@@ -3775,7 +3779,7 @@
           <a:p>
             <a:fld id="{1AF6F0EA-576A-C44D-B280-4FBFCA599755}" type="datetimeFigureOut">
               <a:rPr kumimoji="1" lang="ja-JP" altLang="en-US" smtClean="0"/>
-              <a:t>2023/9/8</a:t>
+              <a:t>2023/9/16</a:t>
             </a:fld>
             <a:endParaRPr kumimoji="1" lang="ja-JP" altLang="en-US"/>
           </a:p>
@@ -7487,7 +7491,7 @@
     </p:spTree>
     <p:extLst>
       <p:ext uri="{BB962C8B-B14F-4D97-AF65-F5344CB8AC3E}">
-        <p14:creationId xmlns:p14="http://schemas.microsoft.com/office/powerpoint/2010/main" val="2979090360"/>
+        <p14:creationId xmlns:p14="http://schemas.microsoft.com/office/powerpoint/2010/main" val="1692778065"/>
       </p:ext>
     </p:extLst>
   </p:cSld>
@@ -7514,10 +7518,47 @@
           <a:chExt cx="0" cy="0"/>
         </a:xfrm>
       </p:grpSpPr>
+      <p:sp>
+        <p:nvSpPr>
+          <p:cNvPr id="3" name="テキスト ボックス 2">
+            <a:extLst>
+              <a:ext uri="{FF2B5EF4-FFF2-40B4-BE49-F238E27FC236}">
+                <a16:creationId xmlns:a16="http://schemas.microsoft.com/office/drawing/2014/main" id="{8B263D1B-7731-7812-02A9-63F16E5BCA02}"/>
+              </a:ext>
+            </a:extLst>
+          </p:cNvPr>
+          <p:cNvSpPr txBox="1"/>
+          <p:nvPr/>
+        </p:nvSpPr>
+        <p:spPr>
+          <a:xfrm>
+            <a:off x="3047617" y="3245482"/>
+            <a:ext cx="6095234" cy="369332"/>
+          </a:xfrm>
+          <a:prstGeom prst="rect">
+            <a:avLst/>
+          </a:prstGeom>
+          <a:noFill/>
+        </p:spPr>
+        <p:txBody>
+          <a:bodyPr wrap="square">
+            <a:spAutoFit/>
+          </a:bodyPr>
+          <a:lstStyle/>
+          <a:p>
+            <a:pPr algn="ctr"/>
+            <a:r>
+              <a:rPr lang="ja-JP" altLang="en-US"/>
+              <a:t>災害リスク情報</a:t>
+            </a:r>
+            <a:endParaRPr lang="ja-JP" altLang="en-US" dirty="0"/>
+          </a:p>
+        </p:txBody>
+      </p:sp>
     </p:spTree>
     <p:extLst>
       <p:ext uri="{BB962C8B-B14F-4D97-AF65-F5344CB8AC3E}">
-        <p14:creationId xmlns:p14="http://schemas.microsoft.com/office/powerpoint/2010/main" val="1692778065"/>
+        <p14:creationId xmlns:p14="http://schemas.microsoft.com/office/powerpoint/2010/main" val="4241582641"/>
       </p:ext>
     </p:extLst>
   </p:cSld>
@@ -7544,10 +7585,485 @@
           <a:chExt cx="0" cy="0"/>
         </a:xfrm>
       </p:grpSpPr>
+      <p:pic>
+        <p:nvPicPr>
+          <p:cNvPr id="3" name="図 2" descr="テキスト&#10;&#10;自動的に生成された説明">
+            <a:extLst>
+              <a:ext uri="{FF2B5EF4-FFF2-40B4-BE49-F238E27FC236}">
+                <a16:creationId xmlns:a16="http://schemas.microsoft.com/office/drawing/2014/main" id="{B7C7494D-2318-A3CA-F7A7-90313D05E8F7}"/>
+              </a:ext>
+            </a:extLst>
+          </p:cNvPr>
+          <p:cNvPicPr>
+            <a:picLocks noChangeAspect="1"/>
+          </p:cNvPicPr>
+          <p:nvPr/>
+        </p:nvPicPr>
+        <p:blipFill>
+          <a:blip r:embed="rId2"/>
+          <a:stretch>
+            <a:fillRect/>
+          </a:stretch>
+        </p:blipFill>
+        <p:spPr>
+          <a:xfrm>
+            <a:off x="3111500" y="2279650"/>
+            <a:ext cx="5969000" cy="2298700"/>
+          </a:xfrm>
+          <a:prstGeom prst="rect">
+            <a:avLst/>
+          </a:prstGeom>
+        </p:spPr>
+      </p:pic>
+      <p:sp>
+        <p:nvSpPr>
+          <p:cNvPr id="4" name="正方形/長方形 3">
+            <a:extLst>
+              <a:ext uri="{FF2B5EF4-FFF2-40B4-BE49-F238E27FC236}">
+                <a16:creationId xmlns:a16="http://schemas.microsoft.com/office/drawing/2014/main" id="{28E55E1B-D03E-4A66-C7B1-6F177D17A717}"/>
+              </a:ext>
+            </a:extLst>
+          </p:cNvPr>
+          <p:cNvSpPr/>
+          <p:nvPr/>
+        </p:nvSpPr>
+        <p:spPr>
+          <a:xfrm>
+            <a:off x="3385344" y="2887935"/>
+            <a:ext cx="5616415" cy="1257345"/>
+          </a:xfrm>
+          <a:prstGeom prst="rect">
+            <a:avLst/>
+          </a:prstGeom>
+          <a:solidFill>
+            <a:schemeClr val="accent2">
+              <a:alpha val="50000"/>
+            </a:schemeClr>
+          </a:solidFill>
+        </p:spPr>
+        <p:style>
+          <a:lnRef idx="2">
+            <a:schemeClr val="accent2">
+              <a:shade val="15000"/>
+            </a:schemeClr>
+          </a:lnRef>
+          <a:fillRef idx="1">
+            <a:schemeClr val="accent2"/>
+          </a:fillRef>
+          <a:effectRef idx="0">
+            <a:schemeClr val="accent2"/>
+          </a:effectRef>
+          <a:fontRef idx="minor">
+            <a:schemeClr val="lt1"/>
+          </a:fontRef>
+        </p:style>
+        <p:txBody>
+          <a:bodyPr rtlCol="0" anchor="ctr"/>
+          <a:lstStyle/>
+          <a:p>
+            <a:pPr algn="dist"/>
+            <a:endParaRPr kumimoji="1" lang="ja-JP" altLang="en-US"/>
+          </a:p>
+        </p:txBody>
+      </p:sp>
     </p:spTree>
     <p:extLst>
       <p:ext uri="{BB962C8B-B14F-4D97-AF65-F5344CB8AC3E}">
         <p14:creationId xmlns:p14="http://schemas.microsoft.com/office/powerpoint/2010/main" val="3055575734"/>
+      </p:ext>
+    </p:extLst>
+  </p:cSld>
+  <p:clrMapOvr>
+    <a:masterClrMapping/>
+  </p:clrMapOvr>
+</p:sld>
+</file>
+
+<file path=ppt/slides/slide28.xml><?xml version="1.0" encoding="utf-8"?>
+<p:sld xmlns:a="http://schemas.openxmlformats.org/drawingml/2006/main" xmlns:r="http://schemas.openxmlformats.org/officeDocument/2006/relationships" xmlns:p="http://schemas.openxmlformats.org/presentationml/2006/main">
+  <p:cSld>
+    <p:spTree>
+      <p:nvGrpSpPr>
+        <p:cNvPr id="1" name=""/>
+        <p:cNvGrpSpPr/>
+        <p:nvPr/>
+      </p:nvGrpSpPr>
+      <p:grpSpPr>
+        <a:xfrm>
+          <a:off x="0" y="0"/>
+          <a:ext cx="0" cy="0"/>
+          <a:chOff x="0" y="0"/>
+          <a:chExt cx="0" cy="0"/>
+        </a:xfrm>
+      </p:grpSpPr>
+      <p:pic>
+        <p:nvPicPr>
+          <p:cNvPr id="5" name="コンテンツ プレースホルダー 4" descr="グラフィカル ユーザー インターフェイス, アプリケーション&#10;&#10;中程度の精度で自動的に生成された説明">
+            <a:extLst>
+              <a:ext uri="{FF2B5EF4-FFF2-40B4-BE49-F238E27FC236}">
+                <a16:creationId xmlns:a16="http://schemas.microsoft.com/office/drawing/2014/main" id="{A2A5B95E-6482-2B00-3731-8BA1324B3A65}"/>
+              </a:ext>
+            </a:extLst>
+          </p:cNvPr>
+          <p:cNvPicPr>
+            <a:picLocks noGrp="1" noChangeAspect="1"/>
+          </p:cNvPicPr>
+          <p:nvPr>
+            <p:ph idx="1"/>
+          </p:nvPr>
+        </p:nvPicPr>
+        <p:blipFill>
+          <a:blip r:embed="rId2"/>
+          <a:stretch>
+            <a:fillRect/>
+          </a:stretch>
+        </p:blipFill>
+        <p:spPr>
+          <a:xfrm>
+            <a:off x="4016715" y="841952"/>
+            <a:ext cx="2994787" cy="4351338"/>
+          </a:xfrm>
+        </p:spPr>
+      </p:pic>
+      <p:sp>
+        <p:nvSpPr>
+          <p:cNvPr id="6" name="正方形/長方形 5">
+            <a:extLst>
+              <a:ext uri="{FF2B5EF4-FFF2-40B4-BE49-F238E27FC236}">
+                <a16:creationId xmlns:a16="http://schemas.microsoft.com/office/drawing/2014/main" id="{AFD15FA7-BE76-8C8F-5C3D-03CA5A4845CF}"/>
+              </a:ext>
+            </a:extLst>
+          </p:cNvPr>
+          <p:cNvSpPr/>
+          <p:nvPr/>
+        </p:nvSpPr>
+        <p:spPr>
+          <a:xfrm>
+            <a:off x="5350267" y="5021496"/>
+            <a:ext cx="1661236" cy="140710"/>
+          </a:xfrm>
+          <a:prstGeom prst="rect">
+            <a:avLst/>
+          </a:prstGeom>
+          <a:solidFill>
+            <a:schemeClr val="accent2">
+              <a:alpha val="50000"/>
+            </a:schemeClr>
+          </a:solidFill>
+        </p:spPr>
+        <p:style>
+          <a:lnRef idx="2">
+            <a:schemeClr val="accent2">
+              <a:shade val="15000"/>
+            </a:schemeClr>
+          </a:lnRef>
+          <a:fillRef idx="1">
+            <a:schemeClr val="accent2"/>
+          </a:fillRef>
+          <a:effectRef idx="0">
+            <a:schemeClr val="accent2"/>
+          </a:effectRef>
+          <a:fontRef idx="minor">
+            <a:schemeClr val="lt1"/>
+          </a:fontRef>
+        </p:style>
+        <p:txBody>
+          <a:bodyPr rtlCol="0" anchor="ctr"/>
+          <a:lstStyle/>
+          <a:p>
+            <a:pPr algn="dist"/>
+            <a:endParaRPr kumimoji="1" lang="ja-JP" altLang="en-US"/>
+          </a:p>
+        </p:txBody>
+      </p:sp>
+      <p:sp>
+        <p:nvSpPr>
+          <p:cNvPr id="7" name="テキスト ボックス 6">
+            <a:extLst>
+              <a:ext uri="{FF2B5EF4-FFF2-40B4-BE49-F238E27FC236}">
+                <a16:creationId xmlns:a16="http://schemas.microsoft.com/office/drawing/2014/main" id="{D7C0FE83-8D6F-86E4-D16A-5B505F72BEBF}"/>
+              </a:ext>
+            </a:extLst>
+          </p:cNvPr>
+          <p:cNvSpPr txBox="1"/>
+          <p:nvPr/>
+        </p:nvSpPr>
+        <p:spPr>
+          <a:xfrm>
+            <a:off x="6666558" y="4941230"/>
+            <a:ext cx="369884" cy="276999"/>
+          </a:xfrm>
+          <a:prstGeom prst="rect">
+            <a:avLst/>
+          </a:prstGeom>
+          <a:noFill/>
+        </p:spPr>
+        <p:txBody>
+          <a:bodyPr wrap="square" rtlCol="0">
+            <a:spAutoFit/>
+          </a:bodyPr>
+          <a:lstStyle/>
+          <a:p>
+            <a:r>
+              <a:rPr lang="ja-JP" altLang="en-US" sz="1200" dirty="0">
+                <a:latin typeface="ＭＳ Ｐゴシック" panose="020B0600070205080204" pitchFamily="50" charset="-128"/>
+                <a:ea typeface="ＭＳ Ｐゴシック" panose="020B0600070205080204" pitchFamily="50" charset="-128"/>
+              </a:rPr>
+              <a:t>①</a:t>
+            </a:r>
+            <a:endParaRPr kumimoji="1" lang="ja-JP" altLang="en-US" sz="1200" dirty="0">
+              <a:latin typeface="ＭＳ Ｐゴシック" panose="020B0600070205080204" pitchFamily="50" charset="-128"/>
+              <a:ea typeface="ＭＳ Ｐゴシック" panose="020B0600070205080204" pitchFamily="50" charset="-128"/>
+            </a:endParaRPr>
+          </a:p>
+        </p:txBody>
+      </p:sp>
+    </p:spTree>
+    <p:extLst>
+      <p:ext uri="{BB962C8B-B14F-4D97-AF65-F5344CB8AC3E}">
+        <p14:creationId xmlns:p14="http://schemas.microsoft.com/office/powerpoint/2010/main" val="3208023336"/>
+      </p:ext>
+    </p:extLst>
+  </p:cSld>
+  <p:clrMapOvr>
+    <a:masterClrMapping/>
+  </p:clrMapOvr>
+</p:sld>
+</file>
+
+<file path=ppt/slides/slide29.xml><?xml version="1.0" encoding="utf-8"?>
+<p:sld xmlns:a="http://schemas.openxmlformats.org/drawingml/2006/main" xmlns:r="http://schemas.openxmlformats.org/officeDocument/2006/relationships" xmlns:p="http://schemas.openxmlformats.org/presentationml/2006/main">
+  <p:cSld>
+    <p:spTree>
+      <p:nvGrpSpPr>
+        <p:cNvPr id="1" name=""/>
+        <p:cNvGrpSpPr/>
+        <p:nvPr/>
+      </p:nvGrpSpPr>
+      <p:grpSpPr>
+        <a:xfrm>
+          <a:off x="0" y="0"/>
+          <a:ext cx="0" cy="0"/>
+          <a:chOff x="0" y="0"/>
+          <a:chExt cx="0" cy="0"/>
+        </a:xfrm>
+      </p:grpSpPr>
+      <p:pic>
+        <p:nvPicPr>
+          <p:cNvPr id="3" name="図 2" descr="グラフィカル ユーザー インターフェイス, アプリケーション, Word&#10;&#10;自動的に生成された説明">
+            <a:extLst>
+              <a:ext uri="{FF2B5EF4-FFF2-40B4-BE49-F238E27FC236}">
+                <a16:creationId xmlns:a16="http://schemas.microsoft.com/office/drawing/2014/main" id="{8C84A7D9-7F64-8F0E-802A-71E775CD8C1C}"/>
+              </a:ext>
+            </a:extLst>
+          </p:cNvPr>
+          <p:cNvPicPr>
+            <a:picLocks noChangeAspect="1"/>
+          </p:cNvPicPr>
+          <p:nvPr/>
+        </p:nvPicPr>
+        <p:blipFill>
+          <a:blip r:embed="rId2"/>
+          <a:stretch>
+            <a:fillRect/>
+          </a:stretch>
+        </p:blipFill>
+        <p:spPr>
+          <a:xfrm>
+            <a:off x="2946400" y="1193800"/>
+            <a:ext cx="6299200" cy="4470400"/>
+          </a:xfrm>
+          <a:prstGeom prst="rect">
+            <a:avLst/>
+          </a:prstGeom>
+        </p:spPr>
+      </p:pic>
+      <p:sp>
+        <p:nvSpPr>
+          <p:cNvPr id="4" name="正方形/長方形 3">
+            <a:extLst>
+              <a:ext uri="{FF2B5EF4-FFF2-40B4-BE49-F238E27FC236}">
+                <a16:creationId xmlns:a16="http://schemas.microsoft.com/office/drawing/2014/main" id="{9916F136-B270-BB97-56AB-A7DD297BB640}"/>
+              </a:ext>
+            </a:extLst>
+          </p:cNvPr>
+          <p:cNvSpPr/>
+          <p:nvPr/>
+        </p:nvSpPr>
+        <p:spPr>
+          <a:xfrm>
+            <a:off x="2946401" y="4047067"/>
+            <a:ext cx="1117600" cy="301413"/>
+          </a:xfrm>
+          <a:prstGeom prst="rect">
+            <a:avLst/>
+          </a:prstGeom>
+          <a:solidFill>
+            <a:schemeClr val="accent2">
+              <a:alpha val="50000"/>
+            </a:schemeClr>
+          </a:solidFill>
+        </p:spPr>
+        <p:style>
+          <a:lnRef idx="2">
+            <a:schemeClr val="accent2">
+              <a:shade val="15000"/>
+            </a:schemeClr>
+          </a:lnRef>
+          <a:fillRef idx="1">
+            <a:schemeClr val="accent2"/>
+          </a:fillRef>
+          <a:effectRef idx="0">
+            <a:schemeClr val="accent2"/>
+          </a:effectRef>
+          <a:fontRef idx="minor">
+            <a:schemeClr val="lt1"/>
+          </a:fontRef>
+        </p:style>
+        <p:txBody>
+          <a:bodyPr rtlCol="0" anchor="ctr"/>
+          <a:lstStyle/>
+          <a:p>
+            <a:pPr algn="dist"/>
+            <a:endParaRPr kumimoji="1" lang="ja-JP" altLang="en-US"/>
+          </a:p>
+        </p:txBody>
+      </p:sp>
+      <p:sp>
+        <p:nvSpPr>
+          <p:cNvPr id="5" name="正方形/長方形 4">
+            <a:extLst>
+              <a:ext uri="{FF2B5EF4-FFF2-40B4-BE49-F238E27FC236}">
+                <a16:creationId xmlns:a16="http://schemas.microsoft.com/office/drawing/2014/main" id="{0C06F116-7648-44B2-DD32-0044910355C5}"/>
+              </a:ext>
+            </a:extLst>
+          </p:cNvPr>
+          <p:cNvSpPr/>
+          <p:nvPr/>
+        </p:nvSpPr>
+        <p:spPr>
+          <a:xfrm>
+            <a:off x="4216401" y="5130800"/>
+            <a:ext cx="287866" cy="284480"/>
+          </a:xfrm>
+          <a:prstGeom prst="rect">
+            <a:avLst/>
+          </a:prstGeom>
+          <a:solidFill>
+            <a:schemeClr val="accent2">
+              <a:alpha val="50000"/>
+            </a:schemeClr>
+          </a:solidFill>
+        </p:spPr>
+        <p:style>
+          <a:lnRef idx="2">
+            <a:schemeClr val="accent2">
+              <a:shade val="15000"/>
+            </a:schemeClr>
+          </a:lnRef>
+          <a:fillRef idx="1">
+            <a:schemeClr val="accent2"/>
+          </a:fillRef>
+          <a:effectRef idx="0">
+            <a:schemeClr val="accent2"/>
+          </a:effectRef>
+          <a:fontRef idx="minor">
+            <a:schemeClr val="lt1"/>
+          </a:fontRef>
+        </p:style>
+        <p:txBody>
+          <a:bodyPr rtlCol="0" anchor="ctr"/>
+          <a:lstStyle/>
+          <a:p>
+            <a:pPr algn="dist"/>
+            <a:endParaRPr kumimoji="1" lang="ja-JP" altLang="en-US"/>
+          </a:p>
+        </p:txBody>
+      </p:sp>
+      <p:sp>
+        <p:nvSpPr>
+          <p:cNvPr id="6" name="テキスト ボックス 5">
+            <a:extLst>
+              <a:ext uri="{FF2B5EF4-FFF2-40B4-BE49-F238E27FC236}">
+                <a16:creationId xmlns:a16="http://schemas.microsoft.com/office/drawing/2014/main" id="{F33916AF-586C-F930-1095-65317196BD83}"/>
+              </a:ext>
+            </a:extLst>
+          </p:cNvPr>
+          <p:cNvSpPr txBox="1"/>
+          <p:nvPr/>
+        </p:nvSpPr>
+        <p:spPr>
+          <a:xfrm>
+            <a:off x="4007381" y="3996082"/>
+            <a:ext cx="369884" cy="369332"/>
+          </a:xfrm>
+          <a:prstGeom prst="rect">
+            <a:avLst/>
+          </a:prstGeom>
+          <a:noFill/>
+        </p:spPr>
+        <p:txBody>
+          <a:bodyPr wrap="square" rtlCol="0">
+            <a:spAutoFit/>
+          </a:bodyPr>
+          <a:lstStyle/>
+          <a:p>
+            <a:r>
+              <a:rPr lang="ja-JP" altLang="en-US" dirty="0">
+                <a:latin typeface="ＭＳ Ｐゴシック" panose="020B0600070205080204" pitchFamily="50" charset="-128"/>
+                <a:ea typeface="ＭＳ Ｐゴシック" panose="020B0600070205080204" pitchFamily="50" charset="-128"/>
+              </a:rPr>
+              <a:t>②</a:t>
+            </a:r>
+            <a:endParaRPr kumimoji="1" lang="ja-JP" altLang="en-US" dirty="0">
+              <a:latin typeface="ＭＳ Ｐゴシック" panose="020B0600070205080204" pitchFamily="50" charset="-128"/>
+              <a:ea typeface="ＭＳ Ｐゴシック" panose="020B0600070205080204" pitchFamily="50" charset="-128"/>
+            </a:endParaRPr>
+          </a:p>
+        </p:txBody>
+      </p:sp>
+      <p:sp>
+        <p:nvSpPr>
+          <p:cNvPr id="7" name="テキスト ボックス 6">
+            <a:extLst>
+              <a:ext uri="{FF2B5EF4-FFF2-40B4-BE49-F238E27FC236}">
+                <a16:creationId xmlns:a16="http://schemas.microsoft.com/office/drawing/2014/main" id="{32130E44-E8AA-8350-B57A-2E83226E3DFD}"/>
+              </a:ext>
+            </a:extLst>
+          </p:cNvPr>
+          <p:cNvSpPr txBox="1"/>
+          <p:nvPr/>
+        </p:nvSpPr>
+        <p:spPr>
+          <a:xfrm>
+            <a:off x="4175392" y="4761468"/>
+            <a:ext cx="369884" cy="369332"/>
+          </a:xfrm>
+          <a:prstGeom prst="rect">
+            <a:avLst/>
+          </a:prstGeom>
+          <a:noFill/>
+        </p:spPr>
+        <p:txBody>
+          <a:bodyPr wrap="square" rtlCol="0">
+            <a:spAutoFit/>
+          </a:bodyPr>
+          <a:lstStyle/>
+          <a:p>
+            <a:r>
+              <a:rPr kumimoji="1" lang="ja-JP" altLang="en-US" dirty="0">
+                <a:latin typeface="ＭＳ Ｐゴシック" panose="020B0600070205080204" pitchFamily="50" charset="-128"/>
+                <a:ea typeface="ＭＳ Ｐゴシック" panose="020B0600070205080204" pitchFamily="50" charset="-128"/>
+              </a:rPr>
+              <a:t>③</a:t>
+            </a:r>
+          </a:p>
+        </p:txBody>
+      </p:sp>
+    </p:spTree>
+    <p:extLst>
+      <p:ext uri="{BB962C8B-B14F-4D97-AF65-F5344CB8AC3E}">
+        <p14:creationId xmlns:p14="http://schemas.microsoft.com/office/powerpoint/2010/main" val="2979090360"/>
       </p:ext>
     </p:extLst>
   </p:cSld>
@@ -7746,6 +8262,642 @@
     <p:extLst>
       <p:ext uri="{BB962C8B-B14F-4D97-AF65-F5344CB8AC3E}">
         <p14:creationId xmlns:p14="http://schemas.microsoft.com/office/powerpoint/2010/main" val="931842662"/>
+      </p:ext>
+    </p:extLst>
+  </p:cSld>
+  <p:clrMapOvr>
+    <a:masterClrMapping/>
+  </p:clrMapOvr>
+</p:sld>
+</file>
+
+<file path=ppt/slides/slide30.xml><?xml version="1.0" encoding="utf-8"?>
+<p:sld xmlns:a="http://schemas.openxmlformats.org/drawingml/2006/main" xmlns:r="http://schemas.openxmlformats.org/officeDocument/2006/relationships" xmlns:p="http://schemas.openxmlformats.org/presentationml/2006/main">
+  <p:cSld>
+    <p:spTree>
+      <p:nvGrpSpPr>
+        <p:cNvPr id="1" name=""/>
+        <p:cNvGrpSpPr/>
+        <p:nvPr/>
+      </p:nvGrpSpPr>
+      <p:grpSpPr>
+        <a:xfrm>
+          <a:off x="0" y="0"/>
+          <a:ext cx="0" cy="0"/>
+          <a:chOff x="0" y="0"/>
+          <a:chExt cx="0" cy="0"/>
+        </a:xfrm>
+      </p:grpSpPr>
+      <p:pic>
+        <p:nvPicPr>
+          <p:cNvPr id="2" name="図 1">
+            <a:extLst>
+              <a:ext uri="{FF2B5EF4-FFF2-40B4-BE49-F238E27FC236}">
+                <a16:creationId xmlns:a16="http://schemas.microsoft.com/office/drawing/2014/main" id="{DC4EC03E-22F7-6DA0-9190-8C2EF33EAFD7}"/>
+              </a:ext>
+            </a:extLst>
+          </p:cNvPr>
+          <p:cNvPicPr>
+            <a:picLocks noChangeAspect="1"/>
+          </p:cNvPicPr>
+          <p:nvPr/>
+        </p:nvPicPr>
+        <p:blipFill>
+          <a:blip r:embed="rId2"/>
+          <a:stretch>
+            <a:fillRect/>
+          </a:stretch>
+        </p:blipFill>
+        <p:spPr>
+          <a:xfrm>
+            <a:off x="3236242" y="676803"/>
+            <a:ext cx="5719515" cy="5929405"/>
+          </a:xfrm>
+          <a:prstGeom prst="rect">
+            <a:avLst/>
+          </a:prstGeom>
+        </p:spPr>
+      </p:pic>
+      <p:sp>
+        <p:nvSpPr>
+          <p:cNvPr id="3" name="正方形/長方形 2">
+            <a:extLst>
+              <a:ext uri="{FF2B5EF4-FFF2-40B4-BE49-F238E27FC236}">
+                <a16:creationId xmlns:a16="http://schemas.microsoft.com/office/drawing/2014/main" id="{86832640-5849-C55D-912A-784B5E52E94B}"/>
+              </a:ext>
+            </a:extLst>
+          </p:cNvPr>
+          <p:cNvSpPr/>
+          <p:nvPr/>
+        </p:nvSpPr>
+        <p:spPr>
+          <a:xfrm>
+            <a:off x="4896093" y="1390439"/>
+            <a:ext cx="4059664" cy="1259996"/>
+          </a:xfrm>
+          <a:prstGeom prst="rect">
+            <a:avLst/>
+          </a:prstGeom>
+          <a:solidFill>
+            <a:schemeClr val="accent2">
+              <a:alpha val="50000"/>
+            </a:schemeClr>
+          </a:solidFill>
+        </p:spPr>
+        <p:style>
+          <a:lnRef idx="2">
+            <a:schemeClr val="accent2">
+              <a:shade val="15000"/>
+            </a:schemeClr>
+          </a:lnRef>
+          <a:fillRef idx="1">
+            <a:schemeClr val="accent2"/>
+          </a:fillRef>
+          <a:effectRef idx="0">
+            <a:schemeClr val="accent2"/>
+          </a:effectRef>
+          <a:fontRef idx="minor">
+            <a:schemeClr val="lt1"/>
+          </a:fontRef>
+        </p:style>
+        <p:txBody>
+          <a:bodyPr rtlCol="0" anchor="ctr"/>
+          <a:lstStyle/>
+          <a:p>
+            <a:pPr algn="dist"/>
+            <a:endParaRPr kumimoji="1" lang="ja-JP" altLang="en-US"/>
+          </a:p>
+        </p:txBody>
+      </p:sp>
+      <p:sp>
+        <p:nvSpPr>
+          <p:cNvPr id="4" name="正方形/長方形 3">
+            <a:extLst>
+              <a:ext uri="{FF2B5EF4-FFF2-40B4-BE49-F238E27FC236}">
+                <a16:creationId xmlns:a16="http://schemas.microsoft.com/office/drawing/2014/main" id="{94740514-A51C-F819-8982-19696DCFCE79}"/>
+              </a:ext>
+            </a:extLst>
+          </p:cNvPr>
+          <p:cNvSpPr/>
+          <p:nvPr/>
+        </p:nvSpPr>
+        <p:spPr>
+          <a:xfrm>
+            <a:off x="3475089" y="4597467"/>
+            <a:ext cx="5271345" cy="1008204"/>
+          </a:xfrm>
+          <a:prstGeom prst="rect">
+            <a:avLst/>
+          </a:prstGeom>
+          <a:solidFill>
+            <a:schemeClr val="accent2">
+              <a:alpha val="50000"/>
+            </a:schemeClr>
+          </a:solidFill>
+        </p:spPr>
+        <p:style>
+          <a:lnRef idx="2">
+            <a:schemeClr val="accent2">
+              <a:shade val="15000"/>
+            </a:schemeClr>
+          </a:lnRef>
+          <a:fillRef idx="1">
+            <a:schemeClr val="accent2"/>
+          </a:fillRef>
+          <a:effectRef idx="0">
+            <a:schemeClr val="accent2"/>
+          </a:effectRef>
+          <a:fontRef idx="minor">
+            <a:schemeClr val="lt1"/>
+          </a:fontRef>
+        </p:style>
+        <p:txBody>
+          <a:bodyPr rtlCol="0" anchor="ctr"/>
+          <a:lstStyle/>
+          <a:p>
+            <a:pPr algn="dist"/>
+            <a:endParaRPr kumimoji="1" lang="ja-JP" altLang="en-US"/>
+          </a:p>
+        </p:txBody>
+      </p:sp>
+      <p:sp>
+        <p:nvSpPr>
+          <p:cNvPr id="5" name="テキスト ボックス 4">
+            <a:extLst>
+              <a:ext uri="{FF2B5EF4-FFF2-40B4-BE49-F238E27FC236}">
+                <a16:creationId xmlns:a16="http://schemas.microsoft.com/office/drawing/2014/main" id="{BB820772-3B15-FE7C-D2EA-801D08D1E7F9}"/>
+              </a:ext>
+            </a:extLst>
+          </p:cNvPr>
+          <p:cNvSpPr txBox="1"/>
+          <p:nvPr/>
+        </p:nvSpPr>
+        <p:spPr>
+          <a:xfrm>
+            <a:off x="8561492" y="1835771"/>
+            <a:ext cx="369884" cy="369332"/>
+          </a:xfrm>
+          <a:prstGeom prst="rect">
+            <a:avLst/>
+          </a:prstGeom>
+          <a:noFill/>
+        </p:spPr>
+        <p:txBody>
+          <a:bodyPr wrap="square" rtlCol="0">
+            <a:spAutoFit/>
+          </a:bodyPr>
+          <a:lstStyle/>
+          <a:p>
+            <a:r>
+              <a:rPr kumimoji="1" lang="ja-JP" altLang="en-US">
+                <a:latin typeface="ＭＳ Ｐゴシック" panose="020B0600070205080204" pitchFamily="50" charset="-128"/>
+                <a:ea typeface="ＭＳ Ｐゴシック" panose="020B0600070205080204" pitchFamily="50" charset="-128"/>
+              </a:rPr>
+              <a:t>④</a:t>
+            </a:r>
+            <a:endParaRPr kumimoji="1" lang="ja-JP" altLang="en-US" dirty="0">
+              <a:latin typeface="ＭＳ Ｐゴシック" panose="020B0600070205080204" pitchFamily="50" charset="-128"/>
+              <a:ea typeface="ＭＳ Ｐゴシック" panose="020B0600070205080204" pitchFamily="50" charset="-128"/>
+            </a:endParaRPr>
+          </a:p>
+        </p:txBody>
+      </p:sp>
+      <p:sp>
+        <p:nvSpPr>
+          <p:cNvPr id="6" name="テキスト ボックス 5">
+            <a:extLst>
+              <a:ext uri="{FF2B5EF4-FFF2-40B4-BE49-F238E27FC236}">
+                <a16:creationId xmlns:a16="http://schemas.microsoft.com/office/drawing/2014/main" id="{7AE3F30C-EEE7-8B09-6212-4A65F0CBC782}"/>
+              </a:ext>
+            </a:extLst>
+          </p:cNvPr>
+          <p:cNvSpPr txBox="1"/>
+          <p:nvPr/>
+        </p:nvSpPr>
+        <p:spPr>
+          <a:xfrm>
+            <a:off x="8287701" y="4597467"/>
+            <a:ext cx="369884" cy="369332"/>
+          </a:xfrm>
+          <a:prstGeom prst="rect">
+            <a:avLst/>
+          </a:prstGeom>
+          <a:noFill/>
+        </p:spPr>
+        <p:txBody>
+          <a:bodyPr wrap="square" rtlCol="0">
+            <a:spAutoFit/>
+          </a:bodyPr>
+          <a:lstStyle/>
+          <a:p>
+            <a:r>
+              <a:rPr lang="ja-JP" altLang="en-US">
+                <a:latin typeface="ＭＳ Ｐゴシック" panose="020B0600070205080204" pitchFamily="50" charset="-128"/>
+                <a:ea typeface="ＭＳ Ｐゴシック" panose="020B0600070205080204" pitchFamily="50" charset="-128"/>
+              </a:rPr>
+              <a:t>⑤</a:t>
+            </a:r>
+            <a:endParaRPr kumimoji="1" lang="ja-JP" altLang="en-US" dirty="0">
+              <a:latin typeface="ＭＳ Ｐゴシック" panose="020B0600070205080204" pitchFamily="50" charset="-128"/>
+              <a:ea typeface="ＭＳ Ｐゴシック" panose="020B0600070205080204" pitchFamily="50" charset="-128"/>
+            </a:endParaRPr>
+          </a:p>
+        </p:txBody>
+      </p:sp>
+      <p:sp>
+        <p:nvSpPr>
+          <p:cNvPr id="7" name="正方形/長方形 6">
+            <a:extLst>
+              <a:ext uri="{FF2B5EF4-FFF2-40B4-BE49-F238E27FC236}">
+                <a16:creationId xmlns:a16="http://schemas.microsoft.com/office/drawing/2014/main" id="{1B518B84-BCC3-8E4E-308C-B7F9BD584D01}"/>
+              </a:ext>
+            </a:extLst>
+          </p:cNvPr>
+          <p:cNvSpPr/>
+          <p:nvPr/>
+        </p:nvSpPr>
+        <p:spPr>
+          <a:xfrm>
+            <a:off x="6110762" y="5990897"/>
+            <a:ext cx="868108" cy="490688"/>
+          </a:xfrm>
+          <a:prstGeom prst="rect">
+            <a:avLst/>
+          </a:prstGeom>
+          <a:solidFill>
+            <a:schemeClr val="accent2">
+              <a:alpha val="50000"/>
+            </a:schemeClr>
+          </a:solidFill>
+        </p:spPr>
+        <p:style>
+          <a:lnRef idx="2">
+            <a:schemeClr val="accent2">
+              <a:shade val="15000"/>
+            </a:schemeClr>
+          </a:lnRef>
+          <a:fillRef idx="1">
+            <a:schemeClr val="accent2"/>
+          </a:fillRef>
+          <a:effectRef idx="0">
+            <a:schemeClr val="accent2"/>
+          </a:effectRef>
+          <a:fontRef idx="minor">
+            <a:schemeClr val="lt1"/>
+          </a:fontRef>
+        </p:style>
+        <p:txBody>
+          <a:bodyPr rtlCol="0" anchor="ctr"/>
+          <a:lstStyle/>
+          <a:p>
+            <a:pPr algn="dist"/>
+            <a:endParaRPr kumimoji="1" lang="ja-JP" altLang="en-US"/>
+          </a:p>
+        </p:txBody>
+      </p:sp>
+      <p:sp>
+        <p:nvSpPr>
+          <p:cNvPr id="8" name="テキスト ボックス 7">
+            <a:extLst>
+              <a:ext uri="{FF2B5EF4-FFF2-40B4-BE49-F238E27FC236}">
+                <a16:creationId xmlns:a16="http://schemas.microsoft.com/office/drawing/2014/main" id="{608E9117-A56C-630E-5B6D-6FEF02EBCFA0}"/>
+              </a:ext>
+            </a:extLst>
+          </p:cNvPr>
+          <p:cNvSpPr txBox="1"/>
+          <p:nvPr/>
+        </p:nvSpPr>
+        <p:spPr>
+          <a:xfrm>
+            <a:off x="6978870" y="5681608"/>
+            <a:ext cx="369884" cy="369332"/>
+          </a:xfrm>
+          <a:prstGeom prst="rect">
+            <a:avLst/>
+          </a:prstGeom>
+          <a:noFill/>
+        </p:spPr>
+        <p:txBody>
+          <a:bodyPr wrap="square" rtlCol="0">
+            <a:spAutoFit/>
+          </a:bodyPr>
+          <a:lstStyle/>
+          <a:p>
+            <a:r>
+              <a:rPr kumimoji="1" lang="ja-JP" altLang="en-US">
+                <a:latin typeface="ＭＳ Ｐゴシック" panose="020B0600070205080204" pitchFamily="50" charset="-128"/>
+                <a:ea typeface="ＭＳ Ｐゴシック" panose="020B0600070205080204" pitchFamily="50" charset="-128"/>
+              </a:rPr>
+              <a:t>⑥</a:t>
+            </a:r>
+            <a:endParaRPr kumimoji="1" lang="ja-JP" altLang="en-US" dirty="0">
+              <a:latin typeface="ＭＳ Ｐゴシック" panose="020B0600070205080204" pitchFamily="50" charset="-128"/>
+              <a:ea typeface="ＭＳ Ｐゴシック" panose="020B0600070205080204" pitchFamily="50" charset="-128"/>
+            </a:endParaRPr>
+          </a:p>
+        </p:txBody>
+      </p:sp>
+    </p:spTree>
+    <p:extLst>
+      <p:ext uri="{BB962C8B-B14F-4D97-AF65-F5344CB8AC3E}">
+        <p14:creationId xmlns:p14="http://schemas.microsoft.com/office/powerpoint/2010/main" val="2851405462"/>
+      </p:ext>
+    </p:extLst>
+  </p:cSld>
+  <p:clrMapOvr>
+    <a:masterClrMapping/>
+  </p:clrMapOvr>
+</p:sld>
+</file>
+
+<file path=ppt/slides/slide31.xml><?xml version="1.0" encoding="utf-8"?>
+<p:sld xmlns:a="http://schemas.openxmlformats.org/drawingml/2006/main" xmlns:r="http://schemas.openxmlformats.org/officeDocument/2006/relationships" xmlns:p="http://schemas.openxmlformats.org/presentationml/2006/main">
+  <p:cSld>
+    <p:spTree>
+      <p:nvGrpSpPr>
+        <p:cNvPr id="1" name=""/>
+        <p:cNvGrpSpPr/>
+        <p:nvPr/>
+      </p:nvGrpSpPr>
+      <p:grpSpPr>
+        <a:xfrm>
+          <a:off x="0" y="0"/>
+          <a:ext cx="0" cy="0"/>
+          <a:chOff x="0" y="0"/>
+          <a:chExt cx="0" cy="0"/>
+        </a:xfrm>
+      </p:grpSpPr>
+      <p:pic>
+        <p:nvPicPr>
+          <p:cNvPr id="4" name="図 3">
+            <a:extLst>
+              <a:ext uri="{FF2B5EF4-FFF2-40B4-BE49-F238E27FC236}">
+                <a16:creationId xmlns:a16="http://schemas.microsoft.com/office/drawing/2014/main" id="{A869DD5B-E3C8-ADE7-0FEA-6BE4863381B7}"/>
+              </a:ext>
+            </a:extLst>
+          </p:cNvPr>
+          <p:cNvPicPr>
+            <a:picLocks noChangeAspect="1"/>
+          </p:cNvPicPr>
+          <p:nvPr/>
+        </p:nvPicPr>
+        <p:blipFill>
+          <a:blip r:embed="rId2"/>
+          <a:stretch>
+            <a:fillRect/>
+          </a:stretch>
+        </p:blipFill>
+        <p:spPr>
+          <a:xfrm>
+            <a:off x="2209800" y="669915"/>
+            <a:ext cx="7772400" cy="5518169"/>
+          </a:xfrm>
+          <a:prstGeom prst="rect">
+            <a:avLst/>
+          </a:prstGeom>
+        </p:spPr>
+      </p:pic>
+      <p:sp>
+        <p:nvSpPr>
+          <p:cNvPr id="5" name="正方形/長方形 4">
+            <a:extLst>
+              <a:ext uri="{FF2B5EF4-FFF2-40B4-BE49-F238E27FC236}">
+                <a16:creationId xmlns:a16="http://schemas.microsoft.com/office/drawing/2014/main" id="{9AEAB4D6-0B5D-BB0C-7DA5-165EE7BF706A}"/>
+              </a:ext>
+            </a:extLst>
+          </p:cNvPr>
+          <p:cNvSpPr/>
+          <p:nvPr/>
+        </p:nvSpPr>
+        <p:spPr>
+          <a:xfrm>
+            <a:off x="3811420" y="1234157"/>
+            <a:ext cx="6170780" cy="1771802"/>
+          </a:xfrm>
+          <a:prstGeom prst="rect">
+            <a:avLst/>
+          </a:prstGeom>
+          <a:solidFill>
+            <a:schemeClr val="accent2">
+              <a:alpha val="50000"/>
+            </a:schemeClr>
+          </a:solidFill>
+        </p:spPr>
+        <p:style>
+          <a:lnRef idx="2">
+            <a:schemeClr val="accent2">
+              <a:shade val="15000"/>
+            </a:schemeClr>
+          </a:lnRef>
+          <a:fillRef idx="1">
+            <a:schemeClr val="accent2"/>
+          </a:fillRef>
+          <a:effectRef idx="0">
+            <a:schemeClr val="accent2"/>
+          </a:effectRef>
+          <a:fontRef idx="minor">
+            <a:schemeClr val="lt1"/>
+          </a:fontRef>
+        </p:style>
+        <p:txBody>
+          <a:bodyPr rtlCol="0" anchor="ctr"/>
+          <a:lstStyle/>
+          <a:p>
+            <a:pPr algn="dist"/>
+            <a:endParaRPr kumimoji="1" lang="ja-JP" altLang="en-US"/>
+          </a:p>
+        </p:txBody>
+      </p:sp>
+      <p:sp>
+        <p:nvSpPr>
+          <p:cNvPr id="6" name="正方形/長方形 5">
+            <a:extLst>
+              <a:ext uri="{FF2B5EF4-FFF2-40B4-BE49-F238E27FC236}">
+                <a16:creationId xmlns:a16="http://schemas.microsoft.com/office/drawing/2014/main" id="{973665D5-A68E-55B4-EBEB-E9572548EF56}"/>
+              </a:ext>
+            </a:extLst>
+          </p:cNvPr>
+          <p:cNvSpPr/>
+          <p:nvPr/>
+        </p:nvSpPr>
+        <p:spPr>
+          <a:xfrm>
+            <a:off x="7577959" y="5875282"/>
+            <a:ext cx="569385" cy="312801"/>
+          </a:xfrm>
+          <a:prstGeom prst="rect">
+            <a:avLst/>
+          </a:prstGeom>
+          <a:solidFill>
+            <a:schemeClr val="accent2">
+              <a:alpha val="50000"/>
+            </a:schemeClr>
+          </a:solidFill>
+        </p:spPr>
+        <p:style>
+          <a:lnRef idx="2">
+            <a:schemeClr val="accent2">
+              <a:shade val="15000"/>
+            </a:schemeClr>
+          </a:lnRef>
+          <a:fillRef idx="1">
+            <a:schemeClr val="accent2"/>
+          </a:fillRef>
+          <a:effectRef idx="0">
+            <a:schemeClr val="accent2"/>
+          </a:effectRef>
+          <a:fontRef idx="minor">
+            <a:schemeClr val="lt1"/>
+          </a:fontRef>
+        </p:style>
+        <p:txBody>
+          <a:bodyPr rtlCol="0" anchor="ctr"/>
+          <a:lstStyle/>
+          <a:p>
+            <a:pPr algn="dist"/>
+            <a:endParaRPr kumimoji="1" lang="ja-JP" altLang="en-US"/>
+          </a:p>
+        </p:txBody>
+      </p:sp>
+      <p:sp>
+        <p:nvSpPr>
+          <p:cNvPr id="7" name="テキスト ボックス 6">
+            <a:extLst>
+              <a:ext uri="{FF2B5EF4-FFF2-40B4-BE49-F238E27FC236}">
+                <a16:creationId xmlns:a16="http://schemas.microsoft.com/office/drawing/2014/main" id="{4FC81729-66CD-9021-35B6-B51F6FEE9462}"/>
+              </a:ext>
+            </a:extLst>
+          </p:cNvPr>
+          <p:cNvSpPr txBox="1"/>
+          <p:nvPr/>
+        </p:nvSpPr>
+        <p:spPr>
+          <a:xfrm>
+            <a:off x="9507423" y="1856792"/>
+            <a:ext cx="369884" cy="369332"/>
+          </a:xfrm>
+          <a:prstGeom prst="rect">
+            <a:avLst/>
+          </a:prstGeom>
+          <a:noFill/>
+        </p:spPr>
+        <p:txBody>
+          <a:bodyPr wrap="square" rtlCol="0">
+            <a:spAutoFit/>
+          </a:bodyPr>
+          <a:lstStyle/>
+          <a:p>
+            <a:r>
+              <a:rPr kumimoji="1" lang="ja-JP" altLang="en-US">
+                <a:latin typeface="ＭＳ Ｐゴシック" panose="020B0600070205080204" pitchFamily="50" charset="-128"/>
+                <a:ea typeface="ＭＳ Ｐゴシック" panose="020B0600070205080204" pitchFamily="50" charset="-128"/>
+              </a:rPr>
+              <a:t>⑦</a:t>
+            </a:r>
+            <a:endParaRPr kumimoji="1" lang="ja-JP" altLang="en-US" dirty="0">
+              <a:latin typeface="ＭＳ Ｐゴシック" panose="020B0600070205080204" pitchFamily="50" charset="-128"/>
+              <a:ea typeface="ＭＳ Ｐゴシック" panose="020B0600070205080204" pitchFamily="50" charset="-128"/>
+            </a:endParaRPr>
+          </a:p>
+        </p:txBody>
+      </p:sp>
+      <p:sp>
+        <p:nvSpPr>
+          <p:cNvPr id="8" name="テキスト ボックス 7">
+            <a:extLst>
+              <a:ext uri="{FF2B5EF4-FFF2-40B4-BE49-F238E27FC236}">
+                <a16:creationId xmlns:a16="http://schemas.microsoft.com/office/drawing/2014/main" id="{FC101156-C009-F167-1A54-CA0FD2C89E15}"/>
+              </a:ext>
+            </a:extLst>
+          </p:cNvPr>
+          <p:cNvSpPr txBox="1"/>
+          <p:nvPr/>
+        </p:nvSpPr>
+        <p:spPr>
+          <a:xfrm>
+            <a:off x="8316468" y="5439177"/>
+            <a:ext cx="369884" cy="369332"/>
+          </a:xfrm>
+          <a:prstGeom prst="rect">
+            <a:avLst/>
+          </a:prstGeom>
+          <a:noFill/>
+        </p:spPr>
+        <p:txBody>
+          <a:bodyPr wrap="square" rtlCol="0">
+            <a:spAutoFit/>
+          </a:bodyPr>
+          <a:lstStyle/>
+          <a:p>
+            <a:r>
+              <a:rPr lang="ja-JP" altLang="en-US">
+                <a:latin typeface="ＭＳ Ｐゴシック" panose="020B0600070205080204" pitchFamily="50" charset="-128"/>
+                <a:ea typeface="ＭＳ Ｐゴシック" panose="020B0600070205080204" pitchFamily="50" charset="-128"/>
+              </a:rPr>
+              <a:t>⑧</a:t>
+            </a:r>
+            <a:endParaRPr kumimoji="1" lang="en-US" altLang="ja-JP" dirty="0">
+              <a:latin typeface="ＭＳ Ｐゴシック" panose="020B0600070205080204" pitchFamily="50" charset="-128"/>
+              <a:ea typeface="ＭＳ Ｐゴシック" panose="020B0600070205080204" pitchFamily="50" charset="-128"/>
+            </a:endParaRPr>
+          </a:p>
+        </p:txBody>
+      </p:sp>
+      <p:sp>
+        <p:nvSpPr>
+          <p:cNvPr id="9" name="正方形/長方形 8">
+            <a:extLst>
+              <a:ext uri="{FF2B5EF4-FFF2-40B4-BE49-F238E27FC236}">
+                <a16:creationId xmlns:a16="http://schemas.microsoft.com/office/drawing/2014/main" id="{325CF938-7F2B-3E22-AD9B-3FD35F8429EA}"/>
+              </a:ext>
+            </a:extLst>
+          </p:cNvPr>
+          <p:cNvSpPr/>
+          <p:nvPr/>
+        </p:nvSpPr>
+        <p:spPr>
+          <a:xfrm>
+            <a:off x="8855476" y="5883283"/>
+            <a:ext cx="569385" cy="312801"/>
+          </a:xfrm>
+          <a:prstGeom prst="rect">
+            <a:avLst/>
+          </a:prstGeom>
+          <a:solidFill>
+            <a:schemeClr val="accent2">
+              <a:alpha val="50000"/>
+            </a:schemeClr>
+          </a:solidFill>
+        </p:spPr>
+        <p:style>
+          <a:lnRef idx="2">
+            <a:schemeClr val="accent2">
+              <a:shade val="15000"/>
+            </a:schemeClr>
+          </a:lnRef>
+          <a:fillRef idx="1">
+            <a:schemeClr val="accent2"/>
+          </a:fillRef>
+          <a:effectRef idx="0">
+            <a:schemeClr val="accent2"/>
+          </a:effectRef>
+          <a:fontRef idx="minor">
+            <a:schemeClr val="lt1"/>
+          </a:fontRef>
+        </p:style>
+        <p:txBody>
+          <a:bodyPr rtlCol="0" anchor="ctr"/>
+          <a:lstStyle/>
+          <a:p>
+            <a:pPr algn="dist"/>
+            <a:endParaRPr kumimoji="1" lang="ja-JP" altLang="en-US"/>
+          </a:p>
+        </p:txBody>
+      </p:sp>
+    </p:spTree>
+    <p:extLst>
+      <p:ext uri="{BB962C8B-B14F-4D97-AF65-F5344CB8AC3E}">
+        <p14:creationId xmlns:p14="http://schemas.microsoft.com/office/powerpoint/2010/main" val="253410297"/>
       </p:ext>
     </p:extLst>
   </p:cSld>
